--- a/HuiyunAI-presentation.pptx
+++ b/HuiyunAI-presentation.pptx
@@ -6,7 +6,7 @@
     <p:sldMasterId id="2147483660" r:id="rId2"/>
   </p:sldMasterIdLst>
   <p:notesMasterIdLst>
-    <p:notesMasterId r:id="rId16"/>
+    <p:notesMasterId r:id="rId14"/>
   </p:notesMasterIdLst>
   <p:sldIdLst>
     <p:sldId id="256" r:id="rId3"/>
@@ -14,14 +14,12 @@
     <p:sldId id="258" r:id="rId5"/>
     <p:sldId id="259" r:id="rId6"/>
     <p:sldId id="261" r:id="rId7"/>
-    <p:sldId id="262" r:id="rId8"/>
-    <p:sldId id="263" r:id="rId9"/>
-    <p:sldId id="264" r:id="rId10"/>
-    <p:sldId id="265" r:id="rId11"/>
-    <p:sldId id="266" r:id="rId12"/>
-    <p:sldId id="267" r:id="rId13"/>
-    <p:sldId id="269" r:id="rId14"/>
-    <p:sldId id="268" r:id="rId15"/>
+    <p:sldId id="264" r:id="rId8"/>
+    <p:sldId id="265" r:id="rId9"/>
+    <p:sldId id="266" r:id="rId10"/>
+    <p:sldId id="267" r:id="rId11"/>
+    <p:sldId id="269" r:id="rId12"/>
+    <p:sldId id="268" r:id="rId13"/>
   </p:sldIdLst>
   <p:sldSz cx="12192000" cy="6858000"/>
   <p:notesSz cx="6858000" cy="9144000"/>
@@ -355,7 +353,7 @@
           <a:p>
             <a:fld id="{B7268E1E-0E44-426D-905E-8AD9B19D2182}" type="datetimeFigureOut">
               <a:rPr lang="cs-CZ" smtClean="0"/>
-              <a:t>26.01.2026</a:t>
+              <a:t>27.01.2026</a:t>
             </a:fld>
             <a:endParaRPr lang="cs-CZ"/>
           </a:p>
@@ -859,7 +857,13 @@
   <p:cSld>
     <p:spTree>
       <p:nvGrpSpPr>
-        <p:cNvPr id="1" name=""/>
+        <p:cNvPr id="1" name="">
+          <a:extLst>
+            <a:ext uri="{FF2B5EF4-FFF2-40B4-BE49-F238E27FC236}">
+              <a16:creationId xmlns:a16="http://schemas.microsoft.com/office/drawing/2014/main" id="{BE66361C-98F6-C6D2-64C9-76C01F026BC6}"/>
+            </a:ext>
+          </a:extLst>
+        </p:cNvPr>
         <p:cNvGrpSpPr/>
         <p:nvPr/>
       </p:nvGrpSpPr>
@@ -873,7 +877,13 @@
       </p:grpSpPr>
       <p:sp>
         <p:nvSpPr>
-          <p:cNvPr id="2" name="Header Placeholder 1"/>
+          <p:cNvPr id="2" name="Header Placeholder 1">
+            <a:extLst>
+              <a:ext uri="{FF2B5EF4-FFF2-40B4-BE49-F238E27FC236}">
+                <a16:creationId xmlns:a16="http://schemas.microsoft.com/office/drawing/2014/main" id="{9969F20C-7BB5-A1E9-5AC7-22624B5E427F}"/>
+              </a:ext>
+            </a:extLst>
+          </p:cNvPr>
           <p:cNvSpPr>
             <a:spLocks noGrp="1"/>
           </p:cNvSpPr>
@@ -904,7 +914,13 @@
       </p:sp>
       <p:sp>
         <p:nvSpPr>
-          <p:cNvPr id="3" name="Date Placeholder 2"/>
+          <p:cNvPr id="3" name="Date Placeholder 2">
+            <a:extLst>
+              <a:ext uri="{FF2B5EF4-FFF2-40B4-BE49-F238E27FC236}">
+                <a16:creationId xmlns:a16="http://schemas.microsoft.com/office/drawing/2014/main" id="{A378E63B-9677-26B9-AEF6-09329AF6C84B}"/>
+              </a:ext>
+            </a:extLst>
+          </p:cNvPr>
           <p:cNvSpPr>
             <a:spLocks noGrp="1"/>
           </p:cNvSpPr>
@@ -938,7 +954,13 @@
       </p:sp>
       <p:sp>
         <p:nvSpPr>
-          <p:cNvPr id="4" name="Slide Image Placeholder 3"/>
+          <p:cNvPr id="4" name="Slide Image Placeholder 3">
+            <a:extLst>
+              <a:ext uri="{FF2B5EF4-FFF2-40B4-BE49-F238E27FC236}">
+                <a16:creationId xmlns:a16="http://schemas.microsoft.com/office/drawing/2014/main" id="{6A99297C-BA81-DB97-8BEB-139C27CC9E38}"/>
+              </a:ext>
+            </a:extLst>
+          </p:cNvPr>
           <p:cNvSpPr>
             <a:spLocks noGrp="1" noRot="1" noChangeAspect="1"/>
           </p:cNvSpPr>
@@ -948,8 +970,8 @@
         </p:nvSpPr>
         <p:spPr>
           <a:xfrm>
-            <a:off x="2857500" y="512763"/>
-            <a:ext cx="3429000" cy="2566987"/>
+            <a:off x="2290763" y="512763"/>
+            <a:ext cx="4562475" cy="2566987"/>
           </a:xfrm>
           <a:prstGeom prst="rect">
             <a:avLst/>
@@ -971,7 +993,13 @@
       </p:sp>
       <p:sp>
         <p:nvSpPr>
-          <p:cNvPr id="5" name="Notes Placeholder 4"/>
+          <p:cNvPr id="5" name="Notes Placeholder 4">
+            <a:extLst>
+              <a:ext uri="{FF2B5EF4-FFF2-40B4-BE49-F238E27FC236}">
+                <a16:creationId xmlns:a16="http://schemas.microsoft.com/office/drawing/2014/main" id="{E6B66800-CDB1-BBA4-6ED4-8A8D75BF86B9}"/>
+              </a:ext>
+            </a:extLst>
+          </p:cNvPr>
           <p:cNvSpPr>
             <a:spLocks noGrp="1"/>
           </p:cNvSpPr>
@@ -1007,14 +1035,20 @@
                   <a:srgbClr val="000000"/>
                 </a:solidFill>
               </a:rPr>
-              <a:t>除了天气查询，HuiyunAI还提供了天文预测功能。用户可以查询未来的月相、流星雨等天文现象，满足天文爱好者的需求。</a:t>
+              <a:t>总结一下，HuiyunAI项目已经成功实现了所有核心功能，包括天气查询、天文预测和个性化建议。在技术上，我们通过使用FastAPI和Docker等先进技术，构建了一个高效、稳定且易于部署的系统。该项目为用户提供了极大的便利，获得了良好的用户反馈。</a:t>
             </a:r>
           </a:p>
         </p:txBody>
       </p:sp>
       <p:sp>
         <p:nvSpPr>
-          <p:cNvPr id="6" name="Footer Placeholder 5"/>
+          <p:cNvPr id="6" name="Footer Placeholder 5">
+            <a:extLst>
+              <a:ext uri="{FF2B5EF4-FFF2-40B4-BE49-F238E27FC236}">
+                <a16:creationId xmlns:a16="http://schemas.microsoft.com/office/drawing/2014/main" id="{6EFD2959-648C-BEE5-71DD-DA57DB7C8913}"/>
+              </a:ext>
+            </a:extLst>
+          </p:cNvPr>
           <p:cNvSpPr>
             <a:spLocks noGrp="1"/>
           </p:cNvSpPr>
@@ -1045,7 +1079,13 @@
       </p:sp>
       <p:sp>
         <p:nvSpPr>
-          <p:cNvPr id="7" name="Slide Number Placeholder 6"/>
+          <p:cNvPr id="7" name="Slide Number Placeholder 6">
+            <a:extLst>
+              <a:ext uri="{FF2B5EF4-FFF2-40B4-BE49-F238E27FC236}">
+                <a16:creationId xmlns:a16="http://schemas.microsoft.com/office/drawing/2014/main" id="{88046FA4-3213-DD99-E9AD-0DBD45B1D9A4}"/>
+              </a:ext>
+            </a:extLst>
+          </p:cNvPr>
           <p:cNvSpPr>
             <a:spLocks noGrp="1"/>
           </p:cNvSpPr>
@@ -1078,6 +1118,11 @@
         </p:txBody>
       </p:sp>
     </p:spTree>
+    <p:extLst>
+      <p:ext uri="{BB962C8B-B14F-4D97-AF65-F5344CB8AC3E}">
+        <p14:creationId xmlns:p14="http://schemas.microsoft.com/office/powerpoint/2010/main" val="1183213722"/>
+      </p:ext>
+    </p:extLst>
   </p:cSld>
   <p:clrMapOvr>
     <a:masterClrMapping/>
@@ -1181,515 +1226,6 @@
           <a:xfrm>
             <a:off x="2290763" y="512763"/>
             <a:ext cx="4562475" cy="2566987"/>
-          </a:xfrm>
-          <a:prstGeom prst="rect">
-            <a:avLst/>
-          </a:prstGeom>
-          <a:noFill/>
-          <a:ln w="12700">
-            <a:solidFill>
-              <a:prstClr val="black"/>
-            </a:solidFill>
-          </a:ln>
-        </p:spPr>
-        <p:txBody>
-          <a:bodyPr vert="horz" lIns="91440" tIns="45720" rIns="91440" bIns="45720" rtlCol="0" anchor="ctr"/>
-          <a:lstStyle/>
-          <a:p>
-            <a:endParaRPr/>
-          </a:p>
-        </p:txBody>
-      </p:sp>
-      <p:sp>
-        <p:nvSpPr>
-          <p:cNvPr id="5" name="Notes Placeholder 4"/>
-          <p:cNvSpPr>
-            <a:spLocks noGrp="1"/>
-          </p:cNvSpPr>
-          <p:nvPr>
-            <p:ph type="body" sz="quarter" idx="3"/>
-          </p:nvPr>
-        </p:nvSpPr>
-        <p:spPr>
-          <a:xfrm>
-            <a:off x="914400" y="3251200"/>
-            <a:ext cx="7315200" cy="3081338"/>
-          </a:xfrm>
-          <a:prstGeom prst="rect">
-            <a:avLst/>
-          </a:prstGeom>
-        </p:spPr>
-        <p:txBody>
-          <a:bodyPr vert="horz" lIns="91440" tIns="45720" rIns="91440" bIns="45720" rtlCol="0" anchor="ctr"/>
-          <a:lstStyle>
-            <a:lvl1pPr algn="l">
-              <a:defRPr sz="1400" b="0" i="0" u="none" strike="noStrike"/>
-            </a:lvl1pPr>
-          </a:lstStyle>
-          <a:p>
-            <a:pPr indent="0" algn="l">
-              <a:lnSpc>
-                <a:spcPct val="100000"/>
-              </a:lnSpc>
-            </a:pPr>
-            <a:r>
-              <a:rPr lang="en-US" sz="1400" b="0" i="0" u="none" strike="noStrike">
-                <a:solidFill>
-                  <a:srgbClr val="000000"/>
-                </a:solidFill>
-              </a:rPr>
-              <a:t>总结一下，HuiyunAI项目已经成功实现了所有核心功能，包括天气查询、天文预测和个性化建议。在技术上，我们通过使用FastAPI和Docker等先进技术，构建了一个高效、稳定且易于部署的系统。该项目为用户提供了极大的便利，获得了良好的用户反馈。</a:t>
-            </a:r>
-          </a:p>
-        </p:txBody>
-      </p:sp>
-      <p:sp>
-        <p:nvSpPr>
-          <p:cNvPr id="6" name="Footer Placeholder 5"/>
-          <p:cNvSpPr>
-            <a:spLocks noGrp="1"/>
-          </p:cNvSpPr>
-          <p:nvPr>
-            <p:ph type="ftr" sz="quarter" idx="4"/>
-          </p:nvPr>
-        </p:nvSpPr>
-        <p:spPr>
-          <a:xfrm>
-            <a:off x="0" y="6502400"/>
-            <a:ext cx="3962400" cy="341313"/>
-          </a:xfrm>
-          <a:prstGeom prst="rect">
-            <a:avLst/>
-          </a:prstGeom>
-        </p:spPr>
-        <p:txBody>
-          <a:bodyPr vert="horz" lIns="91440" tIns="45720" rIns="91440" bIns="45720" rtlCol="0" anchor="b"/>
-          <a:lstStyle>
-            <a:lvl1pPr algn="l">
-              <a:defRPr sz="1200"/>
-            </a:lvl1pPr>
-          </a:lstStyle>
-          <a:p>
-            <a:endParaRPr/>
-          </a:p>
-        </p:txBody>
-      </p:sp>
-      <p:sp>
-        <p:nvSpPr>
-          <p:cNvPr id="7" name="Slide Number Placeholder 6"/>
-          <p:cNvSpPr>
-            <a:spLocks noGrp="1"/>
-          </p:cNvSpPr>
-          <p:nvPr>
-            <p:ph type="sldNum" sz="quarter" idx="5"/>
-          </p:nvPr>
-        </p:nvSpPr>
-        <p:spPr>
-          <a:xfrm>
-            <a:off x="5180013" y="6502400"/>
-            <a:ext cx="3962400" cy="341313"/>
-          </a:xfrm>
-          <a:prstGeom prst="rect">
-            <a:avLst/>
-          </a:prstGeom>
-        </p:spPr>
-        <p:txBody>
-          <a:bodyPr vert="horz" lIns="91440" tIns="45720" rIns="91440" bIns="45720" rtlCol="0" anchor="b"/>
-          <a:lstStyle>
-            <a:lvl1pPr algn="r">
-              <a:defRPr sz="1200"/>
-            </a:lvl1pPr>
-          </a:lstStyle>
-          <a:p>
-            <a:r>
-              <a:rPr lang="cs-CZ"/>
-              <a:t>‹#›</a:t>
-            </a:r>
-          </a:p>
-        </p:txBody>
-      </p:sp>
-    </p:spTree>
-  </p:cSld>
-  <p:clrMapOvr>
-    <a:masterClrMapping/>
-  </p:clrMapOvr>
-</p:notes>
-</file>
-
-<file path=ppt/notesSlides/notesSlide12.xml><?xml version="1.0" encoding="utf-8"?>
-<p:notes xmlns:a="http://schemas.openxmlformats.org/drawingml/2006/main" xmlns:r="http://schemas.openxmlformats.org/officeDocument/2006/relationships" xmlns:p="http://schemas.openxmlformats.org/presentationml/2006/main">
-  <p:cSld>
-    <p:spTree>
-      <p:nvGrpSpPr>
-        <p:cNvPr id="1" name="">
-          <a:extLst>
-            <a:ext uri="{FF2B5EF4-FFF2-40B4-BE49-F238E27FC236}">
-              <a16:creationId xmlns:a16="http://schemas.microsoft.com/office/drawing/2014/main" id="{BE66361C-98F6-C6D2-64C9-76C01F026BC6}"/>
-            </a:ext>
-          </a:extLst>
-        </p:cNvPr>
-        <p:cNvGrpSpPr/>
-        <p:nvPr/>
-      </p:nvGrpSpPr>
-      <p:grpSpPr>
-        <a:xfrm>
-          <a:off x="0" y="0"/>
-          <a:ext cx="0" cy="0"/>
-          <a:chOff x="0" y="0"/>
-          <a:chExt cx="0" cy="0"/>
-        </a:xfrm>
-      </p:grpSpPr>
-      <p:sp>
-        <p:nvSpPr>
-          <p:cNvPr id="2" name="Header Placeholder 1">
-            <a:extLst>
-              <a:ext uri="{FF2B5EF4-FFF2-40B4-BE49-F238E27FC236}">
-                <a16:creationId xmlns:a16="http://schemas.microsoft.com/office/drawing/2014/main" id="{9969F20C-7BB5-A1E9-5AC7-22624B5E427F}"/>
-              </a:ext>
-            </a:extLst>
-          </p:cNvPr>
-          <p:cNvSpPr>
-            <a:spLocks noGrp="1"/>
-          </p:cNvSpPr>
-          <p:nvPr>
-            <p:ph type="hdr" sz="quarter"/>
-          </p:nvPr>
-        </p:nvSpPr>
-        <p:spPr>
-          <a:xfrm>
-            <a:off x="0" y="0"/>
-            <a:ext cx="3962400" cy="342900"/>
-          </a:xfrm>
-          <a:prstGeom prst="rect">
-            <a:avLst/>
-          </a:prstGeom>
-        </p:spPr>
-        <p:txBody>
-          <a:bodyPr vert="horz" lIns="91440" tIns="45720" rIns="91440" bIns="45720" rtlCol="0"/>
-          <a:lstStyle>
-            <a:lvl1pPr algn="l">
-              <a:defRPr sz="1200"/>
-            </a:lvl1pPr>
-          </a:lstStyle>
-          <a:p>
-            <a:endParaRPr/>
-          </a:p>
-        </p:txBody>
-      </p:sp>
-      <p:sp>
-        <p:nvSpPr>
-          <p:cNvPr id="3" name="Date Placeholder 2">
-            <a:extLst>
-              <a:ext uri="{FF2B5EF4-FFF2-40B4-BE49-F238E27FC236}">
-                <a16:creationId xmlns:a16="http://schemas.microsoft.com/office/drawing/2014/main" id="{A378E63B-9677-26B9-AEF6-09329AF6C84B}"/>
-              </a:ext>
-            </a:extLst>
-          </p:cNvPr>
-          <p:cNvSpPr>
-            <a:spLocks noGrp="1"/>
-          </p:cNvSpPr>
-          <p:nvPr>
-            <p:ph type="dt" idx="1"/>
-          </p:nvPr>
-        </p:nvSpPr>
-        <p:spPr>
-          <a:xfrm>
-            <a:off x="5180013" y="0"/>
-            <a:ext cx="3962400" cy="342900"/>
-          </a:xfrm>
-          <a:prstGeom prst="rect">
-            <a:avLst/>
-          </a:prstGeom>
-        </p:spPr>
-        <p:txBody>
-          <a:bodyPr vert="horz" lIns="91440" tIns="45720" rIns="91440" bIns="45720" rtlCol="0"/>
-          <a:lstStyle>
-            <a:lvl1pPr algn="r">
-              <a:defRPr sz="1200"/>
-            </a:lvl1pPr>
-          </a:lstStyle>
-          <a:p>
-            <a:r>
-              <a:rPr lang="cs-CZ"/>
-              <a:t>1.7.2013</a:t>
-            </a:r>
-          </a:p>
-        </p:txBody>
-      </p:sp>
-      <p:sp>
-        <p:nvSpPr>
-          <p:cNvPr id="4" name="Slide Image Placeholder 3">
-            <a:extLst>
-              <a:ext uri="{FF2B5EF4-FFF2-40B4-BE49-F238E27FC236}">
-                <a16:creationId xmlns:a16="http://schemas.microsoft.com/office/drawing/2014/main" id="{6A99297C-BA81-DB97-8BEB-139C27CC9E38}"/>
-              </a:ext>
-            </a:extLst>
-          </p:cNvPr>
-          <p:cNvSpPr>
-            <a:spLocks noGrp="1" noRot="1" noChangeAspect="1"/>
-          </p:cNvSpPr>
-          <p:nvPr>
-            <p:ph type="sldImg" idx="2"/>
-          </p:nvPr>
-        </p:nvSpPr>
-        <p:spPr>
-          <a:xfrm>
-            <a:off x="2290763" y="512763"/>
-            <a:ext cx="4562475" cy="2566987"/>
-          </a:xfrm>
-          <a:prstGeom prst="rect">
-            <a:avLst/>
-          </a:prstGeom>
-          <a:noFill/>
-          <a:ln w="12700">
-            <a:solidFill>
-              <a:prstClr val="black"/>
-            </a:solidFill>
-          </a:ln>
-        </p:spPr>
-        <p:txBody>
-          <a:bodyPr vert="horz" lIns="91440" tIns="45720" rIns="91440" bIns="45720" rtlCol="0" anchor="ctr"/>
-          <a:lstStyle/>
-          <a:p>
-            <a:endParaRPr/>
-          </a:p>
-        </p:txBody>
-      </p:sp>
-      <p:sp>
-        <p:nvSpPr>
-          <p:cNvPr id="5" name="Notes Placeholder 4">
-            <a:extLst>
-              <a:ext uri="{FF2B5EF4-FFF2-40B4-BE49-F238E27FC236}">
-                <a16:creationId xmlns:a16="http://schemas.microsoft.com/office/drawing/2014/main" id="{E6B66800-CDB1-BBA4-6ED4-8A8D75BF86B9}"/>
-              </a:ext>
-            </a:extLst>
-          </p:cNvPr>
-          <p:cNvSpPr>
-            <a:spLocks noGrp="1"/>
-          </p:cNvSpPr>
-          <p:nvPr>
-            <p:ph type="body" sz="quarter" idx="3"/>
-          </p:nvPr>
-        </p:nvSpPr>
-        <p:spPr>
-          <a:xfrm>
-            <a:off x="914400" y="3251200"/>
-            <a:ext cx="7315200" cy="3081338"/>
-          </a:xfrm>
-          <a:prstGeom prst="rect">
-            <a:avLst/>
-          </a:prstGeom>
-        </p:spPr>
-        <p:txBody>
-          <a:bodyPr vert="horz" lIns="91440" tIns="45720" rIns="91440" bIns="45720" rtlCol="0" anchor="ctr"/>
-          <a:lstStyle>
-            <a:lvl1pPr algn="l">
-              <a:defRPr sz="1400" b="0" i="0" u="none" strike="noStrike"/>
-            </a:lvl1pPr>
-          </a:lstStyle>
-          <a:p>
-            <a:pPr indent="0" algn="l">
-              <a:lnSpc>
-                <a:spcPct val="100000"/>
-              </a:lnSpc>
-            </a:pPr>
-            <a:r>
-              <a:rPr lang="en-US" sz="1400" b="0" i="0" u="none" strike="noStrike">
-                <a:solidFill>
-                  <a:srgbClr val="000000"/>
-                </a:solidFill>
-              </a:rPr>
-              <a:t>总结一下，HuiyunAI项目已经成功实现了所有核心功能，包括天气查询、天文预测和个性化建议。在技术上，我们通过使用FastAPI和Docker等先进技术，构建了一个高效、稳定且易于部署的系统。该项目为用户提供了极大的便利，获得了良好的用户反馈。</a:t>
-            </a:r>
-          </a:p>
-        </p:txBody>
-      </p:sp>
-      <p:sp>
-        <p:nvSpPr>
-          <p:cNvPr id="6" name="Footer Placeholder 5">
-            <a:extLst>
-              <a:ext uri="{FF2B5EF4-FFF2-40B4-BE49-F238E27FC236}">
-                <a16:creationId xmlns:a16="http://schemas.microsoft.com/office/drawing/2014/main" id="{6EFD2959-648C-BEE5-71DD-DA57DB7C8913}"/>
-              </a:ext>
-            </a:extLst>
-          </p:cNvPr>
-          <p:cNvSpPr>
-            <a:spLocks noGrp="1"/>
-          </p:cNvSpPr>
-          <p:nvPr>
-            <p:ph type="ftr" sz="quarter" idx="4"/>
-          </p:nvPr>
-        </p:nvSpPr>
-        <p:spPr>
-          <a:xfrm>
-            <a:off x="0" y="6502400"/>
-            <a:ext cx="3962400" cy="341313"/>
-          </a:xfrm>
-          <a:prstGeom prst="rect">
-            <a:avLst/>
-          </a:prstGeom>
-        </p:spPr>
-        <p:txBody>
-          <a:bodyPr vert="horz" lIns="91440" tIns="45720" rIns="91440" bIns="45720" rtlCol="0" anchor="b"/>
-          <a:lstStyle>
-            <a:lvl1pPr algn="l">
-              <a:defRPr sz="1200"/>
-            </a:lvl1pPr>
-          </a:lstStyle>
-          <a:p>
-            <a:endParaRPr/>
-          </a:p>
-        </p:txBody>
-      </p:sp>
-      <p:sp>
-        <p:nvSpPr>
-          <p:cNvPr id="7" name="Slide Number Placeholder 6">
-            <a:extLst>
-              <a:ext uri="{FF2B5EF4-FFF2-40B4-BE49-F238E27FC236}">
-                <a16:creationId xmlns:a16="http://schemas.microsoft.com/office/drawing/2014/main" id="{88046FA4-3213-DD99-E9AD-0DBD45B1D9A4}"/>
-              </a:ext>
-            </a:extLst>
-          </p:cNvPr>
-          <p:cNvSpPr>
-            <a:spLocks noGrp="1"/>
-          </p:cNvSpPr>
-          <p:nvPr>
-            <p:ph type="sldNum" sz="quarter" idx="5"/>
-          </p:nvPr>
-        </p:nvSpPr>
-        <p:spPr>
-          <a:xfrm>
-            <a:off x="5180013" y="6502400"/>
-            <a:ext cx="3962400" cy="341313"/>
-          </a:xfrm>
-          <a:prstGeom prst="rect">
-            <a:avLst/>
-          </a:prstGeom>
-        </p:spPr>
-        <p:txBody>
-          <a:bodyPr vert="horz" lIns="91440" tIns="45720" rIns="91440" bIns="45720" rtlCol="0" anchor="b"/>
-          <a:lstStyle>
-            <a:lvl1pPr algn="r">
-              <a:defRPr sz="1200"/>
-            </a:lvl1pPr>
-          </a:lstStyle>
-          <a:p>
-            <a:r>
-              <a:rPr lang="cs-CZ"/>
-              <a:t>‹#›</a:t>
-            </a:r>
-          </a:p>
-        </p:txBody>
-      </p:sp>
-    </p:spTree>
-    <p:extLst>
-      <p:ext uri="{BB962C8B-B14F-4D97-AF65-F5344CB8AC3E}">
-        <p14:creationId xmlns:p14="http://schemas.microsoft.com/office/powerpoint/2010/main" val="1183213722"/>
-      </p:ext>
-    </p:extLst>
-  </p:cSld>
-  <p:clrMapOvr>
-    <a:masterClrMapping/>
-  </p:clrMapOvr>
-</p:notes>
-</file>
-
-<file path=ppt/notesSlides/notesSlide13.xml><?xml version="1.0" encoding="utf-8"?>
-<p:notes xmlns:a="http://schemas.openxmlformats.org/drawingml/2006/main" xmlns:r="http://schemas.openxmlformats.org/officeDocument/2006/relationships" xmlns:p="http://schemas.openxmlformats.org/presentationml/2006/main">
-  <p:cSld>
-    <p:spTree>
-      <p:nvGrpSpPr>
-        <p:cNvPr id="1" name=""/>
-        <p:cNvGrpSpPr/>
-        <p:nvPr/>
-      </p:nvGrpSpPr>
-      <p:grpSpPr>
-        <a:xfrm>
-          <a:off x="0" y="0"/>
-          <a:ext cx="0" cy="0"/>
-          <a:chOff x="0" y="0"/>
-          <a:chExt cx="0" cy="0"/>
-        </a:xfrm>
-      </p:grpSpPr>
-      <p:sp>
-        <p:nvSpPr>
-          <p:cNvPr id="2" name="Header Placeholder 1"/>
-          <p:cNvSpPr>
-            <a:spLocks noGrp="1"/>
-          </p:cNvSpPr>
-          <p:nvPr>
-            <p:ph type="hdr" sz="quarter"/>
-          </p:nvPr>
-        </p:nvSpPr>
-        <p:spPr>
-          <a:xfrm>
-            <a:off x="0" y="0"/>
-            <a:ext cx="3962400" cy="342900"/>
-          </a:xfrm>
-          <a:prstGeom prst="rect">
-            <a:avLst/>
-          </a:prstGeom>
-        </p:spPr>
-        <p:txBody>
-          <a:bodyPr vert="horz" lIns="91440" tIns="45720" rIns="91440" bIns="45720" rtlCol="0"/>
-          <a:lstStyle>
-            <a:lvl1pPr algn="l">
-              <a:defRPr sz="1200"/>
-            </a:lvl1pPr>
-          </a:lstStyle>
-          <a:p>
-            <a:endParaRPr/>
-          </a:p>
-        </p:txBody>
-      </p:sp>
-      <p:sp>
-        <p:nvSpPr>
-          <p:cNvPr id="3" name="Date Placeholder 2"/>
-          <p:cNvSpPr>
-            <a:spLocks noGrp="1"/>
-          </p:cNvSpPr>
-          <p:nvPr>
-            <p:ph type="dt" idx="1"/>
-          </p:nvPr>
-        </p:nvSpPr>
-        <p:spPr>
-          <a:xfrm>
-            <a:off x="5180013" y="0"/>
-            <a:ext cx="3962400" cy="342900"/>
-          </a:xfrm>
-          <a:prstGeom prst="rect">
-            <a:avLst/>
-          </a:prstGeom>
-        </p:spPr>
-        <p:txBody>
-          <a:bodyPr vert="horz" lIns="91440" tIns="45720" rIns="91440" bIns="45720" rtlCol="0"/>
-          <a:lstStyle>
-            <a:lvl1pPr algn="r">
-              <a:defRPr sz="1200"/>
-            </a:lvl1pPr>
-          </a:lstStyle>
-          <a:p>
-            <a:r>
-              <a:rPr lang="cs-CZ"/>
-              <a:t>1.7.2013</a:t>
-            </a:r>
-          </a:p>
-        </p:txBody>
-      </p:sp>
-      <p:sp>
-        <p:nvSpPr>
-          <p:cNvPr id="4" name="Slide Image Placeholder 3"/>
-          <p:cNvSpPr>
-            <a:spLocks noGrp="1" noRot="1" noChangeAspect="1"/>
-          </p:cNvSpPr>
-          <p:nvPr>
-            <p:ph type="sldImg" idx="2"/>
-          </p:nvPr>
-        </p:nvSpPr>
-        <p:spPr>
-          <a:xfrm>
-            <a:off x="2857500" y="512763"/>
-            <a:ext cx="3429000" cy="2566987"/>
           </a:xfrm>
           <a:prstGeom prst="rect">
             <a:avLst/>
@@ -1919,8 +1455,8 @@
         </p:nvSpPr>
         <p:spPr>
           <a:xfrm>
-            <a:off x="2857500" y="512763"/>
-            <a:ext cx="3429000" cy="2566987"/>
+            <a:off x="2290763" y="512763"/>
+            <a:ext cx="4562475" cy="2566987"/>
           </a:xfrm>
           <a:prstGeom prst="rect">
             <a:avLst/>
@@ -2150,8 +1686,8 @@
         </p:nvSpPr>
         <p:spPr>
           <a:xfrm>
-            <a:off x="2857500" y="512763"/>
-            <a:ext cx="3429000" cy="2566987"/>
+            <a:off x="2290763" y="512763"/>
+            <a:ext cx="4562475" cy="2566987"/>
           </a:xfrm>
           <a:prstGeom prst="rect">
             <a:avLst/>
@@ -2612,8 +2148,8 @@
         </p:nvSpPr>
         <p:spPr>
           <a:xfrm>
-            <a:off x="2857500" y="512763"/>
-            <a:ext cx="3429000" cy="2566987"/>
+            <a:off x="2290763" y="512763"/>
+            <a:ext cx="4562475" cy="2566987"/>
           </a:xfrm>
           <a:prstGeom prst="rect">
             <a:avLst/>
@@ -2843,8 +2379,8 @@
         </p:nvSpPr>
         <p:spPr>
           <a:xfrm>
-            <a:off x="2857500" y="512763"/>
-            <a:ext cx="3429000" cy="2566987"/>
+            <a:off x="2290763" y="512763"/>
+            <a:ext cx="4562475" cy="2566987"/>
           </a:xfrm>
           <a:prstGeom prst="rect">
             <a:avLst/>
@@ -2902,7 +2438,7 @@
                   <a:srgbClr val="000000"/>
                 </a:solidFill>
               </a:rPr>
-              <a:t>在后端，我们选择了FastAPI作为API框架，它不仅性能出色，还能自动生成API文档。核心的AI能力由阿里的通义千问大模型提供。整个项目使用Python开发，并通过Docker进行容器化部署，确保了开发和生产环境的一致性。</a:t>
+              <a:t>在部署和运维方面，我们全面采用了Docker容器化技术，这使得应用可以轻松地在任何支持Docker的环境中运行。同时，我们使用Git进行版本控制，并借助CI/CD工具实现了自动化的构建和部署流程，大大提高了开发和运维的效率。</a:t>
             </a:r>
           </a:p>
         </p:txBody>
@@ -3133,7 +2669,7 @@
                   <a:srgbClr val="000000"/>
                 </a:solidFill>
               </a:rPr>
-              <a:t>前端方面，我们采用了经典的HTML、CSS和JavaScript组合，并引入了Tailwind CSS来加速UI开发，使用Font Awesome提供丰富的图标支持，从而打造出一个既美观又实用的用户界面。</a:t>
+              <a:t>接下来，我将为大家演示HuiyunAI的主要功能。首先是天气查询，用户只需输入城市名称，系统就会返回该城市的实时天气信息，比如温度、天气状况和风力等。</a:t>
             </a:r>
           </a:p>
         </p:txBody>
@@ -3364,7 +2900,7 @@
                   <a:srgbClr val="000000"/>
                 </a:solidFill>
               </a:rPr>
-              <a:t>在部署和运维方面，我们全面采用了Docker容器化技术，这使得应用可以轻松地在任何支持Docker的环境中运行。同时，我们使用Git进行版本控制，并借助CI/CD工具实现了自动化的构建和部署流程，大大提高了开发和运维的效率。</a:t>
+              <a:t>除了天气查询，HuiyunAI还提供了天文预测功能。用户可以查询未来的月相、流星雨等天文现象，满足天文爱好者的需求。</a:t>
             </a:r>
           </a:p>
         </p:txBody>
@@ -3536,8 +3072,8 @@
         </p:nvSpPr>
         <p:spPr>
           <a:xfrm>
-            <a:off x="2857500" y="512763"/>
-            <a:ext cx="3429000" cy="2566987"/>
+            <a:off x="2290763" y="512763"/>
+            <a:ext cx="4562475" cy="2566987"/>
           </a:xfrm>
           <a:prstGeom prst="rect">
             <a:avLst/>
@@ -3595,7 +3131,7 @@
                   <a:srgbClr val="000000"/>
                 </a:solidFill>
               </a:rPr>
-              <a:t>接下来，我将为大家演示HuiyunAI的主要功能。首先是天气查询，用户只需输入城市名称，系统就会返回该城市的实时天气信息，比如温度、天气状况和风力等。</a:t>
+              <a:t>总结一下，HuiyunAI项目已经成功实现了所有核心功能，包括天气查询、天文预测和个性化建议。在技术上，我们通过使用FastAPI和Docker等先进技术，构建了一个高效、稳定且易于部署的系统。该项目为用户提供了极大的便利，获得了良好的用户反馈。</a:t>
             </a:r>
           </a:p>
         </p:txBody>
@@ -14676,75 +14212,6 @@
           <a:chExt cx="0" cy="0"/>
         </a:xfrm>
       </p:grpSpPr>
-      <p:pic>
-        <p:nvPicPr>
-          <p:cNvPr id="2" name="Picture 2"/>
-          <p:cNvPicPr>
-            <a:picLocks noChangeAspect="1"/>
-          </p:cNvPicPr>
-          <p:nvPr/>
-        </p:nvPicPr>
-        <p:blipFill>
-          <a:blip r:embed="rId3"/>
-          <a:srcRect/>
-          <a:stretch>
-            <a:fillRect/>
-          </a:stretch>
-        </p:blipFill>
-        <p:spPr>
-          <a:xfrm>
-            <a:off x="0" y="0"/>
-            <a:ext cx="12192000" cy="6858000"/>
-          </a:xfrm>
-          <a:prstGeom prst="rect">
-            <a:avLst/>
-          </a:prstGeom>
-          <a:noFill/>
-          <a:ln w="25400" cap="flat" cmpd="sng">
-            <a:noFill/>
-            <a:prstDash val="solid"/>
-            <a:round/>
-          </a:ln>
-        </p:spPr>
-      </p:pic>
-      <p:sp>
-        <p:nvSpPr>
-          <p:cNvPr id="3" name="AutoShape 3"/>
-          <p:cNvSpPr/>
-          <p:nvPr/>
-        </p:nvSpPr>
-        <p:spPr>
-          <a:xfrm>
-            <a:off x="0" y="0"/>
-            <a:ext cx="12192000" cy="6858000"/>
-          </a:xfrm>
-          <a:prstGeom prst="roundRect">
-            <a:avLst>
-              <a:gd name="adj" fmla="val 0"/>
-            </a:avLst>
-          </a:prstGeom>
-          <a:solidFill>
-            <a:srgbClr val="0A0F19">
-              <a:alpha val="50000"/>
-            </a:srgbClr>
-          </a:solidFill>
-          <a:ln w="25400" cap="flat" cmpd="sng">
-            <a:noFill/>
-            <a:prstDash val="solid"/>
-            <a:round/>
-          </a:ln>
-        </p:spPr>
-        <p:txBody>
-          <a:bodyPr vert="horz" wrap="square" lIns="63500" tIns="63500" rIns="63500" bIns="63500" rtlCol="0" anchor="ctr"/>
-          <a:lstStyle/>
-          <a:p>
-            <a:pPr algn="ctr">
-              <a:defRPr/>
-            </a:pPr>
-            <a:endParaRPr/>
-          </a:p>
-        </p:txBody>
-      </p:sp>
       <p:sp>
         <p:nvSpPr>
           <p:cNvPr id="4" name="AutoShape 4"/>
@@ -14786,7 +14253,7 @@
                 <a:cs typeface="Noto Sans SC"/>
                 <a:sym typeface="Noto Sans SC"/>
               </a:rPr>
-              <a:t>集训</a:t>
+              <a:t>寒假集训</a:t>
             </a:r>
             <a:r>
               <a:rPr lang="en-US" sz="4800" b="1" i="0" u="none" strike="noStrike" dirty="0" err="1">
@@ -15037,1360 +14504,6 @@
 </file>
 
 <file path=ppt/slides/slide10.xml><?xml version="1.0" encoding="utf-8"?>
-<p:sld xmlns:a="http://schemas.openxmlformats.org/drawingml/2006/main" xmlns:r="http://schemas.openxmlformats.org/officeDocument/2006/relationships" xmlns:p="http://schemas.openxmlformats.org/presentationml/2006/main">
-  <p:cSld>
-    <p:bg>
-      <p:bgPr>
-        <a:solidFill>
-          <a:srgbClr val="0A0A14">
-            <a:alpha val="100000"/>
-          </a:srgbClr>
-        </a:solidFill>
-        <a:effectLst/>
-      </p:bgPr>
-    </p:bg>
-    <p:spTree>
-      <p:nvGrpSpPr>
-        <p:cNvPr id="1" name=""/>
-        <p:cNvGrpSpPr/>
-        <p:nvPr/>
-      </p:nvGrpSpPr>
-      <p:grpSpPr>
-        <a:xfrm>
-          <a:off x="0" y="0"/>
-          <a:ext cx="0" cy="0"/>
-          <a:chOff x="0" y="0"/>
-          <a:chExt cx="0" cy="0"/>
-        </a:xfrm>
-      </p:grpSpPr>
-      <p:pic>
-        <p:nvPicPr>
-          <p:cNvPr id="2" name="Picture 2"/>
-          <p:cNvPicPr>
-            <a:picLocks noChangeAspect="1"/>
-          </p:cNvPicPr>
-          <p:nvPr/>
-        </p:nvPicPr>
-        <p:blipFill>
-          <a:blip r:embed="rId3"/>
-          <a:srcRect/>
-          <a:stretch>
-            <a:fillRect/>
-          </a:stretch>
-        </p:blipFill>
-        <p:spPr>
-          <a:xfrm>
-            <a:off x="0" y="0"/>
-            <a:ext cx="12192000" cy="6858000"/>
-          </a:xfrm>
-          <a:prstGeom prst="rect">
-            <a:avLst/>
-          </a:prstGeom>
-          <a:noFill/>
-          <a:ln w="25400" cap="flat" cmpd="sng">
-            <a:noFill/>
-            <a:prstDash val="solid"/>
-            <a:round/>
-          </a:ln>
-        </p:spPr>
-      </p:pic>
-      <p:sp>
-        <p:nvSpPr>
-          <p:cNvPr id="3" name="AutoShape 3"/>
-          <p:cNvSpPr/>
-          <p:nvPr/>
-        </p:nvSpPr>
-        <p:spPr>
-          <a:xfrm>
-            <a:off x="0" y="0"/>
-            <a:ext cx="12192000" cy="6858000"/>
-          </a:xfrm>
-          <a:prstGeom prst="roundRect">
-            <a:avLst>
-              <a:gd name="adj" fmla="val 0"/>
-            </a:avLst>
-          </a:prstGeom>
-          <a:solidFill>
-            <a:srgbClr val="0A0F1E">
-              <a:alpha val="70000"/>
-            </a:srgbClr>
-          </a:solidFill>
-          <a:ln w="25400" cap="flat" cmpd="sng">
-            <a:noFill/>
-            <a:prstDash val="solid"/>
-            <a:round/>
-          </a:ln>
-        </p:spPr>
-        <p:txBody>
-          <a:bodyPr vert="horz" wrap="square" lIns="63500" tIns="63500" rIns="63500" bIns="63500" rtlCol="0" anchor="ctr"/>
-          <a:lstStyle/>
-          <a:p>
-            <a:pPr algn="ctr">
-              <a:defRPr/>
-            </a:pPr>
-            <a:endParaRPr/>
-          </a:p>
-        </p:txBody>
-      </p:sp>
-      <p:sp>
-        <p:nvSpPr>
-          <p:cNvPr id="4" name="AutoShape 4"/>
-          <p:cNvSpPr/>
-          <p:nvPr/>
-        </p:nvSpPr>
-        <p:spPr>
-          <a:xfrm>
-            <a:off x="762000" y="508000"/>
-            <a:ext cx="7620000" cy="508000"/>
-          </a:xfrm>
-          <a:prstGeom prst="rect">
-            <a:avLst/>
-          </a:prstGeom>
-          <a:noFill/>
-          <a:ln w="12700" cap="flat" cmpd="sng">
-            <a:noFill/>
-            <a:prstDash val="solid"/>
-            <a:round/>
-          </a:ln>
-        </p:spPr>
-        <p:txBody>
-          <a:bodyPr vert="horz" wrap="square" lIns="0" tIns="0" rIns="0" bIns="0" rtlCol="0" anchor="ctr" anchorCtr="0"/>
-          <a:lstStyle/>
-          <a:p>
-            <a:pPr indent="0" algn="l">
-              <a:lnSpc>
-                <a:spcPct val="125000"/>
-              </a:lnSpc>
-              <a:defRPr/>
-            </a:pPr>
-            <a:r>
-              <a:rPr lang="en-US" sz="3600" b="1" i="0" u="none" strike="noStrike">
-                <a:solidFill>
-                  <a:srgbClr val="FFFFFF"/>
-                </a:solidFill>
-                <a:latin typeface="Noto Sans SC"/>
-                <a:ea typeface="Noto Sans SC"/>
-                <a:cs typeface="Noto Sans SC"/>
-                <a:sym typeface="Noto Sans SC"/>
-              </a:rPr>
-              <a:t>功能演示 - 天文预测</a:t>
-            </a:r>
-            <a:endParaRPr lang="en-US" sz="1100"/>
-          </a:p>
-        </p:txBody>
-      </p:sp>
-      <p:cxnSp>
-        <p:nvCxnSpPr>
-          <p:cNvPr id="5" name="Connector 5"/>
-          <p:cNvCxnSpPr/>
-          <p:nvPr/>
-        </p:nvCxnSpPr>
-        <p:spPr>
-          <a:xfrm rot="-8594">
-            <a:off x="762008" y="1200150"/>
-            <a:ext cx="5080000" cy="12700"/>
-          </a:xfrm>
-          <a:prstGeom prst="straightConnector1">
-            <a:avLst/>
-          </a:prstGeom>
-          <a:solidFill>
-            <a:srgbClr val="DEE0E3">
-              <a:alpha val="100000"/>
-            </a:srgbClr>
-          </a:solidFill>
-          <a:ln w="25400" cap="flat" cmpd="sng">
-            <a:solidFill>
-              <a:srgbClr val="00BFFF">
-                <a:alpha val="100000"/>
-              </a:srgbClr>
-            </a:solidFill>
-            <a:prstDash val="solid"/>
-            <a:round/>
-            <a:headEnd type="none" w="lg" len="lg"/>
-            <a:tailEnd type="none" w="lg" len="lg"/>
-          </a:ln>
-        </p:spPr>
-      </p:cxnSp>
-      <p:pic>
-        <p:nvPicPr>
-          <p:cNvPr id="6" name="Picture 6"/>
-          <p:cNvPicPr>
-            <a:picLocks noChangeAspect="1"/>
-          </p:cNvPicPr>
-          <p:nvPr/>
-        </p:nvPicPr>
-        <p:blipFill>
-          <a:blip r:embed="rId4">
-            <a:extLst>
-              <a:ext uri="{28A0092B-C50C-407E-A947-70E740481C1C}">
-                <a14:useLocalDpi xmlns:a14="http://schemas.microsoft.com/office/drawing/2010/main" val="0"/>
-              </a:ext>
-              <a:ext uri="{96DAC541-7B7A-43D3-8B79-37D633B846F1}">
-                <asvg:svgBlip xmlns:asvg="http://schemas.microsoft.com/office/drawing/2016/SVG/main" r:embed="rId5"/>
-              </a:ext>
-            </a:extLst>
-          </a:blip>
-          <a:stretch>
-            <a:fillRect/>
-          </a:stretch>
-        </p:blipFill>
-        <p:spPr>
-          <a:xfrm>
-            <a:off x="762000" y="1778000"/>
-            <a:ext cx="304800" cy="304800"/>
-          </a:xfrm>
-          <a:prstGeom prst="rect">
-            <a:avLst/>
-          </a:prstGeom>
-        </p:spPr>
-      </p:pic>
-      <p:sp>
-        <p:nvSpPr>
-          <p:cNvPr id="7" name="AutoShape 7"/>
-          <p:cNvSpPr/>
-          <p:nvPr/>
-        </p:nvSpPr>
-        <p:spPr>
-          <a:xfrm>
-            <a:off x="1270000" y="1778000"/>
-            <a:ext cx="4572000" cy="355600"/>
-          </a:xfrm>
-          <a:prstGeom prst="rect">
-            <a:avLst/>
-          </a:prstGeom>
-          <a:noFill/>
-          <a:ln w="12700" cap="flat" cmpd="sng">
-            <a:noFill/>
-            <a:prstDash val="solid"/>
-            <a:round/>
-          </a:ln>
-        </p:spPr>
-        <p:txBody>
-          <a:bodyPr vert="horz" wrap="square" lIns="0" tIns="0" rIns="0" bIns="0" rtlCol="0" anchor="ctr" anchorCtr="0"/>
-          <a:lstStyle/>
-          <a:p>
-            <a:pPr indent="0" algn="l">
-              <a:lnSpc>
-                <a:spcPct val="125000"/>
-              </a:lnSpc>
-              <a:defRPr/>
-            </a:pPr>
-            <a:r>
-              <a:rPr lang="en-US" sz="2000" b="1" i="0" u="none" strike="noStrike">
-                <a:solidFill>
-                  <a:srgbClr val="FFFFFF"/>
-                </a:solidFill>
-                <a:latin typeface="Noto Sans SC"/>
-                <a:ea typeface="Noto Sans SC"/>
-                <a:cs typeface="Noto Sans SC"/>
-                <a:sym typeface="Noto Sans SC"/>
-              </a:rPr>
-              <a:t>探索宇宙的奥秘</a:t>
-            </a:r>
-            <a:endParaRPr lang="en-US" sz="1100"/>
-          </a:p>
-        </p:txBody>
-      </p:sp>
-      <p:sp>
-        <p:nvSpPr>
-          <p:cNvPr id="8" name="AutoShape 8"/>
-          <p:cNvSpPr/>
-          <p:nvPr/>
-        </p:nvSpPr>
-        <p:spPr>
-          <a:xfrm>
-            <a:off x="1270000" y="2286000"/>
-            <a:ext cx="4572000" cy="838200"/>
-          </a:xfrm>
-          <a:prstGeom prst="rect">
-            <a:avLst/>
-          </a:prstGeom>
-          <a:noFill/>
-          <a:ln w="12700" cap="flat" cmpd="sng">
-            <a:noFill/>
-            <a:prstDash val="solid"/>
-            <a:round/>
-          </a:ln>
-        </p:spPr>
-        <p:txBody>
-          <a:bodyPr vert="horz" wrap="square" lIns="0" tIns="0" rIns="0" bIns="0" rtlCol="0" anchor="t" anchorCtr="0"/>
-          <a:lstStyle/>
-          <a:p>
-            <a:pPr indent="0" algn="l">
-              <a:lnSpc>
-                <a:spcPct val="125000"/>
-              </a:lnSpc>
-              <a:defRPr/>
-            </a:pPr>
-            <a:r>
-              <a:rPr lang="en-US" sz="1400" b="0" i="0" u="none" strike="noStrike">
-                <a:solidFill>
-                  <a:srgbClr val="E5E7EB"/>
-                </a:solidFill>
-                <a:latin typeface="Noto Sans SC"/>
-                <a:ea typeface="Noto Sans SC"/>
-                <a:cs typeface="Noto Sans SC"/>
-                <a:sym typeface="Noto Sans SC"/>
-              </a:rPr>
-              <a:t>用户可以查询天文相关的预测信息，如月相变化、流星雨时间表等，满足您对星空的好奇心。</a:t>
-            </a:r>
-            <a:endParaRPr lang="en-US" sz="1100"/>
-          </a:p>
-        </p:txBody>
-      </p:sp>
-      <p:pic>
-        <p:nvPicPr>
-          <p:cNvPr id="9" name="Picture 9"/>
-          <p:cNvPicPr>
-            <a:picLocks noChangeAspect="1"/>
-          </p:cNvPicPr>
-          <p:nvPr/>
-        </p:nvPicPr>
-        <p:blipFill>
-          <a:blip r:embed="rId6">
-            <a:extLst>
-              <a:ext uri="{28A0092B-C50C-407E-A947-70E740481C1C}">
-                <a14:useLocalDpi xmlns:a14="http://schemas.microsoft.com/office/drawing/2010/main" val="0"/>
-              </a:ext>
-              <a:ext uri="{96DAC541-7B7A-43D3-8B79-37D633B846F1}">
-                <asvg:svgBlip xmlns:asvg="http://schemas.microsoft.com/office/drawing/2016/SVG/main" r:embed="rId7"/>
-              </a:ext>
-            </a:extLst>
-          </a:blip>
-          <a:stretch>
-            <a:fillRect/>
-          </a:stretch>
-        </p:blipFill>
-        <p:spPr>
-          <a:xfrm>
-            <a:off x="1270000" y="3429000"/>
-            <a:ext cx="254000" cy="254000"/>
-          </a:xfrm>
-          <a:prstGeom prst="rect">
-            <a:avLst/>
-          </a:prstGeom>
-        </p:spPr>
-      </p:pic>
-      <p:sp>
-        <p:nvSpPr>
-          <p:cNvPr id="10" name="AutoShape 10"/>
-          <p:cNvSpPr/>
-          <p:nvPr/>
-        </p:nvSpPr>
-        <p:spPr>
-          <a:xfrm>
-            <a:off x="1714500" y="3429000"/>
-            <a:ext cx="3810000" cy="304800"/>
-          </a:xfrm>
-          <a:prstGeom prst="rect">
-            <a:avLst/>
-          </a:prstGeom>
-          <a:noFill/>
-          <a:ln w="12700" cap="flat" cmpd="sng">
-            <a:noFill/>
-            <a:prstDash val="solid"/>
-            <a:round/>
-          </a:ln>
-        </p:spPr>
-        <p:txBody>
-          <a:bodyPr vert="horz" wrap="square" lIns="0" tIns="0" rIns="0" bIns="0" rtlCol="0" anchor="ctr" anchorCtr="0"/>
-          <a:lstStyle/>
-          <a:p>
-            <a:pPr indent="0" algn="l">
-              <a:lnSpc>
-                <a:spcPct val="125000"/>
-              </a:lnSpc>
-              <a:defRPr/>
-            </a:pPr>
-            <a:r>
-              <a:rPr lang="en-US" sz="1600" b="1" i="0" u="none" strike="noStrike">
-                <a:solidFill>
-                  <a:srgbClr val="FFFFFF"/>
-                </a:solidFill>
-                <a:latin typeface="Noto Sans SC"/>
-                <a:ea typeface="Noto Sans SC"/>
-                <a:cs typeface="Noto Sans SC"/>
-                <a:sym typeface="Noto Sans SC"/>
-              </a:rPr>
-              <a:t>精准月相查询</a:t>
-            </a:r>
-            <a:endParaRPr lang="en-US" sz="1100"/>
-          </a:p>
-        </p:txBody>
-      </p:sp>
-      <p:sp>
-        <p:nvSpPr>
-          <p:cNvPr id="11" name="AutoShape 11"/>
-          <p:cNvSpPr/>
-          <p:nvPr/>
-        </p:nvSpPr>
-        <p:spPr>
-          <a:xfrm>
-            <a:off x="1714500" y="3810000"/>
-            <a:ext cx="3810000" cy="279400"/>
-          </a:xfrm>
-          <a:prstGeom prst="rect">
-            <a:avLst/>
-          </a:prstGeom>
-          <a:noFill/>
-          <a:ln w="12700" cap="flat" cmpd="sng">
-            <a:noFill/>
-            <a:prstDash val="solid"/>
-            <a:round/>
-          </a:ln>
-        </p:spPr>
-        <p:txBody>
-          <a:bodyPr vert="horz" wrap="square" lIns="0" tIns="0" rIns="0" bIns="0" rtlCol="0" anchor="t" anchorCtr="0"/>
-          <a:lstStyle/>
-          <a:p>
-            <a:pPr indent="0" algn="l">
-              <a:lnSpc>
-                <a:spcPct val="125000"/>
-              </a:lnSpc>
-              <a:defRPr/>
-            </a:pPr>
-            <a:r>
-              <a:rPr lang="en-US" sz="1400" b="0" i="0" u="none" strike="noStrike">
-                <a:solidFill>
-                  <a:srgbClr val="D1D5DB"/>
-                </a:solidFill>
-                <a:latin typeface="Noto Sans SC"/>
-                <a:ea typeface="Noto Sans SC"/>
-                <a:cs typeface="Noto Sans SC"/>
-                <a:sym typeface="Noto Sans SC"/>
-              </a:rPr>
-              <a:t>获取未来30天的月相变化及关键节点。</a:t>
-            </a:r>
-            <a:endParaRPr lang="en-US" sz="1100"/>
-          </a:p>
-        </p:txBody>
-      </p:sp>
-      <p:pic>
-        <p:nvPicPr>
-          <p:cNvPr id="12" name="Picture 12"/>
-          <p:cNvPicPr>
-            <a:picLocks noChangeAspect="1"/>
-          </p:cNvPicPr>
-          <p:nvPr/>
-        </p:nvPicPr>
-        <p:blipFill>
-          <a:blip r:embed="rId8">
-            <a:extLst>
-              <a:ext uri="{28A0092B-C50C-407E-A947-70E740481C1C}">
-                <a14:useLocalDpi xmlns:a14="http://schemas.microsoft.com/office/drawing/2010/main" val="0"/>
-              </a:ext>
-              <a:ext uri="{96DAC541-7B7A-43D3-8B79-37D633B846F1}">
-                <asvg:svgBlip xmlns:asvg="http://schemas.microsoft.com/office/drawing/2016/SVG/main" r:embed="rId9"/>
-              </a:ext>
-            </a:extLst>
-          </a:blip>
-          <a:stretch>
-            <a:fillRect/>
-          </a:stretch>
-        </p:blipFill>
-        <p:spPr>
-          <a:xfrm>
-            <a:off x="1270000" y="4572000"/>
-            <a:ext cx="254000" cy="254000"/>
-          </a:xfrm>
-          <a:prstGeom prst="rect">
-            <a:avLst/>
-          </a:prstGeom>
-        </p:spPr>
-      </p:pic>
-      <p:sp>
-        <p:nvSpPr>
-          <p:cNvPr id="13" name="AutoShape 13"/>
-          <p:cNvSpPr/>
-          <p:nvPr/>
-        </p:nvSpPr>
-        <p:spPr>
-          <a:xfrm>
-            <a:off x="1714500" y="4572000"/>
-            <a:ext cx="3810000" cy="304800"/>
-          </a:xfrm>
-          <a:prstGeom prst="rect">
-            <a:avLst/>
-          </a:prstGeom>
-          <a:noFill/>
-          <a:ln w="12700" cap="flat" cmpd="sng">
-            <a:noFill/>
-            <a:prstDash val="solid"/>
-            <a:round/>
-          </a:ln>
-        </p:spPr>
-        <p:txBody>
-          <a:bodyPr vert="horz" wrap="square" lIns="0" tIns="0" rIns="0" bIns="0" rtlCol="0" anchor="ctr" anchorCtr="0"/>
-          <a:lstStyle/>
-          <a:p>
-            <a:pPr indent="0" algn="l">
-              <a:lnSpc>
-                <a:spcPct val="125000"/>
-              </a:lnSpc>
-              <a:defRPr/>
-            </a:pPr>
-            <a:r>
-              <a:rPr lang="en-US" sz="1600" b="1" i="0" u="none" strike="noStrike">
-                <a:solidFill>
-                  <a:srgbClr val="FFFFFF"/>
-                </a:solidFill>
-                <a:latin typeface="Noto Sans SC"/>
-                <a:ea typeface="Noto Sans SC"/>
-                <a:cs typeface="Noto Sans SC"/>
-                <a:sym typeface="Noto Sans SC"/>
-              </a:rPr>
-              <a:t>重大天象预报</a:t>
-            </a:r>
-            <a:endParaRPr lang="en-US" sz="1100"/>
-          </a:p>
-        </p:txBody>
-      </p:sp>
-      <p:sp>
-        <p:nvSpPr>
-          <p:cNvPr id="14" name="AutoShape 14"/>
-          <p:cNvSpPr/>
-          <p:nvPr/>
-        </p:nvSpPr>
-        <p:spPr>
-          <a:xfrm>
-            <a:off x="1714500" y="4953000"/>
-            <a:ext cx="3810000" cy="279400"/>
-          </a:xfrm>
-          <a:prstGeom prst="rect">
-            <a:avLst/>
-          </a:prstGeom>
-          <a:noFill/>
-          <a:ln w="12700" cap="flat" cmpd="sng">
-            <a:noFill/>
-            <a:prstDash val="solid"/>
-            <a:round/>
-          </a:ln>
-        </p:spPr>
-        <p:txBody>
-          <a:bodyPr vert="horz" wrap="square" lIns="0" tIns="0" rIns="0" bIns="0" rtlCol="0" anchor="t" anchorCtr="0"/>
-          <a:lstStyle/>
-          <a:p>
-            <a:pPr indent="0" algn="l">
-              <a:lnSpc>
-                <a:spcPct val="125000"/>
-              </a:lnSpc>
-              <a:defRPr/>
-            </a:pPr>
-            <a:r>
-              <a:rPr lang="en-US" sz="1400" b="0" i="0" u="none" strike="noStrike">
-                <a:solidFill>
-                  <a:srgbClr val="D1D5DB"/>
-                </a:solidFill>
-                <a:latin typeface="Noto Sans SC"/>
-                <a:ea typeface="Noto Sans SC"/>
-                <a:cs typeface="Noto Sans SC"/>
-                <a:sym typeface="Noto Sans SC"/>
-              </a:rPr>
-              <a:t>不错过任何一场精彩的流星雨和行星合相。</a:t>
-            </a:r>
-            <a:endParaRPr lang="en-US" sz="1100"/>
-          </a:p>
-        </p:txBody>
-      </p:sp>
-      <p:pic>
-        <p:nvPicPr>
-          <p:cNvPr id="15" name="Picture 15"/>
-          <p:cNvPicPr>
-            <a:picLocks noChangeAspect="1"/>
-          </p:cNvPicPr>
-          <p:nvPr/>
-        </p:nvPicPr>
-        <p:blipFill>
-          <a:blip r:embed="rId10"/>
-          <a:srcRect t="52" b="52"/>
-          <a:stretch>
-            <a:fillRect/>
-          </a:stretch>
-        </p:blipFill>
-        <p:spPr>
-          <a:xfrm>
-            <a:off x="6096000" y="1778000"/>
-            <a:ext cx="5334000" cy="2997200"/>
-          </a:xfrm>
-          <a:prstGeom prst="roundRect">
-            <a:avLst>
-              <a:gd name="adj" fmla="val 5084"/>
-            </a:avLst>
-          </a:prstGeom>
-          <a:noFill/>
-          <a:ln w="25400" cap="flat" cmpd="sng">
-            <a:solidFill>
-              <a:srgbClr val="00BFFF">
-                <a:alpha val="50000"/>
-              </a:srgbClr>
-            </a:solidFill>
-            <a:prstDash val="solid"/>
-            <a:round/>
-          </a:ln>
-          <a:effectLst>
-            <a:outerShdw blurRad="317500" dir="2700000" algn="tl" rotWithShape="0">
-              <a:srgbClr val="00BFFF">
-                <a:alpha val="30000"/>
-              </a:srgbClr>
-            </a:outerShdw>
-          </a:effectLst>
-        </p:spPr>
-      </p:pic>
-      <p:cxnSp>
-        <p:nvCxnSpPr>
-          <p:cNvPr id="16" name="Connector 16"/>
-          <p:cNvCxnSpPr/>
-          <p:nvPr/>
-        </p:nvCxnSpPr>
-        <p:spPr>
-          <a:xfrm rot="-4092">
-            <a:off x="762004" y="5835650"/>
-            <a:ext cx="10668000" cy="12700"/>
-          </a:xfrm>
-          <a:prstGeom prst="straightConnector1">
-            <a:avLst/>
-          </a:prstGeom>
-          <a:solidFill>
-            <a:srgbClr val="DEE0E3">
-              <a:alpha val="100000"/>
-            </a:srgbClr>
-          </a:solidFill>
-          <a:ln w="12700" cap="flat" cmpd="sng">
-            <a:solidFill>
-              <a:srgbClr val="00BFFF">
-                <a:alpha val="30000"/>
-              </a:srgbClr>
-            </a:solidFill>
-            <a:prstDash val="dash"/>
-            <a:round/>
-            <a:headEnd type="none" w="med" len="med"/>
-            <a:tailEnd type="none" w="med" len="med"/>
-          </a:ln>
-        </p:spPr>
-      </p:cxnSp>
-    </p:spTree>
-  </p:cSld>
-  <p:clrMapOvr>
-    <a:masterClrMapping/>
-  </p:clrMapOvr>
-</p:sld>
-</file>
-
-<file path=ppt/slides/slide11.xml><?xml version="1.0" encoding="utf-8"?>
-<p:sld xmlns:a="http://schemas.openxmlformats.org/drawingml/2006/main" xmlns:r="http://schemas.openxmlformats.org/officeDocument/2006/relationships" xmlns:p="http://schemas.openxmlformats.org/presentationml/2006/main">
-  <p:cSld>
-    <p:bg>
-      <p:bgPr>
-        <a:solidFill>
-          <a:srgbClr val="0F172A">
-            <a:alpha val="100000"/>
-          </a:srgbClr>
-        </a:solidFill>
-        <a:effectLst/>
-      </p:bgPr>
-    </p:bg>
-    <p:spTree>
-      <p:nvGrpSpPr>
-        <p:cNvPr id="1" name=""/>
-        <p:cNvGrpSpPr/>
-        <p:nvPr/>
-      </p:nvGrpSpPr>
-      <p:grpSpPr>
-        <a:xfrm>
-          <a:off x="0" y="0"/>
-          <a:ext cx="0" cy="0"/>
-          <a:chOff x="0" y="0"/>
-          <a:chExt cx="0" cy="0"/>
-        </a:xfrm>
-      </p:grpSpPr>
-      <p:pic>
-        <p:nvPicPr>
-          <p:cNvPr id="2" name="Picture 2"/>
-          <p:cNvPicPr>
-            <a:picLocks noChangeAspect="1"/>
-          </p:cNvPicPr>
-          <p:nvPr/>
-        </p:nvPicPr>
-        <p:blipFill>
-          <a:blip r:embed="rId3"/>
-          <a:srcRect/>
-          <a:stretch>
-            <a:fillRect/>
-          </a:stretch>
-        </p:blipFill>
-        <p:spPr>
-          <a:xfrm>
-            <a:off x="0" y="0"/>
-            <a:ext cx="12192000" cy="6858000"/>
-          </a:xfrm>
-          <a:prstGeom prst="rect">
-            <a:avLst/>
-          </a:prstGeom>
-          <a:noFill/>
-          <a:ln w="25400" cap="flat" cmpd="sng">
-            <a:noFill/>
-            <a:prstDash val="solid"/>
-            <a:round/>
-          </a:ln>
-        </p:spPr>
-      </p:pic>
-      <p:sp>
-        <p:nvSpPr>
-          <p:cNvPr id="3" name="AutoShape 3"/>
-          <p:cNvSpPr/>
-          <p:nvPr/>
-        </p:nvSpPr>
-        <p:spPr>
-          <a:xfrm>
-            <a:off x="0" y="0"/>
-            <a:ext cx="12192000" cy="6858000"/>
-          </a:xfrm>
-          <a:prstGeom prst="roundRect">
-            <a:avLst>
-              <a:gd name="adj" fmla="val 0"/>
-            </a:avLst>
-          </a:prstGeom>
-          <a:solidFill>
-            <a:srgbClr val="0F172A">
-              <a:alpha val="70000"/>
-            </a:srgbClr>
-          </a:solidFill>
-          <a:ln w="25400" cap="flat" cmpd="sng">
-            <a:noFill/>
-            <a:prstDash val="solid"/>
-            <a:round/>
-          </a:ln>
-        </p:spPr>
-        <p:txBody>
-          <a:bodyPr vert="horz" wrap="square" lIns="63500" tIns="63500" rIns="63500" bIns="63500" rtlCol="0" anchor="ctr"/>
-          <a:lstStyle/>
-          <a:p>
-            <a:pPr algn="ctr">
-              <a:defRPr/>
-            </a:pPr>
-            <a:endParaRPr/>
-          </a:p>
-        </p:txBody>
-      </p:sp>
-      <p:sp>
-        <p:nvSpPr>
-          <p:cNvPr id="4" name="AutoShape 4"/>
-          <p:cNvSpPr/>
-          <p:nvPr/>
-        </p:nvSpPr>
-        <p:spPr>
-          <a:xfrm>
-            <a:off x="762000" y="406400"/>
-            <a:ext cx="5080000" cy="508000"/>
-          </a:xfrm>
-          <a:prstGeom prst="rect">
-            <a:avLst/>
-          </a:prstGeom>
-          <a:noFill/>
-          <a:ln w="12700" cap="flat" cmpd="sng">
-            <a:noFill/>
-            <a:prstDash val="solid"/>
-            <a:round/>
-          </a:ln>
-        </p:spPr>
-        <p:txBody>
-          <a:bodyPr vert="horz" wrap="square" lIns="0" tIns="0" rIns="0" bIns="0" rtlCol="0" anchor="ctr" anchorCtr="0"/>
-          <a:lstStyle/>
-          <a:p>
-            <a:pPr indent="0" algn="l">
-              <a:lnSpc>
-                <a:spcPct val="125000"/>
-              </a:lnSpc>
-              <a:defRPr/>
-            </a:pPr>
-            <a:r>
-              <a:rPr lang="en-US" sz="3200" b="1" i="0" u="none" strike="noStrike">
-                <a:solidFill>
-                  <a:srgbClr val="FFFFFF"/>
-                </a:solidFill>
-                <a:latin typeface="Noto Sans SC"/>
-                <a:ea typeface="Noto Sans SC"/>
-                <a:cs typeface="Noto Sans SC"/>
-                <a:sym typeface="Noto Sans SC"/>
-              </a:rPr>
-              <a:t>总结</a:t>
-            </a:r>
-            <a:endParaRPr lang="en-US" sz="1100"/>
-          </a:p>
-        </p:txBody>
-      </p:sp>
-      <p:cxnSp>
-        <p:nvCxnSpPr>
-          <p:cNvPr id="5" name="Connector 5"/>
-          <p:cNvCxnSpPr/>
-          <p:nvPr/>
-        </p:nvCxnSpPr>
-        <p:spPr>
-          <a:xfrm rot="-8594">
-            <a:off x="762008" y="1212850"/>
-            <a:ext cx="5080000" cy="12700"/>
-          </a:xfrm>
-          <a:prstGeom prst="straightConnector1">
-            <a:avLst/>
-          </a:prstGeom>
-          <a:solidFill>
-            <a:srgbClr val="DEE0E3">
-              <a:alpha val="100000"/>
-            </a:srgbClr>
-          </a:solidFill>
-          <a:ln w="25400" cap="flat" cmpd="sng">
-            <a:solidFill>
-              <a:srgbClr val="00BFFF">
-                <a:alpha val="100000"/>
-              </a:srgbClr>
-            </a:solidFill>
-            <a:prstDash val="solid"/>
-            <a:round/>
-            <a:headEnd type="none" w="lg" len="lg"/>
-            <a:tailEnd type="none" w="lg" len="lg"/>
-          </a:ln>
-        </p:spPr>
-      </p:cxnSp>
-      <p:pic>
-        <p:nvPicPr>
-          <p:cNvPr id="6" name="Picture 6"/>
-          <p:cNvPicPr>
-            <a:picLocks noChangeAspect="1"/>
-          </p:cNvPicPr>
-          <p:nvPr/>
-        </p:nvPicPr>
-        <p:blipFill>
-          <a:blip r:embed="rId4">
-            <a:extLst>
-              <a:ext uri="{28A0092B-C50C-407E-A947-70E740481C1C}">
-                <a14:useLocalDpi xmlns:a14="http://schemas.microsoft.com/office/drawing/2010/main" val="0"/>
-              </a:ext>
-              <a:ext uri="{96DAC541-7B7A-43D3-8B79-37D633B846F1}">
-                <asvg:svgBlip xmlns:asvg="http://schemas.microsoft.com/office/drawing/2016/SVG/main" r:embed="rId5"/>
-              </a:ext>
-            </a:extLst>
-          </a:blip>
-          <a:stretch>
-            <a:fillRect/>
-          </a:stretch>
-        </p:blipFill>
-        <p:spPr>
-          <a:xfrm>
-            <a:off x="762000" y="1651000"/>
-            <a:ext cx="304800" cy="304800"/>
-          </a:xfrm>
-          <a:prstGeom prst="rect">
-            <a:avLst/>
-          </a:prstGeom>
-        </p:spPr>
-      </p:pic>
-      <p:sp>
-        <p:nvSpPr>
-          <p:cNvPr id="7" name="AutoShape 7"/>
-          <p:cNvSpPr/>
-          <p:nvPr/>
-        </p:nvSpPr>
-        <p:spPr>
-          <a:xfrm>
-            <a:off x="1270000" y="1651000"/>
-            <a:ext cx="4572000" cy="304800"/>
-          </a:xfrm>
-          <a:prstGeom prst="rect">
-            <a:avLst/>
-          </a:prstGeom>
-          <a:noFill/>
-          <a:ln w="12700" cap="flat" cmpd="sng">
-            <a:noFill/>
-            <a:prstDash val="solid"/>
-            <a:round/>
-          </a:ln>
-        </p:spPr>
-        <p:txBody>
-          <a:bodyPr vert="horz" wrap="square" lIns="0" tIns="0" rIns="0" bIns="0" rtlCol="0" anchor="ctr" anchorCtr="0"/>
-          <a:lstStyle/>
-          <a:p>
-            <a:pPr indent="0" algn="l">
-              <a:lnSpc>
-                <a:spcPct val="125000"/>
-              </a:lnSpc>
-              <a:defRPr/>
-            </a:pPr>
-            <a:r>
-              <a:rPr lang="en-US" sz="1800" b="1" i="0" u="none" strike="noStrike">
-                <a:solidFill>
-                  <a:srgbClr val="FFFFFF"/>
-                </a:solidFill>
-                <a:latin typeface="Noto Sans SC"/>
-                <a:ea typeface="Noto Sans SC"/>
-                <a:cs typeface="Noto Sans SC"/>
-                <a:sym typeface="Noto Sans SC"/>
-              </a:rPr>
-              <a:t>完成情况</a:t>
-            </a:r>
-            <a:endParaRPr lang="en-US" sz="1100"/>
-          </a:p>
-        </p:txBody>
-      </p:sp>
-      <p:sp>
-        <p:nvSpPr>
-          <p:cNvPr id="8" name="AutoShape 8"/>
-          <p:cNvSpPr/>
-          <p:nvPr/>
-        </p:nvSpPr>
-        <p:spPr>
-          <a:xfrm>
-            <a:off x="1270000" y="2032000"/>
-            <a:ext cx="4572000" cy="558800"/>
-          </a:xfrm>
-          <a:prstGeom prst="rect">
-            <a:avLst/>
-          </a:prstGeom>
-          <a:noFill/>
-          <a:ln w="12700" cap="flat" cmpd="sng">
-            <a:noFill/>
-            <a:prstDash val="solid"/>
-            <a:round/>
-          </a:ln>
-        </p:spPr>
-        <p:txBody>
-          <a:bodyPr vert="horz" wrap="square" lIns="0" tIns="0" rIns="0" bIns="0" rtlCol="0" anchor="t" anchorCtr="0"/>
-          <a:lstStyle/>
-          <a:p>
-            <a:pPr indent="0" algn="l">
-              <a:lnSpc>
-                <a:spcPct val="116666"/>
-              </a:lnSpc>
-              <a:defRPr/>
-            </a:pPr>
-            <a:r>
-              <a:rPr lang="en-US" sz="1400" b="0" i="0" u="none" strike="noStrike">
-                <a:solidFill>
-                  <a:srgbClr val="E5E7EB"/>
-                </a:solidFill>
-                <a:latin typeface="Noto Sans SC"/>
-                <a:ea typeface="Noto Sans SC"/>
-                <a:cs typeface="Noto Sans SC"/>
-                <a:sym typeface="Noto Sans SC"/>
-              </a:rPr>
-              <a:t>成功实现了天气查询、天文预测和个性化建议等核心功能。</a:t>
-            </a:r>
-            <a:endParaRPr lang="en-US" sz="1100"/>
-          </a:p>
-        </p:txBody>
-      </p:sp>
-      <p:pic>
-        <p:nvPicPr>
-          <p:cNvPr id="9" name="Picture 9"/>
-          <p:cNvPicPr>
-            <a:picLocks noChangeAspect="1"/>
-          </p:cNvPicPr>
-          <p:nvPr/>
-        </p:nvPicPr>
-        <p:blipFill>
-          <a:blip r:embed="rId6">
-            <a:extLst>
-              <a:ext uri="{28A0092B-C50C-407E-A947-70E740481C1C}">
-                <a14:useLocalDpi xmlns:a14="http://schemas.microsoft.com/office/drawing/2010/main" val="0"/>
-              </a:ext>
-              <a:ext uri="{96DAC541-7B7A-43D3-8B79-37D633B846F1}">
-                <asvg:svgBlip xmlns:asvg="http://schemas.microsoft.com/office/drawing/2016/SVG/main" r:embed="rId7"/>
-              </a:ext>
-            </a:extLst>
-          </a:blip>
-          <a:stretch>
-            <a:fillRect/>
-          </a:stretch>
-        </p:blipFill>
-        <p:spPr>
-          <a:xfrm>
-            <a:off x="762000" y="2921000"/>
-            <a:ext cx="304800" cy="304800"/>
-          </a:xfrm>
-          <a:prstGeom prst="rect">
-            <a:avLst/>
-          </a:prstGeom>
-        </p:spPr>
-      </p:pic>
-      <p:sp>
-        <p:nvSpPr>
-          <p:cNvPr id="10" name="AutoShape 10"/>
-          <p:cNvSpPr/>
-          <p:nvPr/>
-        </p:nvSpPr>
-        <p:spPr>
-          <a:xfrm>
-            <a:off x="1270000" y="2921000"/>
-            <a:ext cx="4572000" cy="304800"/>
-          </a:xfrm>
-          <a:prstGeom prst="rect">
-            <a:avLst/>
-          </a:prstGeom>
-          <a:noFill/>
-          <a:ln w="12700" cap="flat" cmpd="sng">
-            <a:noFill/>
-            <a:prstDash val="solid"/>
-            <a:round/>
-          </a:ln>
-        </p:spPr>
-        <p:txBody>
-          <a:bodyPr vert="horz" wrap="square" lIns="0" tIns="0" rIns="0" bIns="0" rtlCol="0" anchor="ctr" anchorCtr="0"/>
-          <a:lstStyle/>
-          <a:p>
-            <a:pPr indent="0" algn="l">
-              <a:lnSpc>
-                <a:spcPct val="125000"/>
-              </a:lnSpc>
-              <a:defRPr/>
-            </a:pPr>
-            <a:r>
-              <a:rPr lang="en-US" sz="1800" b="1" i="0" u="none" strike="noStrike">
-                <a:solidFill>
-                  <a:srgbClr val="FFFFFF"/>
-                </a:solidFill>
-                <a:latin typeface="Noto Sans SC"/>
-                <a:ea typeface="Noto Sans SC"/>
-                <a:cs typeface="Noto Sans SC"/>
-                <a:sym typeface="Noto Sans SC"/>
-              </a:rPr>
-              <a:t>技术亮点</a:t>
-            </a:r>
-            <a:endParaRPr lang="en-US" sz="1100"/>
-          </a:p>
-        </p:txBody>
-      </p:sp>
-      <p:pic>
-        <p:nvPicPr>
-          <p:cNvPr id="11" name="Picture 11"/>
-          <p:cNvPicPr>
-            <a:picLocks noChangeAspect="1"/>
-          </p:cNvPicPr>
-          <p:nvPr/>
-        </p:nvPicPr>
-        <p:blipFill>
-          <a:blip r:embed="rId8">
-            <a:extLst>
-              <a:ext uri="{28A0092B-C50C-407E-A947-70E740481C1C}">
-                <a14:useLocalDpi xmlns:a14="http://schemas.microsoft.com/office/drawing/2010/main" val="0"/>
-              </a:ext>
-              <a:ext uri="{96DAC541-7B7A-43D3-8B79-37D633B846F1}">
-                <asvg:svgBlip xmlns:asvg="http://schemas.microsoft.com/office/drawing/2016/SVG/main" r:embed="rId9"/>
-              </a:ext>
-            </a:extLst>
-          </a:blip>
-          <a:stretch>
-            <a:fillRect/>
-          </a:stretch>
-        </p:blipFill>
-        <p:spPr>
-          <a:xfrm>
-            <a:off x="1270000" y="3378200"/>
-            <a:ext cx="203200" cy="203200"/>
-          </a:xfrm>
-          <a:prstGeom prst="rect">
-            <a:avLst/>
-          </a:prstGeom>
-        </p:spPr>
-      </p:pic>
-      <p:sp>
-        <p:nvSpPr>
-          <p:cNvPr id="12" name="AutoShape 12"/>
-          <p:cNvSpPr/>
-          <p:nvPr/>
-        </p:nvSpPr>
-        <p:spPr>
-          <a:xfrm>
-            <a:off x="1574800" y="3352800"/>
-            <a:ext cx="4318000" cy="279400"/>
-          </a:xfrm>
-          <a:prstGeom prst="rect">
-            <a:avLst/>
-          </a:prstGeom>
-          <a:noFill/>
-          <a:ln w="12700" cap="flat" cmpd="sng">
-            <a:noFill/>
-            <a:prstDash val="solid"/>
-            <a:round/>
-          </a:ln>
-        </p:spPr>
-        <p:txBody>
-          <a:bodyPr vert="horz" wrap="square" lIns="0" tIns="0" rIns="0" bIns="0" rtlCol="0" anchor="ctr" anchorCtr="0"/>
-          <a:lstStyle/>
-          <a:p>
-            <a:pPr indent="0" algn="l">
-              <a:lnSpc>
-                <a:spcPct val="125000"/>
-              </a:lnSpc>
-              <a:defRPr/>
-            </a:pPr>
-            <a:r>
-              <a:rPr lang="en-US" sz="1400" b="0" i="0" u="none" strike="noStrike">
-                <a:solidFill>
-                  <a:srgbClr val="E5E7EB"/>
-                </a:solidFill>
-                <a:latin typeface="Noto Sans SC"/>
-                <a:ea typeface="Noto Sans SC"/>
-                <a:cs typeface="Noto Sans SC"/>
-                <a:sym typeface="Noto Sans SC"/>
-              </a:rPr>
-              <a:t>基于FastAPI构建高效、稳定的后端服务。</a:t>
-            </a:r>
-            <a:endParaRPr lang="en-US" sz="1100"/>
-          </a:p>
-        </p:txBody>
-      </p:sp>
-      <p:pic>
-        <p:nvPicPr>
-          <p:cNvPr id="13" name="Picture 13"/>
-          <p:cNvPicPr>
-            <a:picLocks noChangeAspect="1"/>
-          </p:cNvPicPr>
-          <p:nvPr/>
-        </p:nvPicPr>
-        <p:blipFill>
-          <a:blip r:embed="rId8">
-            <a:extLst>
-              <a:ext uri="{28A0092B-C50C-407E-A947-70E740481C1C}">
-                <a14:useLocalDpi xmlns:a14="http://schemas.microsoft.com/office/drawing/2010/main" val="0"/>
-              </a:ext>
-              <a:ext uri="{96DAC541-7B7A-43D3-8B79-37D633B846F1}">
-                <asvg:svgBlip xmlns:asvg="http://schemas.microsoft.com/office/drawing/2016/SVG/main" r:embed="rId9"/>
-              </a:ext>
-            </a:extLst>
-          </a:blip>
-          <a:stretch>
-            <a:fillRect/>
-          </a:stretch>
-        </p:blipFill>
-        <p:spPr>
-          <a:xfrm>
-            <a:off x="1270000" y="3886200"/>
-            <a:ext cx="203200" cy="203200"/>
-          </a:xfrm>
-          <a:prstGeom prst="rect">
-            <a:avLst/>
-          </a:prstGeom>
-        </p:spPr>
-      </p:pic>
-      <p:sp>
-        <p:nvSpPr>
-          <p:cNvPr id="14" name="AutoShape 14"/>
-          <p:cNvSpPr/>
-          <p:nvPr/>
-        </p:nvSpPr>
-        <p:spPr>
-          <a:xfrm>
-            <a:off x="1574800" y="3860800"/>
-            <a:ext cx="4318000" cy="279400"/>
-          </a:xfrm>
-          <a:prstGeom prst="rect">
-            <a:avLst/>
-          </a:prstGeom>
-          <a:noFill/>
-          <a:ln w="12700" cap="flat" cmpd="sng">
-            <a:noFill/>
-            <a:prstDash val="solid"/>
-            <a:round/>
-          </a:ln>
-        </p:spPr>
-        <p:txBody>
-          <a:bodyPr vert="horz" wrap="square" lIns="0" tIns="0" rIns="0" bIns="0" rtlCol="0" anchor="ctr" anchorCtr="0"/>
-          <a:lstStyle/>
-          <a:p>
-            <a:pPr indent="0" algn="l">
-              <a:lnSpc>
-                <a:spcPct val="125000"/>
-              </a:lnSpc>
-              <a:defRPr/>
-            </a:pPr>
-            <a:r>
-              <a:rPr lang="en-US" sz="1400" b="0" i="0" u="none" strike="noStrike">
-                <a:solidFill>
-                  <a:srgbClr val="E5E7EB"/>
-                </a:solidFill>
-                <a:latin typeface="Noto Sans SC"/>
-                <a:ea typeface="Noto Sans SC"/>
-                <a:cs typeface="Noto Sans SC"/>
-                <a:sym typeface="Noto Sans SC"/>
-              </a:rPr>
-              <a:t>集成阿里通义千问AI模型，实现自然语言理解。</a:t>
-            </a:r>
-            <a:endParaRPr lang="en-US" sz="1100"/>
-          </a:p>
-        </p:txBody>
-      </p:sp>
-      <p:pic>
-        <p:nvPicPr>
-          <p:cNvPr id="17" name="Picture 17"/>
-          <p:cNvPicPr>
-            <a:picLocks noChangeAspect="1"/>
-          </p:cNvPicPr>
-          <p:nvPr/>
-        </p:nvPicPr>
-        <p:blipFill>
-          <a:blip r:embed="rId10">
-            <a:extLst>
-              <a:ext uri="{28A0092B-C50C-407E-A947-70E740481C1C}">
-                <a14:useLocalDpi xmlns:a14="http://schemas.microsoft.com/office/drawing/2010/main" val="0"/>
-              </a:ext>
-              <a:ext uri="{96DAC541-7B7A-43D3-8B79-37D633B846F1}">
-                <asvg:svgBlip xmlns:asvg="http://schemas.microsoft.com/office/drawing/2016/SVG/main" r:embed="rId11"/>
-              </a:ext>
-            </a:extLst>
-          </a:blip>
-          <a:stretch>
-            <a:fillRect/>
-          </a:stretch>
-        </p:blipFill>
-        <p:spPr>
-          <a:xfrm>
-            <a:off x="762000" y="4953000"/>
-            <a:ext cx="304800" cy="304800"/>
-          </a:xfrm>
-          <a:prstGeom prst="rect">
-            <a:avLst/>
-          </a:prstGeom>
-        </p:spPr>
-      </p:pic>
-      <p:sp>
-        <p:nvSpPr>
-          <p:cNvPr id="18" name="AutoShape 18"/>
-          <p:cNvSpPr/>
-          <p:nvPr/>
-        </p:nvSpPr>
-        <p:spPr>
-          <a:xfrm>
-            <a:off x="1270000" y="4953000"/>
-            <a:ext cx="4572000" cy="304800"/>
-          </a:xfrm>
-          <a:prstGeom prst="rect">
-            <a:avLst/>
-          </a:prstGeom>
-          <a:noFill/>
-          <a:ln w="12700" cap="flat" cmpd="sng">
-            <a:noFill/>
-            <a:prstDash val="solid"/>
-            <a:round/>
-          </a:ln>
-        </p:spPr>
-        <p:txBody>
-          <a:bodyPr vert="horz" wrap="square" lIns="0" tIns="0" rIns="0" bIns="0" rtlCol="0" anchor="ctr" anchorCtr="0"/>
-          <a:lstStyle/>
-          <a:p>
-            <a:pPr indent="0" algn="l">
-              <a:lnSpc>
-                <a:spcPct val="125000"/>
-              </a:lnSpc>
-              <a:defRPr/>
-            </a:pPr>
-            <a:r>
-              <a:rPr lang="en-US" sz="1800" b="1" i="0" u="none" strike="noStrike">
-                <a:solidFill>
-                  <a:srgbClr val="FFFFFF"/>
-                </a:solidFill>
-                <a:latin typeface="Noto Sans SC"/>
-                <a:ea typeface="Noto Sans SC"/>
-                <a:cs typeface="Noto Sans SC"/>
-                <a:sym typeface="Noto Sans SC"/>
-              </a:rPr>
-              <a:t>用户价值</a:t>
-            </a:r>
-            <a:endParaRPr lang="en-US" sz="1100"/>
-          </a:p>
-        </p:txBody>
-      </p:sp>
-      <p:sp>
-        <p:nvSpPr>
-          <p:cNvPr id="19" name="AutoShape 19"/>
-          <p:cNvSpPr/>
-          <p:nvPr/>
-        </p:nvSpPr>
-        <p:spPr>
-          <a:xfrm>
-            <a:off x="1270000" y="5334000"/>
-            <a:ext cx="4572000" cy="558800"/>
-          </a:xfrm>
-          <a:prstGeom prst="rect">
-            <a:avLst/>
-          </a:prstGeom>
-          <a:noFill/>
-          <a:ln w="12700" cap="flat" cmpd="sng">
-            <a:noFill/>
-            <a:prstDash val="solid"/>
-            <a:round/>
-          </a:ln>
-        </p:spPr>
-        <p:txBody>
-          <a:bodyPr vert="horz" wrap="square" lIns="0" tIns="0" rIns="0" bIns="0" rtlCol="0" anchor="t" anchorCtr="0"/>
-          <a:lstStyle/>
-          <a:p>
-            <a:pPr indent="0" algn="l">
-              <a:lnSpc>
-                <a:spcPct val="116666"/>
-              </a:lnSpc>
-              <a:defRPr/>
-            </a:pPr>
-            <a:r>
-              <a:rPr lang="en-US" sz="1400" b="0" i="0" u="none" strike="noStrike">
-                <a:solidFill>
-                  <a:srgbClr val="E5E7EB"/>
-                </a:solidFill>
-                <a:latin typeface="Noto Sans SC"/>
-                <a:ea typeface="Noto Sans SC"/>
-                <a:cs typeface="Noto Sans SC"/>
-                <a:sym typeface="Noto Sans SC"/>
-              </a:rPr>
-              <a:t>为用户提供了便捷、精准的天气与天文信息服务。</a:t>
-            </a:r>
-            <a:endParaRPr lang="en-US" sz="1100"/>
-          </a:p>
-        </p:txBody>
-      </p:sp>
-      <p:pic>
-        <p:nvPicPr>
-          <p:cNvPr id="20" name="Picture 20"/>
-          <p:cNvPicPr>
-            <a:picLocks noChangeAspect="1"/>
-          </p:cNvPicPr>
-          <p:nvPr/>
-        </p:nvPicPr>
-        <p:blipFill>
-          <a:blip r:embed="rId12"/>
-          <a:srcRect l="262" r="262"/>
-          <a:stretch>
-            <a:fillRect/>
-          </a:stretch>
-        </p:blipFill>
-        <p:spPr>
-          <a:xfrm>
-            <a:off x="6350000" y="1778000"/>
-            <a:ext cx="5080000" cy="3390900"/>
-          </a:xfrm>
-          <a:prstGeom prst="roundRect">
-            <a:avLst>
-              <a:gd name="adj" fmla="val 4494"/>
-            </a:avLst>
-          </a:prstGeom>
-          <a:noFill/>
-          <a:ln w="25400" cap="flat" cmpd="sng">
-            <a:solidFill>
-              <a:srgbClr val="00BFFF">
-                <a:alpha val="50000"/>
-              </a:srgbClr>
-            </a:solidFill>
-            <a:prstDash val="solid"/>
-            <a:round/>
-          </a:ln>
-        </p:spPr>
-      </p:pic>
-    </p:spTree>
-  </p:cSld>
-  <p:clrMapOvr>
-    <a:masterClrMapping/>
-  </p:clrMapOvr>
-</p:sld>
-</file>
-
-<file path=ppt/slides/slide12.xml><?xml version="1.0" encoding="utf-8"?>
 <p:sld xmlns:a="http://schemas.openxmlformats.org/drawingml/2006/main" xmlns:r="http://schemas.openxmlformats.org/officeDocument/2006/relationships" xmlns:p="http://schemas.openxmlformats.org/presentationml/2006/main">
   <p:cSld>
     <p:bg>
@@ -17314,21 +15427,8 @@
                   <a:schemeClr val="bg1"/>
                 </a:solidFill>
               </a:rPr>
-              <a:t>		HEFENG_</a:t>
+              <a:t>		HEFENG_KEY=	</a:t>
             </a:r>
-            <a:r>
-              <a:rPr lang="en-US" altLang="zh-CN">
-                <a:solidFill>
-                  <a:schemeClr val="bg1"/>
-                </a:solidFill>
-              </a:rPr>
-              <a:t>KEY=</a:t>
-            </a:r>
-            <a:endParaRPr lang="en-US" altLang="zh-CN" dirty="0">
-              <a:solidFill>
-                <a:schemeClr val="bg1"/>
-              </a:solidFill>
-            </a:endParaRPr>
           </a:p>
           <a:p>
             <a:pPr>
@@ -17407,7 +15507,7 @@
 </p:sld>
 </file>
 
-<file path=ppt/slides/slide13.xml><?xml version="1.0" encoding="utf-8"?>
+<file path=ppt/slides/slide11.xml><?xml version="1.0" encoding="utf-8"?>
 <p:sld xmlns:a="http://schemas.openxmlformats.org/drawingml/2006/main" xmlns:r="http://schemas.openxmlformats.org/officeDocument/2006/relationships" xmlns:p="http://schemas.openxmlformats.org/presentationml/2006/main">
   <p:cSld>
     <p:bg>
@@ -17434,75 +15534,6 @@
           <a:chExt cx="0" cy="0"/>
         </a:xfrm>
       </p:grpSpPr>
-      <p:pic>
-        <p:nvPicPr>
-          <p:cNvPr id="2" name="Picture 2"/>
-          <p:cNvPicPr>
-            <a:picLocks noChangeAspect="1"/>
-          </p:cNvPicPr>
-          <p:nvPr/>
-        </p:nvPicPr>
-        <p:blipFill>
-          <a:blip r:embed="rId3"/>
-          <a:srcRect/>
-          <a:stretch>
-            <a:fillRect/>
-          </a:stretch>
-        </p:blipFill>
-        <p:spPr>
-          <a:xfrm>
-            <a:off x="0" y="0"/>
-            <a:ext cx="12192000" cy="6858000"/>
-          </a:xfrm>
-          <a:prstGeom prst="rect">
-            <a:avLst/>
-          </a:prstGeom>
-          <a:noFill/>
-          <a:ln w="25400" cap="flat" cmpd="sng">
-            <a:noFill/>
-            <a:prstDash val="solid"/>
-            <a:round/>
-          </a:ln>
-        </p:spPr>
-      </p:pic>
-      <p:sp>
-        <p:nvSpPr>
-          <p:cNvPr id="3" name="AutoShape 3"/>
-          <p:cNvSpPr/>
-          <p:nvPr/>
-        </p:nvSpPr>
-        <p:spPr>
-          <a:xfrm>
-            <a:off x="0" y="0"/>
-            <a:ext cx="12192000" cy="6858000"/>
-          </a:xfrm>
-          <a:prstGeom prst="roundRect">
-            <a:avLst>
-              <a:gd name="adj" fmla="val 0"/>
-            </a:avLst>
-          </a:prstGeom>
-          <a:solidFill>
-            <a:srgbClr val="0A0F1E">
-              <a:alpha val="60000"/>
-            </a:srgbClr>
-          </a:solidFill>
-          <a:ln w="25400" cap="flat" cmpd="sng">
-            <a:noFill/>
-            <a:prstDash val="solid"/>
-            <a:round/>
-          </a:ln>
-        </p:spPr>
-        <p:txBody>
-          <a:bodyPr vert="horz" wrap="square" lIns="63500" tIns="63500" rIns="63500" bIns="63500" rtlCol="0" anchor="ctr"/>
-          <a:lstStyle/>
-          <a:p>
-            <a:pPr algn="ctr">
-              <a:defRPr/>
-            </a:pPr>
-            <a:endParaRPr/>
-          </a:p>
-        </p:txBody>
-      </p:sp>
       <p:sp>
         <p:nvSpPr>
           <p:cNvPr id="4" name="AutoShape 4"/>
@@ -17635,30 +15666,6 @@
           </a:p>
         </p:txBody>
       </p:sp>
-      <p:pic>
-        <p:nvPicPr>
-          <p:cNvPr id="7" name="Picture 7"/>
-          <p:cNvPicPr>
-            <a:picLocks noChangeAspect="1"/>
-          </p:cNvPicPr>
-          <p:nvPr/>
-        </p:nvPicPr>
-        <p:blipFill>
-          <a:blip r:embed="rId4"/>
-          <a:stretch>
-            <a:fillRect/>
-          </a:stretch>
-        </p:blipFill>
-        <p:spPr>
-          <a:xfrm>
-            <a:off x="10668000" y="6190112"/>
-            <a:ext cx="1524000" cy="667888"/>
-          </a:xfrm>
-          <a:prstGeom prst="rect">
-            <a:avLst/>
-          </a:prstGeom>
-        </p:spPr>
-      </p:pic>
     </p:spTree>
   </p:cSld>
   <p:clrMapOvr>
@@ -17694,75 +15701,6 @@
           <a:chExt cx="0" cy="0"/>
         </a:xfrm>
       </p:grpSpPr>
-      <p:pic>
-        <p:nvPicPr>
-          <p:cNvPr id="2" name="Picture 2"/>
-          <p:cNvPicPr>
-            <a:picLocks noChangeAspect="1"/>
-          </p:cNvPicPr>
-          <p:nvPr/>
-        </p:nvPicPr>
-        <p:blipFill>
-          <a:blip r:embed="rId3"/>
-          <a:srcRect/>
-          <a:stretch>
-            <a:fillRect/>
-          </a:stretch>
-        </p:blipFill>
-        <p:spPr>
-          <a:xfrm>
-            <a:off x="0" y="0"/>
-            <a:ext cx="12192000" cy="6858000"/>
-          </a:xfrm>
-          <a:prstGeom prst="rect">
-            <a:avLst/>
-          </a:prstGeom>
-          <a:noFill/>
-          <a:ln w="25400" cap="flat" cmpd="sng">
-            <a:noFill/>
-            <a:prstDash val="solid"/>
-            <a:round/>
-          </a:ln>
-        </p:spPr>
-      </p:pic>
-      <p:sp>
-        <p:nvSpPr>
-          <p:cNvPr id="3" name="AutoShape 3"/>
-          <p:cNvSpPr/>
-          <p:nvPr/>
-        </p:nvSpPr>
-        <p:spPr>
-          <a:xfrm>
-            <a:off x="0" y="0"/>
-            <a:ext cx="12192000" cy="6858000"/>
-          </a:xfrm>
-          <a:prstGeom prst="roundRect">
-            <a:avLst>
-              <a:gd name="adj" fmla="val 0"/>
-            </a:avLst>
-          </a:prstGeom>
-          <a:solidFill>
-            <a:srgbClr val="111827">
-              <a:alpha val="70000"/>
-            </a:srgbClr>
-          </a:solidFill>
-          <a:ln w="25400" cap="flat" cmpd="sng">
-            <a:noFill/>
-            <a:prstDash val="solid"/>
-            <a:round/>
-          </a:ln>
-        </p:spPr>
-        <p:txBody>
-          <a:bodyPr vert="horz" wrap="square" lIns="63500" tIns="63500" rIns="63500" bIns="63500" rtlCol="0" anchor="ctr"/>
-          <a:lstStyle/>
-          <a:p>
-            <a:pPr algn="ctr">
-              <a:defRPr/>
-            </a:pPr>
-            <a:endParaRPr/>
-          </a:p>
-        </p:txBody>
-      </p:sp>
       <p:sp>
         <p:nvSpPr>
           <p:cNvPr id="4" name="AutoShape 4"/>
@@ -17851,13 +15789,13 @@
           <p:nvPr/>
         </p:nvPicPr>
         <p:blipFill>
-          <a:blip r:embed="rId4">
+          <a:blip r:embed="rId3">
             <a:extLst>
               <a:ext uri="{28A0092B-C50C-407E-A947-70E740481C1C}">
                 <a14:useLocalDpi xmlns:a14="http://schemas.microsoft.com/office/drawing/2010/main" val="0"/>
               </a:ext>
               <a:ext uri="{96DAC541-7B7A-43D3-8B79-37D633B846F1}">
-                <asvg:svgBlip xmlns:asvg="http://schemas.microsoft.com/office/drawing/2016/SVG/main" r:embed="rId5"/>
+                <asvg:svgBlip xmlns:asvg="http://schemas.microsoft.com/office/drawing/2016/SVG/main" r:embed="rId4"/>
               </a:ext>
             </a:extLst>
           </a:blip>
@@ -17975,13 +15913,13 @@
           <p:nvPr/>
         </p:nvPicPr>
         <p:blipFill>
-          <a:blip r:embed="rId6">
+          <a:blip r:embed="rId5">
             <a:extLst>
               <a:ext uri="{28A0092B-C50C-407E-A947-70E740481C1C}">
                 <a14:useLocalDpi xmlns:a14="http://schemas.microsoft.com/office/drawing/2010/main" val="0"/>
               </a:ext>
               <a:ext uri="{96DAC541-7B7A-43D3-8B79-37D633B846F1}">
-                <asvg:svgBlip xmlns:asvg="http://schemas.microsoft.com/office/drawing/2016/SVG/main" r:embed="rId7"/>
+                <asvg:svgBlip xmlns:asvg="http://schemas.microsoft.com/office/drawing/2016/SVG/main" r:embed="rId6"/>
               </a:ext>
             </a:extLst>
           </a:blip>
@@ -18099,13 +16037,13 @@
           <p:nvPr/>
         </p:nvPicPr>
         <p:blipFill>
-          <a:blip r:embed="rId8">
+          <a:blip r:embed="rId7">
             <a:extLst>
               <a:ext uri="{28A0092B-C50C-407E-A947-70E740481C1C}">
                 <a14:useLocalDpi xmlns:a14="http://schemas.microsoft.com/office/drawing/2010/main" val="0"/>
               </a:ext>
               <a:ext uri="{96DAC541-7B7A-43D3-8B79-37D633B846F1}">
-                <asvg:svgBlip xmlns:asvg="http://schemas.microsoft.com/office/drawing/2016/SVG/main" r:embed="rId9"/>
+                <asvg:svgBlip xmlns:asvg="http://schemas.microsoft.com/office/drawing/2016/SVG/main" r:embed="rId8"/>
               </a:ext>
             </a:extLst>
           </a:blip>
@@ -18223,13 +16161,13 @@
           <p:nvPr/>
         </p:nvPicPr>
         <p:blipFill>
-          <a:blip r:embed="rId10">
+          <a:blip r:embed="rId9">
             <a:extLst>
               <a:ext uri="{28A0092B-C50C-407E-A947-70E740481C1C}">
                 <a14:useLocalDpi xmlns:a14="http://schemas.microsoft.com/office/drawing/2010/main" val="0"/>
               </a:ext>
               <a:ext uri="{96DAC541-7B7A-43D3-8B79-37D633B846F1}">
-                <asvg:svgBlip xmlns:asvg="http://schemas.microsoft.com/office/drawing/2016/SVG/main" r:embed="rId11"/>
+                <asvg:svgBlip xmlns:asvg="http://schemas.microsoft.com/office/drawing/2016/SVG/main" r:embed="rId10"/>
               </a:ext>
             </a:extLst>
           </a:blip>
@@ -18347,13 +16285,13 @@
           <p:nvPr/>
         </p:nvPicPr>
         <p:blipFill>
-          <a:blip r:embed="rId10">
+          <a:blip r:embed="rId9">
             <a:extLst>
               <a:ext uri="{28A0092B-C50C-407E-A947-70E740481C1C}">
                 <a14:useLocalDpi xmlns:a14="http://schemas.microsoft.com/office/drawing/2010/main" val="0"/>
               </a:ext>
               <a:ext uri="{96DAC541-7B7A-43D3-8B79-37D633B846F1}">
-                <asvg:svgBlip xmlns:asvg="http://schemas.microsoft.com/office/drawing/2016/SVG/main" r:embed="rId11"/>
+                <asvg:svgBlip xmlns:asvg="http://schemas.microsoft.com/office/drawing/2016/SVG/main" r:embed="rId10"/>
               </a:ext>
             </a:extLst>
           </a:blip>
@@ -18518,13 +16456,13 @@
           <p:nvPr/>
         </p:nvPicPr>
         <p:blipFill>
-          <a:blip r:embed="rId12">
+          <a:blip r:embed="rId11">
             <a:extLst>
               <a:ext uri="{28A0092B-C50C-407E-A947-70E740481C1C}">
                 <a14:useLocalDpi xmlns:a14="http://schemas.microsoft.com/office/drawing/2010/main" val="0"/>
               </a:ext>
               <a:ext uri="{96DAC541-7B7A-43D3-8B79-37D633B846F1}">
-                <asvg:svgBlip xmlns:asvg="http://schemas.microsoft.com/office/drawing/2016/SVG/main" r:embed="rId13"/>
+                <asvg:svgBlip xmlns:asvg="http://schemas.microsoft.com/office/drawing/2016/SVG/main" r:embed="rId12"/>
               </a:ext>
             </a:extLst>
           </a:blip>
@@ -18598,13 +16536,13 @@
           <p:nvPr/>
         </p:nvPicPr>
         <p:blipFill>
-          <a:blip r:embed="rId12">
+          <a:blip r:embed="rId11">
             <a:extLst>
               <a:ext uri="{28A0092B-C50C-407E-A947-70E740481C1C}">
                 <a14:useLocalDpi xmlns:a14="http://schemas.microsoft.com/office/drawing/2010/main" val="0"/>
               </a:ext>
               <a:ext uri="{96DAC541-7B7A-43D3-8B79-37D633B846F1}">
-                <asvg:svgBlip xmlns:asvg="http://schemas.microsoft.com/office/drawing/2016/SVG/main" r:embed="rId13"/>
+                <asvg:svgBlip xmlns:asvg="http://schemas.microsoft.com/office/drawing/2016/SVG/main" r:embed="rId12"/>
               </a:ext>
             </a:extLst>
           </a:blip>
@@ -18678,13 +16616,13 @@
           <p:nvPr/>
         </p:nvPicPr>
         <p:blipFill>
-          <a:blip r:embed="rId12">
+          <a:blip r:embed="rId11">
             <a:extLst>
               <a:ext uri="{28A0092B-C50C-407E-A947-70E740481C1C}">
                 <a14:useLocalDpi xmlns:a14="http://schemas.microsoft.com/office/drawing/2010/main" val="0"/>
               </a:ext>
               <a:ext uri="{96DAC541-7B7A-43D3-8B79-37D633B846F1}">
-                <asvg:svgBlip xmlns:asvg="http://schemas.microsoft.com/office/drawing/2016/SVG/main" r:embed="rId13"/>
+                <asvg:svgBlip xmlns:asvg="http://schemas.microsoft.com/office/drawing/2016/SVG/main" r:embed="rId12"/>
               </a:ext>
             </a:extLst>
           </a:blip>
@@ -18758,13 +16696,13 @@
           <p:nvPr/>
         </p:nvPicPr>
         <p:blipFill>
-          <a:blip r:embed="rId12">
+          <a:blip r:embed="rId11">
             <a:extLst>
               <a:ext uri="{28A0092B-C50C-407E-A947-70E740481C1C}">
                 <a14:useLocalDpi xmlns:a14="http://schemas.microsoft.com/office/drawing/2010/main" val="0"/>
               </a:ext>
               <a:ext uri="{96DAC541-7B7A-43D3-8B79-37D633B846F1}">
-                <asvg:svgBlip xmlns:asvg="http://schemas.microsoft.com/office/drawing/2016/SVG/main" r:embed="rId13"/>
+                <asvg:svgBlip xmlns:asvg="http://schemas.microsoft.com/office/drawing/2016/SVG/main" r:embed="rId12"/>
               </a:ext>
             </a:extLst>
           </a:blip>
@@ -18838,13 +16776,13 @@
           <p:nvPr/>
         </p:nvPicPr>
         <p:blipFill>
-          <a:blip r:embed="rId12">
+          <a:blip r:embed="rId11">
             <a:extLst>
               <a:ext uri="{28A0092B-C50C-407E-A947-70E740481C1C}">
                 <a14:useLocalDpi xmlns:a14="http://schemas.microsoft.com/office/drawing/2010/main" val="0"/>
               </a:ext>
               <a:ext uri="{96DAC541-7B7A-43D3-8B79-37D633B846F1}">
-                <asvg:svgBlip xmlns:asvg="http://schemas.microsoft.com/office/drawing/2016/SVG/main" r:embed="rId13"/>
+                <asvg:svgBlip xmlns:asvg="http://schemas.microsoft.com/office/drawing/2016/SVG/main" r:embed="rId12"/>
               </a:ext>
             </a:extLst>
           </a:blip>
@@ -19542,6 +17480,49 @@
           </a:ln>
         </p:spPr>
       </p:pic>
+      <p:pic>
+        <p:nvPicPr>
+          <p:cNvPr id="17" name="Picture 14">
+            <a:extLst>
+              <a:ext uri="{FF2B5EF4-FFF2-40B4-BE49-F238E27FC236}">
+                <a16:creationId xmlns:a16="http://schemas.microsoft.com/office/drawing/2014/main" id="{6B756B86-5EEA-64DC-7370-D7A57D59A0D7}"/>
+              </a:ext>
+            </a:extLst>
+          </p:cNvPr>
+          <p:cNvPicPr>
+            <a:picLocks noChangeAspect="1"/>
+          </p:cNvPicPr>
+          <p:nvPr/>
+        </p:nvPicPr>
+        <p:blipFill>
+          <a:blip r:embed="rId7"/>
+          <a:srcRect t="65" b="65"/>
+          <a:stretch>
+            <a:fillRect/>
+          </a:stretch>
+        </p:blipFill>
+        <p:spPr>
+          <a:xfrm>
+            <a:off x="6604000" y="2032000"/>
+            <a:ext cx="4826000" cy="3213100"/>
+          </a:xfrm>
+          <a:prstGeom prst="roundRect">
+            <a:avLst>
+              <a:gd name="adj" fmla="val 4743"/>
+            </a:avLst>
+          </a:prstGeom>
+          <a:noFill/>
+          <a:ln w="25400" cap="flat" cmpd="sng">
+            <a:solidFill>
+              <a:srgbClr val="00BFFF">
+                <a:alpha val="100000"/>
+              </a:srgbClr>
+            </a:solidFill>
+            <a:prstDash val="solid"/>
+            <a:round/>
+          </a:ln>
+        </p:spPr>
+      </p:pic>
     </p:spTree>
   </p:cSld>
   <p:clrMapOvr>
@@ -19725,43 +17706,6 @@
           </a:ln>
         </p:spPr>
       </p:cxnSp>
-      <p:pic>
-        <p:nvPicPr>
-          <p:cNvPr id="6" name="Picture 6"/>
-          <p:cNvPicPr>
-            <a:picLocks noChangeAspect="1"/>
-          </p:cNvPicPr>
-          <p:nvPr/>
-        </p:nvPicPr>
-        <p:blipFill>
-          <a:blip r:embed="rId4"/>
-          <a:srcRect t="5500" b="5500"/>
-          <a:stretch>
-            <a:fillRect/>
-          </a:stretch>
-        </p:blipFill>
-        <p:spPr>
-          <a:xfrm>
-            <a:off x="762000" y="1651000"/>
-            <a:ext cx="5080000" cy="3390900"/>
-          </a:xfrm>
-          <a:prstGeom prst="roundRect">
-            <a:avLst>
-              <a:gd name="adj" fmla="val 4494"/>
-            </a:avLst>
-          </a:prstGeom>
-          <a:noFill/>
-          <a:ln w="25400" cap="flat" cmpd="sng">
-            <a:solidFill>
-              <a:srgbClr val="00BFFF">
-                <a:alpha val="100000"/>
-              </a:srgbClr>
-            </a:solidFill>
-            <a:prstDash val="solid"/>
-            <a:round/>
-          </a:ln>
-        </p:spPr>
-      </p:pic>
       <p:sp>
         <p:nvSpPr>
           <p:cNvPr id="7" name="AutoShape 7"/>
@@ -19888,7 +17832,7 @@
               <a:defRPr/>
             </a:pPr>
             <a:r>
-              <a:rPr lang="en-US" sz="2000" b="1" i="0" u="none" strike="noStrike">
+              <a:rPr lang="en-US" sz="2000" b="1" i="0" u="none" strike="noStrike" dirty="0" err="1">
                 <a:solidFill>
                   <a:srgbClr val="00BFFF"/>
                 </a:solidFill>
@@ -19899,7 +17843,7 @@
               </a:rPr>
               <a:t>设计原则</a:t>
             </a:r>
-            <a:endParaRPr lang="en-US" sz="1100"/>
+            <a:endParaRPr lang="en-US" sz="1100" dirty="0"/>
           </a:p>
         </p:txBody>
       </p:sp>
@@ -19912,13 +17856,13 @@
           <p:nvPr/>
         </p:nvPicPr>
         <p:blipFill>
-          <a:blip r:embed="rId5">
+          <a:blip r:embed="rId4">
             <a:extLst>
               <a:ext uri="{28A0092B-C50C-407E-A947-70E740481C1C}">
                 <a14:useLocalDpi xmlns:a14="http://schemas.microsoft.com/office/drawing/2010/main" val="0"/>
               </a:ext>
               <a:ext uri="{96DAC541-7B7A-43D3-8B79-37D633B846F1}">
-                <asvg:svgBlip xmlns:asvg="http://schemas.microsoft.com/office/drawing/2016/SVG/main" r:embed="rId6"/>
+                <asvg:svgBlip xmlns:asvg="http://schemas.microsoft.com/office/drawing/2016/SVG/main" r:embed="rId5"/>
               </a:ext>
             </a:extLst>
           </a:blip>
@@ -20039,13 +17983,13 @@
           <p:nvPr/>
         </p:nvPicPr>
         <p:blipFill>
-          <a:blip r:embed="rId7">
+          <a:blip r:embed="rId6">
             <a:extLst>
               <a:ext uri="{28A0092B-C50C-407E-A947-70E740481C1C}">
                 <a14:useLocalDpi xmlns:a14="http://schemas.microsoft.com/office/drawing/2010/main" val="0"/>
               </a:ext>
               <a:ext uri="{96DAC541-7B7A-43D3-8B79-37D633B846F1}">
-                <asvg:svgBlip xmlns:asvg="http://schemas.microsoft.com/office/drawing/2016/SVG/main" r:embed="rId8"/>
+                <asvg:svgBlip xmlns:asvg="http://schemas.microsoft.com/office/drawing/2016/SVG/main" r:embed="rId7"/>
               </a:ext>
             </a:extLst>
           </a:blip>
@@ -20157,6 +18101,41 @@
           </a:p>
         </p:txBody>
       </p:sp>
+      <p:pic>
+        <p:nvPicPr>
+          <p:cNvPr id="19" name="图片 18" descr="手机的屏幕&#10;&#10;AI 生成的内容可能不正确。">
+            <a:extLst>
+              <a:ext uri="{FF2B5EF4-FFF2-40B4-BE49-F238E27FC236}">
+                <a16:creationId xmlns:a16="http://schemas.microsoft.com/office/drawing/2014/main" id="{054C79D4-ADAD-36BC-1C48-91CF243FC45E}"/>
+              </a:ext>
+            </a:extLst>
+          </p:cNvPr>
+          <p:cNvPicPr>
+            <a:picLocks noChangeAspect="1"/>
+          </p:cNvPicPr>
+          <p:nvPr/>
+        </p:nvPicPr>
+        <p:blipFill>
+          <a:blip r:embed="rId8"/>
+          <a:stretch>
+            <a:fillRect/>
+          </a:stretch>
+        </p:blipFill>
+        <p:spPr>
+          <a:xfrm>
+            <a:off x="297441" y="1738801"/>
+            <a:ext cx="5544559" cy="3126398"/>
+          </a:xfrm>
+          <a:prstGeom prst="rect">
+            <a:avLst/>
+          </a:prstGeom>
+          <a:ln w="31750">
+            <a:solidFill>
+              <a:srgbClr val="00B0F0"/>
+            </a:solidFill>
+          </a:ln>
+        </p:spPr>
+      </p:pic>
     </p:spTree>
   </p:cSld>
   <p:clrMapOvr>
@@ -20192,85 +18171,22 @@
           <a:chExt cx="0" cy="0"/>
         </a:xfrm>
       </p:grpSpPr>
-      <p:pic>
-        <p:nvPicPr>
-          <p:cNvPr id="2" name="Picture 2"/>
-          <p:cNvPicPr>
-            <a:picLocks noChangeAspect="1"/>
-          </p:cNvPicPr>
-          <p:nvPr/>
-        </p:nvPicPr>
-        <p:blipFill>
-          <a:blip r:embed="rId3"/>
-          <a:srcRect/>
-          <a:stretch>
-            <a:fillRect/>
-          </a:stretch>
-        </p:blipFill>
-        <p:spPr>
-          <a:xfrm>
-            <a:off x="0" y="0"/>
-            <a:ext cx="12192000" cy="6858000"/>
-          </a:xfrm>
-          <a:prstGeom prst="rect">
-            <a:avLst/>
-          </a:prstGeom>
-          <a:noFill/>
-          <a:ln w="25400" cap="flat" cmpd="sng">
-            <a:noFill/>
-            <a:prstDash val="solid"/>
-            <a:round/>
-          </a:ln>
-        </p:spPr>
-      </p:pic>
       <p:sp>
         <p:nvSpPr>
-          <p:cNvPr id="3" name="AutoShape 3"/>
+          <p:cNvPr id="16" name="AutoShape 2">
+            <a:extLst>
+              <a:ext uri="{FF2B5EF4-FFF2-40B4-BE49-F238E27FC236}">
+                <a16:creationId xmlns:a16="http://schemas.microsoft.com/office/drawing/2014/main" id="{FFA3C3EA-0193-A414-563F-6574E76E297E}"/>
+              </a:ext>
+            </a:extLst>
+          </p:cNvPr>
           <p:cNvSpPr/>
           <p:nvPr/>
         </p:nvSpPr>
         <p:spPr>
           <a:xfrm>
-            <a:off x="0" y="0"/>
-            <a:ext cx="12192000" cy="6858000"/>
-          </a:xfrm>
-          <a:prstGeom prst="roundRect">
-            <a:avLst>
-              <a:gd name="adj" fmla="val 0"/>
-            </a:avLst>
-          </a:prstGeom>
-          <a:solidFill>
-            <a:srgbClr val="0A0F1E">
-              <a:alpha val="60000"/>
-            </a:srgbClr>
-          </a:solidFill>
-          <a:ln w="25400" cap="flat" cmpd="sng">
-            <a:noFill/>
-            <a:prstDash val="solid"/>
-            <a:round/>
-          </a:ln>
-        </p:spPr>
-        <p:txBody>
-          <a:bodyPr vert="horz" wrap="square" lIns="63500" tIns="63500" rIns="63500" bIns="63500" rtlCol="0" anchor="ctr"/>
-          <a:lstStyle/>
-          <a:p>
-            <a:pPr algn="ctr">
-              <a:defRPr/>
-            </a:pPr>
-            <a:endParaRPr/>
-          </a:p>
-        </p:txBody>
-      </p:sp>
-      <p:sp>
-        <p:nvSpPr>
-          <p:cNvPr id="4" name="AutoShape 4"/>
-          <p:cNvSpPr/>
-          <p:nvPr/>
-        </p:nvSpPr>
-        <p:spPr>
-          <a:xfrm>
             <a:off x="762000" y="508000"/>
-            <a:ext cx="5080000" cy="609600"/>
+            <a:ext cx="5080000" cy="508000"/>
           </a:xfrm>
           <a:prstGeom prst="rect">
             <a:avLst/>
@@ -20310,14 +18226,20 @@
       </p:sp>
       <p:cxnSp>
         <p:nvCxnSpPr>
-          <p:cNvPr id="5" name="Connector 5"/>
+          <p:cNvPr id="17" name="Connector 3">
+            <a:extLst>
+              <a:ext uri="{FF2B5EF4-FFF2-40B4-BE49-F238E27FC236}">
+                <a16:creationId xmlns:a16="http://schemas.microsoft.com/office/drawing/2014/main" id="{0460CA5A-E6EF-B559-2F27-4F9EACDEC7D0}"/>
+              </a:ext>
+            </a:extLst>
+          </p:cNvPr>
           <p:cNvCxnSpPr/>
           <p:nvPr/>
         </p:nvCxnSpPr>
         <p:spPr>
-          <a:xfrm rot="-17188">
-            <a:off x="762016" y="1212850"/>
-            <a:ext cx="2540000" cy="12700"/>
+          <a:xfrm rot="-4092">
+            <a:off x="762004" y="1200150"/>
+            <a:ext cx="10668000" cy="12700"/>
           </a:xfrm>
           <a:prstGeom prst="straightConnector1">
             <a:avLst/>
@@ -20327,7 +18249,47 @@
               <a:alpha val="100000"/>
             </a:srgbClr>
           </a:solidFill>
-          <a:ln w="25400" cap="flat" cmpd="sng">
+          <a:ln w="12700" cap="flat" cmpd="sng">
+            <a:solidFill>
+              <a:srgbClr val="00BFFF">
+                <a:alpha val="30000"/>
+              </a:srgbClr>
+            </a:solidFill>
+            <a:prstDash val="solid"/>
+            <a:round/>
+            <a:headEnd type="none" w="med" len="med"/>
+            <a:tailEnd type="none" w="med" len="med"/>
+          </a:ln>
+        </p:spPr>
+      </p:cxnSp>
+      <p:sp>
+        <p:nvSpPr>
+          <p:cNvPr id="18" name="AutoShape 4">
+            <a:extLst>
+              <a:ext uri="{FF2B5EF4-FFF2-40B4-BE49-F238E27FC236}">
+                <a16:creationId xmlns:a16="http://schemas.microsoft.com/office/drawing/2014/main" id="{BF5ADF76-8EE7-60F3-40F2-18CF4924A04A}"/>
+              </a:ext>
+            </a:extLst>
+          </p:cNvPr>
+          <p:cNvSpPr/>
+          <p:nvPr/>
+        </p:nvSpPr>
+        <p:spPr>
+          <a:xfrm>
+            <a:off x="762000" y="1651000"/>
+            <a:ext cx="3302000" cy="2540000"/>
+          </a:xfrm>
+          <a:prstGeom prst="roundRect">
+            <a:avLst>
+              <a:gd name="adj" fmla="val 4000"/>
+            </a:avLst>
+          </a:prstGeom>
+          <a:solidFill>
+            <a:srgbClr val="00BFFF">
+              <a:alpha val="5000"/>
+            </a:srgbClr>
+          </a:solidFill>
+          <a:ln w="12700" cap="flat" cmpd="sng">
             <a:solidFill>
               <a:srgbClr val="00BFFF">
                 <a:alpha val="100000"/>
@@ -20335,65 +18297,74 @@
             </a:solidFill>
             <a:prstDash val="solid"/>
             <a:round/>
-            <a:headEnd type="none" w="lg" len="lg"/>
-            <a:tailEnd type="none" w="lg" len="lg"/>
           </a:ln>
         </p:spPr>
-      </p:cxnSp>
+        <p:txBody>
+          <a:bodyPr vert="horz" wrap="square" lIns="63500" tIns="63500" rIns="63500" bIns="63500" rtlCol="0" anchor="ctr"/>
+          <a:lstStyle/>
+          <a:p>
+            <a:pPr algn="ctr">
+              <a:defRPr/>
+            </a:pPr>
+            <a:endParaRPr/>
+          </a:p>
+        </p:txBody>
+      </p:sp>
       <p:pic>
         <p:nvPicPr>
-          <p:cNvPr id="6" name="Picture 6"/>
+          <p:cNvPr id="19" name="Picture 5">
+            <a:extLst>
+              <a:ext uri="{FF2B5EF4-FFF2-40B4-BE49-F238E27FC236}">
+                <a16:creationId xmlns:a16="http://schemas.microsoft.com/office/drawing/2014/main" id="{96F17521-B552-25C4-9C71-08DB483B9220}"/>
+              </a:ext>
+            </a:extLst>
+          </p:cNvPr>
           <p:cNvPicPr>
             <a:picLocks noChangeAspect="1"/>
           </p:cNvPicPr>
           <p:nvPr/>
         </p:nvPicPr>
         <p:blipFill>
-          <a:blip r:embed="rId4"/>
-          <a:srcRect l="1360" t="16137" r="3401" b="16137"/>
+          <a:blip r:embed="rId3">
+            <a:extLst>
+              <a:ext uri="{28A0092B-C50C-407E-A947-70E740481C1C}">
+                <a14:useLocalDpi xmlns:a14="http://schemas.microsoft.com/office/drawing/2010/main" val="0"/>
+              </a:ext>
+              <a:ext uri="{96DAC541-7B7A-43D3-8B79-37D633B846F1}">
+                <asvg:svgBlip xmlns:asvg="http://schemas.microsoft.com/office/drawing/2016/SVG/main" r:embed="rId4"/>
+              </a:ext>
+            </a:extLst>
+          </a:blip>
           <a:stretch>
             <a:fillRect/>
           </a:stretch>
         </p:blipFill>
         <p:spPr>
           <a:xfrm>
-            <a:off x="1651000" y="1524000"/>
-            <a:ext cx="8890000" cy="4064000"/>
-          </a:xfrm>
-          <a:prstGeom prst="roundRect">
-            <a:avLst>
-              <a:gd name="adj" fmla="val 2500"/>
-            </a:avLst>
-          </a:prstGeom>
-          <a:noFill/>
-          <a:ln w="12700" cap="flat" cmpd="sng">
-            <a:solidFill>
-              <a:srgbClr val="00BFFF">
-                <a:alpha val="50000"/>
-              </a:srgbClr>
-            </a:solidFill>
-            <a:prstDash val="solid"/>
-            <a:round/>
-          </a:ln>
-          <a:effectLst>
-            <a:outerShdw blurRad="254000" dir="2700000" algn="tl" rotWithShape="0">
-              <a:srgbClr val="00BFFF">
-                <a:alpha val="30000"/>
-              </a:srgbClr>
-            </a:outerShdw>
-          </a:effectLst>
+            <a:off x="1016000" y="1905000"/>
+            <a:ext cx="406400" cy="406400"/>
+          </a:xfrm>
+          <a:prstGeom prst="rect">
+            <a:avLst/>
+          </a:prstGeom>
         </p:spPr>
       </p:pic>
       <p:sp>
         <p:nvSpPr>
-          <p:cNvPr id="7" name="AutoShape 7"/>
+          <p:cNvPr id="20" name="AutoShape 6">
+            <a:extLst>
+              <a:ext uri="{FF2B5EF4-FFF2-40B4-BE49-F238E27FC236}">
+                <a16:creationId xmlns:a16="http://schemas.microsoft.com/office/drawing/2014/main" id="{DD4FA6B0-752B-11FE-1EA0-FA778E967777}"/>
+              </a:ext>
+            </a:extLst>
+          </p:cNvPr>
           <p:cNvSpPr/>
           <p:nvPr/>
         </p:nvSpPr>
         <p:spPr>
           <a:xfrm>
-            <a:off x="762000" y="5715000"/>
-            <a:ext cx="10668000" cy="558800"/>
+            <a:off x="1549400" y="1955800"/>
+            <a:ext cx="2540000" cy="304800"/>
           </a:xfrm>
           <a:prstGeom prst="rect">
             <a:avLst/>
@@ -20406,12 +18377,65 @@
           </a:ln>
         </p:spPr>
         <p:txBody>
+          <a:bodyPr vert="horz" wrap="square" lIns="0" tIns="0" rIns="0" bIns="0" rtlCol="0" anchor="ctr" anchorCtr="0"/>
+          <a:lstStyle/>
+          <a:p>
+            <a:pPr indent="0" algn="l">
+              <a:lnSpc>
+                <a:spcPct val="125000"/>
+              </a:lnSpc>
+              <a:defRPr/>
+            </a:pPr>
+            <a:r>
+              <a:rPr lang="en-US" sz="1800" b="1" i="0" u="none" strike="noStrike">
+                <a:solidFill>
+                  <a:srgbClr val="FFFFFF"/>
+                </a:solidFill>
+                <a:latin typeface="Noto Sans SC"/>
+                <a:ea typeface="Noto Sans SC"/>
+                <a:cs typeface="Noto Sans SC"/>
+                <a:sym typeface="Noto Sans SC"/>
+              </a:rPr>
+              <a:t>前端技术栈</a:t>
+            </a:r>
+            <a:endParaRPr lang="en-US" sz="1100"/>
+          </a:p>
+        </p:txBody>
+      </p:sp>
+      <p:sp>
+        <p:nvSpPr>
+          <p:cNvPr id="21" name="AutoShape 7">
+            <a:extLst>
+              <a:ext uri="{FF2B5EF4-FFF2-40B4-BE49-F238E27FC236}">
+                <a16:creationId xmlns:a16="http://schemas.microsoft.com/office/drawing/2014/main" id="{785AD951-D681-6AF8-42C4-506E0A6C0F32}"/>
+              </a:ext>
+            </a:extLst>
+          </p:cNvPr>
+          <p:cNvSpPr/>
+          <p:nvPr/>
+        </p:nvSpPr>
+        <p:spPr>
+          <a:xfrm>
+            <a:off x="1016000" y="2540000"/>
+            <a:ext cx="2794000" cy="1016000"/>
+          </a:xfrm>
+          <a:prstGeom prst="rect">
+            <a:avLst/>
+          </a:prstGeom>
+          <a:noFill/>
+          <a:ln w="12700" cap="flat" cmpd="sng">
+            <a:noFill/>
+            <a:prstDash val="solid"/>
+            <a:round/>
+          </a:ln>
+        </p:spPr>
+        <p:txBody>
           <a:bodyPr vert="horz" wrap="square" lIns="0" tIns="0" rIns="0" bIns="0" rtlCol="0" anchor="t" anchorCtr="0"/>
           <a:lstStyle/>
           <a:p>
-            <a:pPr indent="0" algn="ctr">
-              <a:lnSpc>
-                <a:spcPct val="125000"/>
+            <a:pPr indent="0" algn="l">
+              <a:lnSpc>
+                <a:spcPct val="133333"/>
               </a:lnSpc>
               <a:defRPr/>
             </a:pPr>
@@ -20425,7 +18449,576 @@
                 <a:cs typeface="Noto Sans SC"/>
                 <a:sym typeface="Noto Sans SC"/>
               </a:rPr>
-              <a:t>系统采用分层设计，保证了稳定性、可扩展性与高效的AI服务能力。</a:t>
+              <a:t>HTML5, CSS3, JavaScript, Axios</a:t>
+            </a:r>
+            <a:endParaRPr lang="en-US" sz="1100"/>
+          </a:p>
+        </p:txBody>
+      </p:sp>
+      <p:sp>
+        <p:nvSpPr>
+          <p:cNvPr id="22" name="AutoShape 8">
+            <a:extLst>
+              <a:ext uri="{FF2B5EF4-FFF2-40B4-BE49-F238E27FC236}">
+                <a16:creationId xmlns:a16="http://schemas.microsoft.com/office/drawing/2014/main" id="{F4B6ECD9-3DFB-BC23-75CE-77DE5CF9BC08}"/>
+              </a:ext>
+            </a:extLst>
+          </p:cNvPr>
+          <p:cNvSpPr/>
+          <p:nvPr/>
+        </p:nvSpPr>
+        <p:spPr>
+          <a:xfrm>
+            <a:off x="4445000" y="1651000"/>
+            <a:ext cx="3302000" cy="2540000"/>
+          </a:xfrm>
+          <a:prstGeom prst="roundRect">
+            <a:avLst>
+              <a:gd name="adj" fmla="val 4000"/>
+            </a:avLst>
+          </a:prstGeom>
+          <a:solidFill>
+            <a:srgbClr val="00BFFF">
+              <a:alpha val="5000"/>
+            </a:srgbClr>
+          </a:solidFill>
+          <a:ln w="12700" cap="flat" cmpd="sng">
+            <a:solidFill>
+              <a:srgbClr val="00BFFF">
+                <a:alpha val="100000"/>
+              </a:srgbClr>
+            </a:solidFill>
+            <a:prstDash val="solid"/>
+            <a:round/>
+          </a:ln>
+        </p:spPr>
+        <p:txBody>
+          <a:bodyPr vert="horz" wrap="square" lIns="63500" tIns="63500" rIns="63500" bIns="63500" rtlCol="0" anchor="ctr"/>
+          <a:lstStyle/>
+          <a:p>
+            <a:pPr algn="ctr">
+              <a:defRPr/>
+            </a:pPr>
+            <a:endParaRPr/>
+          </a:p>
+        </p:txBody>
+      </p:sp>
+      <p:pic>
+        <p:nvPicPr>
+          <p:cNvPr id="23" name="Picture 9">
+            <a:extLst>
+              <a:ext uri="{FF2B5EF4-FFF2-40B4-BE49-F238E27FC236}">
+                <a16:creationId xmlns:a16="http://schemas.microsoft.com/office/drawing/2014/main" id="{27F8DD59-0ECF-A443-8EA2-93AD20777DA0}"/>
+              </a:ext>
+            </a:extLst>
+          </p:cNvPr>
+          <p:cNvPicPr>
+            <a:picLocks noChangeAspect="1"/>
+          </p:cNvPicPr>
+          <p:nvPr/>
+        </p:nvPicPr>
+        <p:blipFill>
+          <a:blip r:embed="rId5">
+            <a:extLst>
+              <a:ext uri="{28A0092B-C50C-407E-A947-70E740481C1C}">
+                <a14:useLocalDpi xmlns:a14="http://schemas.microsoft.com/office/drawing/2010/main" val="0"/>
+              </a:ext>
+              <a:ext uri="{96DAC541-7B7A-43D3-8B79-37D633B846F1}">
+                <asvg:svgBlip xmlns:asvg="http://schemas.microsoft.com/office/drawing/2016/SVG/main" r:embed="rId6"/>
+              </a:ext>
+            </a:extLst>
+          </a:blip>
+          <a:stretch>
+            <a:fillRect/>
+          </a:stretch>
+        </p:blipFill>
+        <p:spPr>
+          <a:xfrm>
+            <a:off x="4699000" y="1905000"/>
+            <a:ext cx="406400" cy="406400"/>
+          </a:xfrm>
+          <a:prstGeom prst="rect">
+            <a:avLst/>
+          </a:prstGeom>
+        </p:spPr>
+      </p:pic>
+      <p:sp>
+        <p:nvSpPr>
+          <p:cNvPr id="24" name="AutoShape 10">
+            <a:extLst>
+              <a:ext uri="{FF2B5EF4-FFF2-40B4-BE49-F238E27FC236}">
+                <a16:creationId xmlns:a16="http://schemas.microsoft.com/office/drawing/2014/main" id="{29798605-20C1-EB38-3CD7-1A0D9AA7A30A}"/>
+              </a:ext>
+            </a:extLst>
+          </p:cNvPr>
+          <p:cNvSpPr/>
+          <p:nvPr/>
+        </p:nvSpPr>
+        <p:spPr>
+          <a:xfrm>
+            <a:off x="5232400" y="1955800"/>
+            <a:ext cx="2540000" cy="304800"/>
+          </a:xfrm>
+          <a:prstGeom prst="rect">
+            <a:avLst/>
+          </a:prstGeom>
+          <a:noFill/>
+          <a:ln w="12700" cap="flat" cmpd="sng">
+            <a:noFill/>
+            <a:prstDash val="solid"/>
+            <a:round/>
+          </a:ln>
+        </p:spPr>
+        <p:txBody>
+          <a:bodyPr vert="horz" wrap="square" lIns="0" tIns="0" rIns="0" bIns="0" rtlCol="0" anchor="ctr" anchorCtr="0"/>
+          <a:lstStyle/>
+          <a:p>
+            <a:pPr indent="0" algn="l">
+              <a:lnSpc>
+                <a:spcPct val="125000"/>
+              </a:lnSpc>
+              <a:defRPr/>
+            </a:pPr>
+            <a:r>
+              <a:rPr lang="en-US" sz="1800" b="1" i="0" u="none" strike="noStrike">
+                <a:solidFill>
+                  <a:srgbClr val="FFFFFF"/>
+                </a:solidFill>
+                <a:latin typeface="Noto Sans SC"/>
+                <a:ea typeface="Noto Sans SC"/>
+                <a:cs typeface="Noto Sans SC"/>
+                <a:sym typeface="Noto Sans SC"/>
+              </a:rPr>
+              <a:t>后端技术栈</a:t>
+            </a:r>
+            <a:endParaRPr lang="en-US" sz="1100"/>
+          </a:p>
+        </p:txBody>
+      </p:sp>
+      <p:sp>
+        <p:nvSpPr>
+          <p:cNvPr id="25" name="AutoShape 11">
+            <a:extLst>
+              <a:ext uri="{FF2B5EF4-FFF2-40B4-BE49-F238E27FC236}">
+                <a16:creationId xmlns:a16="http://schemas.microsoft.com/office/drawing/2014/main" id="{C4882851-32AE-FEB8-EE3A-F756204FA963}"/>
+              </a:ext>
+            </a:extLst>
+          </p:cNvPr>
+          <p:cNvSpPr/>
+          <p:nvPr/>
+        </p:nvSpPr>
+        <p:spPr>
+          <a:xfrm>
+            <a:off x="4699000" y="2540000"/>
+            <a:ext cx="2794000" cy="1016000"/>
+          </a:xfrm>
+          <a:prstGeom prst="rect">
+            <a:avLst/>
+          </a:prstGeom>
+          <a:noFill/>
+          <a:ln w="12700" cap="flat" cmpd="sng">
+            <a:noFill/>
+            <a:prstDash val="solid"/>
+            <a:round/>
+          </a:ln>
+        </p:spPr>
+        <p:txBody>
+          <a:bodyPr vert="horz" wrap="square" lIns="0" tIns="0" rIns="0" bIns="0" rtlCol="0" anchor="t" anchorCtr="0"/>
+          <a:lstStyle/>
+          <a:p>
+            <a:pPr indent="0" algn="l">
+              <a:lnSpc>
+                <a:spcPct val="133333"/>
+              </a:lnSpc>
+              <a:defRPr/>
+            </a:pPr>
+            <a:r>
+              <a:rPr lang="en-US" sz="1400" b="0" i="0" u="none" strike="noStrike">
+                <a:solidFill>
+                  <a:srgbClr val="D1D5DB"/>
+                </a:solidFill>
+                <a:latin typeface="Noto Sans SC"/>
+                <a:ea typeface="Noto Sans SC"/>
+                <a:cs typeface="Noto Sans SC"/>
+                <a:sym typeface="Noto Sans SC"/>
+              </a:rPr>
+              <a:t>Python 3.12, FastAPI, Requests, OpenAI Python SDK</a:t>
+            </a:r>
+            <a:endParaRPr lang="en-US" sz="1100"/>
+          </a:p>
+        </p:txBody>
+      </p:sp>
+      <p:sp>
+        <p:nvSpPr>
+          <p:cNvPr id="26" name="AutoShape 12">
+            <a:extLst>
+              <a:ext uri="{FF2B5EF4-FFF2-40B4-BE49-F238E27FC236}">
+                <a16:creationId xmlns:a16="http://schemas.microsoft.com/office/drawing/2014/main" id="{A58E4573-AC3E-4A61-7CDF-9E0AA04F83B5}"/>
+              </a:ext>
+            </a:extLst>
+          </p:cNvPr>
+          <p:cNvSpPr/>
+          <p:nvPr/>
+        </p:nvSpPr>
+        <p:spPr>
+          <a:xfrm>
+            <a:off x="8128000" y="1651000"/>
+            <a:ext cx="3302000" cy="2540000"/>
+          </a:xfrm>
+          <a:prstGeom prst="roundRect">
+            <a:avLst>
+              <a:gd name="adj" fmla="val 4000"/>
+            </a:avLst>
+          </a:prstGeom>
+          <a:solidFill>
+            <a:srgbClr val="00BFFF">
+              <a:alpha val="5000"/>
+            </a:srgbClr>
+          </a:solidFill>
+          <a:ln w="12700" cap="flat" cmpd="sng">
+            <a:solidFill>
+              <a:srgbClr val="00BFFF">
+                <a:alpha val="100000"/>
+              </a:srgbClr>
+            </a:solidFill>
+            <a:prstDash val="solid"/>
+            <a:round/>
+          </a:ln>
+        </p:spPr>
+        <p:txBody>
+          <a:bodyPr vert="horz" wrap="square" lIns="63500" tIns="63500" rIns="63500" bIns="63500" rtlCol="0" anchor="ctr"/>
+          <a:lstStyle/>
+          <a:p>
+            <a:pPr algn="ctr">
+              <a:defRPr/>
+            </a:pPr>
+            <a:endParaRPr/>
+          </a:p>
+        </p:txBody>
+      </p:sp>
+      <p:pic>
+        <p:nvPicPr>
+          <p:cNvPr id="27" name="Picture 13">
+            <a:extLst>
+              <a:ext uri="{FF2B5EF4-FFF2-40B4-BE49-F238E27FC236}">
+                <a16:creationId xmlns:a16="http://schemas.microsoft.com/office/drawing/2014/main" id="{4BFD1B12-6C8A-9FDA-8BF2-54B86DE9A3F7}"/>
+              </a:ext>
+            </a:extLst>
+          </p:cNvPr>
+          <p:cNvPicPr>
+            <a:picLocks noChangeAspect="1"/>
+          </p:cNvPicPr>
+          <p:nvPr/>
+        </p:nvPicPr>
+        <p:blipFill>
+          <a:blip r:embed="rId7">
+            <a:extLst>
+              <a:ext uri="{28A0092B-C50C-407E-A947-70E740481C1C}">
+                <a14:useLocalDpi xmlns:a14="http://schemas.microsoft.com/office/drawing/2010/main" val="0"/>
+              </a:ext>
+              <a:ext uri="{96DAC541-7B7A-43D3-8B79-37D633B846F1}">
+                <asvg:svgBlip xmlns:asvg="http://schemas.microsoft.com/office/drawing/2016/SVG/main" r:embed="rId8"/>
+              </a:ext>
+            </a:extLst>
+          </a:blip>
+          <a:stretch>
+            <a:fillRect/>
+          </a:stretch>
+        </p:blipFill>
+        <p:spPr>
+          <a:xfrm>
+            <a:off x="8382000" y="1905000"/>
+            <a:ext cx="406400" cy="406400"/>
+          </a:xfrm>
+          <a:prstGeom prst="rect">
+            <a:avLst/>
+          </a:prstGeom>
+        </p:spPr>
+      </p:pic>
+      <p:sp>
+        <p:nvSpPr>
+          <p:cNvPr id="28" name="AutoShape 14">
+            <a:extLst>
+              <a:ext uri="{FF2B5EF4-FFF2-40B4-BE49-F238E27FC236}">
+                <a16:creationId xmlns:a16="http://schemas.microsoft.com/office/drawing/2014/main" id="{3CD17131-9DDA-C28B-B031-84426060CE4E}"/>
+              </a:ext>
+            </a:extLst>
+          </p:cNvPr>
+          <p:cNvSpPr/>
+          <p:nvPr/>
+        </p:nvSpPr>
+        <p:spPr>
+          <a:xfrm>
+            <a:off x="8915400" y="1955800"/>
+            <a:ext cx="2540000" cy="304800"/>
+          </a:xfrm>
+          <a:prstGeom prst="rect">
+            <a:avLst/>
+          </a:prstGeom>
+          <a:noFill/>
+          <a:ln w="12700" cap="flat" cmpd="sng">
+            <a:noFill/>
+            <a:prstDash val="solid"/>
+            <a:round/>
+          </a:ln>
+        </p:spPr>
+        <p:txBody>
+          <a:bodyPr vert="horz" wrap="square" lIns="0" tIns="0" rIns="0" bIns="0" rtlCol="0" anchor="ctr" anchorCtr="0"/>
+          <a:lstStyle/>
+          <a:p>
+            <a:pPr indent="0" algn="l">
+              <a:lnSpc>
+                <a:spcPct val="125000"/>
+              </a:lnSpc>
+              <a:defRPr/>
+            </a:pPr>
+            <a:r>
+              <a:rPr lang="en-US" sz="1800" b="1" i="0" u="none" strike="noStrike">
+                <a:solidFill>
+                  <a:srgbClr val="FFFFFF"/>
+                </a:solidFill>
+                <a:latin typeface="Noto Sans SC"/>
+                <a:ea typeface="Noto Sans SC"/>
+                <a:cs typeface="Noto Sans SC"/>
+                <a:sym typeface="Noto Sans SC"/>
+              </a:rPr>
+              <a:t>依赖服务</a:t>
+            </a:r>
+            <a:endParaRPr lang="en-US" sz="1100"/>
+          </a:p>
+        </p:txBody>
+      </p:sp>
+      <p:sp>
+        <p:nvSpPr>
+          <p:cNvPr id="29" name="AutoShape 15">
+            <a:extLst>
+              <a:ext uri="{FF2B5EF4-FFF2-40B4-BE49-F238E27FC236}">
+                <a16:creationId xmlns:a16="http://schemas.microsoft.com/office/drawing/2014/main" id="{8ED7D3AD-70C6-14F0-8196-A1401FBCC79A}"/>
+              </a:ext>
+            </a:extLst>
+          </p:cNvPr>
+          <p:cNvSpPr/>
+          <p:nvPr/>
+        </p:nvSpPr>
+        <p:spPr>
+          <a:xfrm>
+            <a:off x="8382000" y="2540000"/>
+            <a:ext cx="2794000" cy="1016000"/>
+          </a:xfrm>
+          <a:prstGeom prst="rect">
+            <a:avLst/>
+          </a:prstGeom>
+          <a:noFill/>
+          <a:ln w="12700" cap="flat" cmpd="sng">
+            <a:noFill/>
+            <a:prstDash val="solid"/>
+            <a:round/>
+          </a:ln>
+        </p:spPr>
+        <p:txBody>
+          <a:bodyPr vert="horz" wrap="square" lIns="0" tIns="0" rIns="0" bIns="0" rtlCol="0" anchor="t" anchorCtr="0"/>
+          <a:lstStyle/>
+          <a:p>
+            <a:pPr indent="0" algn="l">
+              <a:lnSpc>
+                <a:spcPct val="133333"/>
+              </a:lnSpc>
+              <a:defRPr/>
+            </a:pPr>
+            <a:r>
+              <a:rPr lang="en-US" sz="1400" b="0" i="0" u="none" strike="noStrike">
+                <a:solidFill>
+                  <a:srgbClr val="D1D5DB"/>
+                </a:solidFill>
+                <a:latin typeface="Noto Sans SC"/>
+                <a:ea typeface="Noto Sans SC"/>
+                <a:cs typeface="Noto Sans SC"/>
+                <a:sym typeface="Noto Sans SC"/>
+              </a:rPr>
+              <a:t>和风天气API, 天文通API, 通义千问API</a:t>
+            </a:r>
+            <a:endParaRPr lang="en-US" sz="1100"/>
+          </a:p>
+        </p:txBody>
+      </p:sp>
+      <p:cxnSp>
+        <p:nvCxnSpPr>
+          <p:cNvPr id="30" name="Connector 16">
+            <a:extLst>
+              <a:ext uri="{FF2B5EF4-FFF2-40B4-BE49-F238E27FC236}">
+                <a16:creationId xmlns:a16="http://schemas.microsoft.com/office/drawing/2014/main" id="{2F977062-9F54-CE4B-95F3-2990350AA11F}"/>
+              </a:ext>
+            </a:extLst>
+          </p:cNvPr>
+          <p:cNvCxnSpPr/>
+          <p:nvPr/>
+        </p:nvCxnSpPr>
+        <p:spPr>
+          <a:xfrm rot="-4092">
+            <a:off x="762004" y="4565650"/>
+            <a:ext cx="10668000" cy="12700"/>
+          </a:xfrm>
+          <a:prstGeom prst="straightConnector1">
+            <a:avLst/>
+          </a:prstGeom>
+          <a:solidFill>
+            <a:srgbClr val="DEE0E3">
+              <a:alpha val="100000"/>
+            </a:srgbClr>
+          </a:solidFill>
+          <a:ln w="12700" cap="flat" cmpd="sng">
+            <a:solidFill>
+              <a:srgbClr val="00BFFF">
+                <a:alpha val="30000"/>
+              </a:srgbClr>
+            </a:solidFill>
+            <a:prstDash val="solid"/>
+            <a:round/>
+            <a:headEnd type="none" w="med" len="med"/>
+            <a:tailEnd type="none" w="med" len="med"/>
+          </a:ln>
+        </p:spPr>
+      </p:cxnSp>
+      <p:pic>
+        <p:nvPicPr>
+          <p:cNvPr id="31" name="Picture 17">
+            <a:extLst>
+              <a:ext uri="{FF2B5EF4-FFF2-40B4-BE49-F238E27FC236}">
+                <a16:creationId xmlns:a16="http://schemas.microsoft.com/office/drawing/2014/main" id="{487D6E9F-6B38-CE79-A949-A7DE4363930F}"/>
+              </a:ext>
+            </a:extLst>
+          </p:cNvPr>
+          <p:cNvPicPr>
+            <a:picLocks noChangeAspect="1"/>
+          </p:cNvPicPr>
+          <p:nvPr/>
+        </p:nvPicPr>
+        <p:blipFill>
+          <a:blip r:embed="rId9">
+            <a:extLst>
+              <a:ext uri="{28A0092B-C50C-407E-A947-70E740481C1C}">
+                <a14:useLocalDpi xmlns:a14="http://schemas.microsoft.com/office/drawing/2010/main" val="0"/>
+              </a:ext>
+              <a:ext uri="{96DAC541-7B7A-43D3-8B79-37D633B846F1}">
+                <asvg:svgBlip xmlns:asvg="http://schemas.microsoft.com/office/drawing/2016/SVG/main" r:embed="rId10"/>
+              </a:ext>
+            </a:extLst>
+          </a:blip>
+          <a:stretch>
+            <a:fillRect/>
+          </a:stretch>
+        </p:blipFill>
+        <p:spPr>
+          <a:xfrm>
+            <a:off x="762000" y="4953000"/>
+            <a:ext cx="304800" cy="304800"/>
+          </a:xfrm>
+          <a:prstGeom prst="rect">
+            <a:avLst/>
+          </a:prstGeom>
+        </p:spPr>
+      </p:pic>
+      <p:sp>
+        <p:nvSpPr>
+          <p:cNvPr id="32" name="AutoShape 18">
+            <a:extLst>
+              <a:ext uri="{FF2B5EF4-FFF2-40B4-BE49-F238E27FC236}">
+                <a16:creationId xmlns:a16="http://schemas.microsoft.com/office/drawing/2014/main" id="{F0AE4B5D-9D13-B067-7E45-A74827261ECA}"/>
+              </a:ext>
+            </a:extLst>
+          </p:cNvPr>
+          <p:cNvSpPr/>
+          <p:nvPr/>
+        </p:nvSpPr>
+        <p:spPr>
+          <a:xfrm>
+            <a:off x="1270000" y="4978400"/>
+            <a:ext cx="10160000" cy="304800"/>
+          </a:xfrm>
+          <a:prstGeom prst="rect">
+            <a:avLst/>
+          </a:prstGeom>
+          <a:noFill/>
+          <a:ln w="12700" cap="flat" cmpd="sng">
+            <a:noFill/>
+            <a:prstDash val="solid"/>
+            <a:round/>
+          </a:ln>
+        </p:spPr>
+        <p:txBody>
+          <a:bodyPr vert="horz" wrap="square" lIns="0" tIns="0" rIns="0" bIns="0" rtlCol="0" anchor="ctr" anchorCtr="0"/>
+          <a:lstStyle/>
+          <a:p>
+            <a:pPr indent="0" algn="l">
+              <a:lnSpc>
+                <a:spcPct val="125000"/>
+              </a:lnSpc>
+              <a:defRPr/>
+            </a:pPr>
+            <a:r>
+              <a:rPr lang="en-US" sz="1600" b="1" i="0" u="none" strike="noStrike">
+                <a:solidFill>
+                  <a:srgbClr val="FFFFFF"/>
+                </a:solidFill>
+                <a:latin typeface="Noto Sans SC"/>
+                <a:ea typeface="Noto Sans SC"/>
+                <a:cs typeface="Noto Sans SC"/>
+                <a:sym typeface="Noto Sans SC"/>
+              </a:rPr>
+              <a:t>架构模式</a:t>
+            </a:r>
+            <a:endParaRPr lang="en-US" sz="1100"/>
+          </a:p>
+        </p:txBody>
+      </p:sp>
+      <p:sp>
+        <p:nvSpPr>
+          <p:cNvPr id="33" name="AutoShape 19">
+            <a:extLst>
+              <a:ext uri="{FF2B5EF4-FFF2-40B4-BE49-F238E27FC236}">
+                <a16:creationId xmlns:a16="http://schemas.microsoft.com/office/drawing/2014/main" id="{C962522D-EFFF-92E4-31BF-FBC532ADA6A4}"/>
+              </a:ext>
+            </a:extLst>
+          </p:cNvPr>
+          <p:cNvSpPr/>
+          <p:nvPr/>
+        </p:nvSpPr>
+        <p:spPr>
+          <a:xfrm>
+            <a:off x="1270000" y="5359400"/>
+            <a:ext cx="10160000" cy="558800"/>
+          </a:xfrm>
+          <a:prstGeom prst="rect">
+            <a:avLst/>
+          </a:prstGeom>
+          <a:noFill/>
+          <a:ln w="12700" cap="flat" cmpd="sng">
+            <a:noFill/>
+            <a:prstDash val="solid"/>
+            <a:round/>
+          </a:ln>
+        </p:spPr>
+        <p:txBody>
+          <a:bodyPr vert="horz" wrap="square" lIns="0" tIns="0" rIns="0" bIns="0" rtlCol="0" anchor="t" anchorCtr="0"/>
+          <a:lstStyle/>
+          <a:p>
+            <a:pPr indent="0" algn="l">
+              <a:lnSpc>
+                <a:spcPct val="125000"/>
+              </a:lnSpc>
+              <a:defRPr/>
+            </a:pPr>
+            <a:r>
+              <a:rPr lang="en-US" sz="1400" b="0" i="0" u="none" strike="noStrike">
+                <a:solidFill>
+                  <a:srgbClr val="D1D5DB"/>
+                </a:solidFill>
+                <a:latin typeface="Noto Sans SC"/>
+                <a:ea typeface="Noto Sans SC"/>
+                <a:cs typeface="Noto Sans SC"/>
+                <a:sym typeface="Noto Sans SC"/>
+              </a:rPr>
+              <a:t>采用前后端分离模式，确保系统的高可扩展性、可维护性和良好的用户体验。</a:t>
             </a:r>
             <a:endParaRPr lang="en-US" sz="1100"/>
           </a:p>
@@ -20544,1821 +19137,6 @@
         <p:spPr>
           <a:xfrm>
             <a:off x="762000" y="508000"/>
-            <a:ext cx="5080000" cy="558800"/>
-          </a:xfrm>
-          <a:prstGeom prst="rect">
-            <a:avLst/>
-          </a:prstGeom>
-          <a:noFill/>
-          <a:ln w="12700" cap="flat" cmpd="sng">
-            <a:noFill/>
-            <a:prstDash val="solid"/>
-            <a:round/>
-          </a:ln>
-        </p:spPr>
-        <p:txBody>
-          <a:bodyPr vert="horz" wrap="square" lIns="0" tIns="0" rIns="0" bIns="0" rtlCol="0" anchor="ctr" anchorCtr="0"/>
-          <a:lstStyle/>
-          <a:p>
-            <a:pPr indent="0" algn="l">
-              <a:lnSpc>
-                <a:spcPct val="125000"/>
-              </a:lnSpc>
-              <a:defRPr/>
-            </a:pPr>
-            <a:r>
-              <a:rPr lang="en-US" sz="3600" b="1" i="0" u="none" strike="noStrike">
-                <a:solidFill>
-                  <a:srgbClr val="FFFFFF"/>
-                </a:solidFill>
-                <a:latin typeface="Noto Sans SC"/>
-                <a:ea typeface="Noto Sans SC"/>
-                <a:cs typeface="Noto Sans SC"/>
-                <a:sym typeface="Noto Sans SC"/>
-              </a:rPr>
-              <a:t>后端技术栈</a:t>
-            </a:r>
-            <a:endParaRPr lang="en-US" sz="1100"/>
-          </a:p>
-        </p:txBody>
-      </p:sp>
-      <p:cxnSp>
-        <p:nvCxnSpPr>
-          <p:cNvPr id="5" name="Connector 5"/>
-          <p:cNvCxnSpPr/>
-          <p:nvPr/>
-        </p:nvCxnSpPr>
-        <p:spPr>
-          <a:xfrm rot="-4092">
-            <a:off x="762004" y="1212850"/>
-            <a:ext cx="10668000" cy="12700"/>
-          </a:xfrm>
-          <a:prstGeom prst="straightConnector1">
-            <a:avLst/>
-          </a:prstGeom>
-          <a:solidFill>
-            <a:srgbClr val="DEE0E3">
-              <a:alpha val="100000"/>
-            </a:srgbClr>
-          </a:solidFill>
-          <a:ln w="12700" cap="flat" cmpd="sng">
-            <a:solidFill>
-              <a:srgbClr val="00BFFF">
-                <a:alpha val="40000"/>
-              </a:srgbClr>
-            </a:solidFill>
-            <a:prstDash val="solid"/>
-            <a:round/>
-            <a:headEnd type="none" w="med" len="med"/>
-            <a:tailEnd type="none" w="med" len="med"/>
-          </a:ln>
-        </p:spPr>
-      </p:cxnSp>
-      <p:sp>
-        <p:nvSpPr>
-          <p:cNvPr id="6" name="AutoShape 6"/>
-          <p:cNvSpPr/>
-          <p:nvPr/>
-        </p:nvSpPr>
-        <p:spPr>
-          <a:xfrm>
-            <a:off x="762000" y="1651000"/>
-            <a:ext cx="5080000" cy="2032000"/>
-          </a:xfrm>
-          <a:prstGeom prst="roundRect">
-            <a:avLst>
-              <a:gd name="adj" fmla="val 5000"/>
-            </a:avLst>
-          </a:prstGeom>
-          <a:solidFill>
-            <a:srgbClr val="1E293B">
-              <a:alpha val="70000"/>
-            </a:srgbClr>
-          </a:solidFill>
-          <a:ln w="12700" cap="flat" cmpd="sng">
-            <a:solidFill>
-              <a:srgbClr val="00BFFF">
-                <a:alpha val="50000"/>
-              </a:srgbClr>
-            </a:solidFill>
-            <a:prstDash val="solid"/>
-            <a:round/>
-          </a:ln>
-        </p:spPr>
-        <p:txBody>
-          <a:bodyPr vert="horz" wrap="square" lIns="63500" tIns="63500" rIns="63500" bIns="63500" rtlCol="0" anchor="ctr"/>
-          <a:lstStyle/>
-          <a:p>
-            <a:pPr algn="ctr">
-              <a:defRPr/>
-            </a:pPr>
-            <a:endParaRPr/>
-          </a:p>
-        </p:txBody>
-      </p:sp>
-      <p:pic>
-        <p:nvPicPr>
-          <p:cNvPr id="7" name="Picture 7"/>
-          <p:cNvPicPr>
-            <a:picLocks noChangeAspect="1"/>
-          </p:cNvPicPr>
-          <p:nvPr/>
-        </p:nvPicPr>
-        <p:blipFill>
-          <a:blip r:embed="rId4"/>
-          <a:srcRect l="31964" r="31964"/>
-          <a:stretch>
-            <a:fillRect/>
-          </a:stretch>
-        </p:blipFill>
-        <p:spPr>
-          <a:xfrm>
-            <a:off x="1066800" y="1955800"/>
-            <a:ext cx="812800" cy="812800"/>
-          </a:xfrm>
-          <a:prstGeom prst="rect">
-            <a:avLst/>
-          </a:prstGeom>
-          <a:noFill/>
-          <a:ln w="25400" cap="flat" cmpd="sng">
-            <a:noFill/>
-            <a:prstDash val="solid"/>
-            <a:round/>
-          </a:ln>
-        </p:spPr>
-      </p:pic>
-      <p:sp>
-        <p:nvSpPr>
-          <p:cNvPr id="8" name="AutoShape 8"/>
-          <p:cNvSpPr/>
-          <p:nvPr/>
-        </p:nvSpPr>
-        <p:spPr>
-          <a:xfrm>
-            <a:off x="2133600" y="1955800"/>
-            <a:ext cx="3556000" cy="355600"/>
-          </a:xfrm>
-          <a:prstGeom prst="rect">
-            <a:avLst/>
-          </a:prstGeom>
-          <a:noFill/>
-          <a:ln w="12700" cap="flat" cmpd="sng">
-            <a:noFill/>
-            <a:prstDash val="solid"/>
-            <a:round/>
-          </a:ln>
-        </p:spPr>
-        <p:txBody>
-          <a:bodyPr vert="horz" wrap="square" lIns="0" tIns="0" rIns="0" bIns="0" rtlCol="0" anchor="ctr" anchorCtr="0"/>
-          <a:lstStyle/>
-          <a:p>
-            <a:pPr indent="0" algn="l">
-              <a:lnSpc>
-                <a:spcPct val="125000"/>
-              </a:lnSpc>
-              <a:defRPr/>
-            </a:pPr>
-            <a:r>
-              <a:rPr lang="en-US" sz="2000" b="1" i="0" u="none" strike="noStrike">
-                <a:solidFill>
-                  <a:srgbClr val="00BFFF"/>
-                </a:solidFill>
-                <a:latin typeface="Noto Sans SC"/>
-                <a:ea typeface="Noto Sans SC"/>
-                <a:cs typeface="Noto Sans SC"/>
-                <a:sym typeface="Noto Sans SC"/>
-              </a:rPr>
-              <a:t>FastAPI</a:t>
-            </a:r>
-            <a:endParaRPr lang="en-US" sz="1100"/>
-          </a:p>
-        </p:txBody>
-      </p:sp>
-      <p:sp>
-        <p:nvSpPr>
-          <p:cNvPr id="9" name="AutoShape 9"/>
-          <p:cNvSpPr/>
-          <p:nvPr/>
-        </p:nvSpPr>
-        <p:spPr>
-          <a:xfrm>
-            <a:off x="2133600" y="2413000"/>
-            <a:ext cx="3556000" cy="558800"/>
-          </a:xfrm>
-          <a:prstGeom prst="rect">
-            <a:avLst/>
-          </a:prstGeom>
-          <a:noFill/>
-          <a:ln w="12700" cap="flat" cmpd="sng">
-            <a:noFill/>
-            <a:prstDash val="solid"/>
-            <a:round/>
-          </a:ln>
-        </p:spPr>
-        <p:txBody>
-          <a:bodyPr vert="horz" wrap="square" lIns="0" tIns="0" rIns="0" bIns="0" rtlCol="0" anchor="t" anchorCtr="0"/>
-          <a:lstStyle/>
-          <a:p>
-            <a:pPr indent="0" algn="l">
-              <a:lnSpc>
-                <a:spcPct val="116666"/>
-              </a:lnSpc>
-              <a:defRPr/>
-            </a:pPr>
-            <a:r>
-              <a:rPr lang="en-US" sz="1400" b="0" i="0" u="none" strike="noStrike">
-                <a:solidFill>
-                  <a:srgbClr val="E5E7EB"/>
-                </a:solidFill>
-                <a:latin typeface="Noto Sans SC"/>
-                <a:ea typeface="Noto Sans SC"/>
-                <a:cs typeface="Noto Sans SC"/>
-                <a:sym typeface="Noto Sans SC"/>
-              </a:rPr>
-              <a:t>构建高效API服务，支持自动文档与类型提示。</a:t>
-            </a:r>
-            <a:endParaRPr lang="en-US" sz="1100"/>
-          </a:p>
-        </p:txBody>
-      </p:sp>
-      <p:sp>
-        <p:nvSpPr>
-          <p:cNvPr id="10" name="AutoShape 10"/>
-          <p:cNvSpPr/>
-          <p:nvPr/>
-        </p:nvSpPr>
-        <p:spPr>
-          <a:xfrm>
-            <a:off x="6350000" y="1651000"/>
-            <a:ext cx="5080000" cy="2032000"/>
-          </a:xfrm>
-          <a:prstGeom prst="roundRect">
-            <a:avLst>
-              <a:gd name="adj" fmla="val 5000"/>
-            </a:avLst>
-          </a:prstGeom>
-          <a:solidFill>
-            <a:srgbClr val="1E293B">
-              <a:alpha val="70000"/>
-            </a:srgbClr>
-          </a:solidFill>
-          <a:ln w="12700" cap="flat" cmpd="sng">
-            <a:solidFill>
-              <a:srgbClr val="00BFFF">
-                <a:alpha val="50000"/>
-              </a:srgbClr>
-            </a:solidFill>
-            <a:prstDash val="solid"/>
-            <a:round/>
-          </a:ln>
-        </p:spPr>
-        <p:txBody>
-          <a:bodyPr vert="horz" wrap="square" lIns="63500" tIns="63500" rIns="63500" bIns="63500" rtlCol="0" anchor="ctr"/>
-          <a:lstStyle/>
-          <a:p>
-            <a:pPr algn="ctr">
-              <a:defRPr/>
-            </a:pPr>
-            <a:endParaRPr/>
-          </a:p>
-        </p:txBody>
-      </p:sp>
-      <p:pic>
-        <p:nvPicPr>
-          <p:cNvPr id="11" name="Picture 11"/>
-          <p:cNvPicPr>
-            <a:picLocks noChangeAspect="1"/>
-          </p:cNvPicPr>
-          <p:nvPr/>
-        </p:nvPicPr>
-        <p:blipFill>
-          <a:blip r:embed="rId5"/>
-          <a:srcRect l="26428" r="26428"/>
-          <a:stretch>
-            <a:fillRect/>
-          </a:stretch>
-        </p:blipFill>
-        <p:spPr>
-          <a:xfrm>
-            <a:off x="6654800" y="1955800"/>
-            <a:ext cx="812800" cy="812800"/>
-          </a:xfrm>
-          <a:prstGeom prst="rect">
-            <a:avLst/>
-          </a:prstGeom>
-          <a:noFill/>
-          <a:ln w="25400" cap="flat" cmpd="sng">
-            <a:noFill/>
-            <a:prstDash val="solid"/>
-            <a:round/>
-          </a:ln>
-        </p:spPr>
-      </p:pic>
-      <p:sp>
-        <p:nvSpPr>
-          <p:cNvPr id="12" name="AutoShape 12"/>
-          <p:cNvSpPr/>
-          <p:nvPr/>
-        </p:nvSpPr>
-        <p:spPr>
-          <a:xfrm>
-            <a:off x="7721600" y="1955800"/>
-            <a:ext cx="3556000" cy="355600"/>
-          </a:xfrm>
-          <a:prstGeom prst="rect">
-            <a:avLst/>
-          </a:prstGeom>
-          <a:noFill/>
-          <a:ln w="12700" cap="flat" cmpd="sng">
-            <a:noFill/>
-            <a:prstDash val="solid"/>
-            <a:round/>
-          </a:ln>
-        </p:spPr>
-        <p:txBody>
-          <a:bodyPr vert="horz" wrap="square" lIns="0" tIns="0" rIns="0" bIns="0" rtlCol="0" anchor="ctr" anchorCtr="0"/>
-          <a:lstStyle/>
-          <a:p>
-            <a:pPr indent="0" algn="l">
-              <a:lnSpc>
-                <a:spcPct val="125000"/>
-              </a:lnSpc>
-              <a:defRPr/>
-            </a:pPr>
-            <a:r>
-              <a:rPr lang="en-US" sz="2000" b="1" i="0" u="none" strike="noStrike">
-                <a:solidFill>
-                  <a:srgbClr val="00BFFF"/>
-                </a:solidFill>
-                <a:latin typeface="Noto Sans SC"/>
-                <a:ea typeface="Noto Sans SC"/>
-                <a:cs typeface="Noto Sans SC"/>
-                <a:sym typeface="Noto Sans SC"/>
-              </a:rPr>
-              <a:t>阿里通义千问</a:t>
-            </a:r>
-            <a:endParaRPr lang="en-US" sz="1100"/>
-          </a:p>
-        </p:txBody>
-      </p:sp>
-      <p:sp>
-        <p:nvSpPr>
-          <p:cNvPr id="13" name="AutoShape 13"/>
-          <p:cNvSpPr/>
-          <p:nvPr/>
-        </p:nvSpPr>
-        <p:spPr>
-          <a:xfrm>
-            <a:off x="7721600" y="2413000"/>
-            <a:ext cx="3556000" cy="558800"/>
-          </a:xfrm>
-          <a:prstGeom prst="rect">
-            <a:avLst/>
-          </a:prstGeom>
-          <a:noFill/>
-          <a:ln w="12700" cap="flat" cmpd="sng">
-            <a:noFill/>
-            <a:prstDash val="solid"/>
-            <a:round/>
-          </a:ln>
-        </p:spPr>
-        <p:txBody>
-          <a:bodyPr vert="horz" wrap="square" lIns="0" tIns="0" rIns="0" bIns="0" rtlCol="0" anchor="t" anchorCtr="0"/>
-          <a:lstStyle/>
-          <a:p>
-            <a:pPr indent="0" algn="l">
-              <a:lnSpc>
-                <a:spcPct val="116666"/>
-              </a:lnSpc>
-              <a:defRPr/>
-            </a:pPr>
-            <a:r>
-              <a:rPr lang="en-US" sz="1400" b="0" i="0" u="none" strike="noStrike">
-                <a:solidFill>
-                  <a:srgbClr val="E5E7EB"/>
-                </a:solidFill>
-                <a:latin typeface="Noto Sans SC"/>
-                <a:ea typeface="Noto Sans SC"/>
-                <a:cs typeface="Noto Sans SC"/>
-                <a:sym typeface="Noto Sans SC"/>
-              </a:rPr>
-              <a:t>提供核心AI能力，处理自然语言查询。</a:t>
-            </a:r>
-            <a:endParaRPr lang="en-US" sz="1100"/>
-          </a:p>
-        </p:txBody>
-      </p:sp>
-      <p:sp>
-        <p:nvSpPr>
-          <p:cNvPr id="14" name="AutoShape 14"/>
-          <p:cNvSpPr/>
-          <p:nvPr/>
-        </p:nvSpPr>
-        <p:spPr>
-          <a:xfrm>
-            <a:off x="762000" y="3937000"/>
-            <a:ext cx="5080000" cy="2032000"/>
-          </a:xfrm>
-          <a:prstGeom prst="roundRect">
-            <a:avLst>
-              <a:gd name="adj" fmla="val 5000"/>
-            </a:avLst>
-          </a:prstGeom>
-          <a:solidFill>
-            <a:srgbClr val="1E293B">
-              <a:alpha val="70000"/>
-            </a:srgbClr>
-          </a:solidFill>
-          <a:ln w="12700" cap="flat" cmpd="sng">
-            <a:solidFill>
-              <a:srgbClr val="00BFFF">
-                <a:alpha val="50000"/>
-              </a:srgbClr>
-            </a:solidFill>
-            <a:prstDash val="solid"/>
-            <a:round/>
-          </a:ln>
-        </p:spPr>
-        <p:txBody>
-          <a:bodyPr vert="horz" wrap="square" lIns="63500" tIns="63500" rIns="63500" bIns="63500" rtlCol="0" anchor="ctr"/>
-          <a:lstStyle/>
-          <a:p>
-            <a:pPr algn="ctr">
-              <a:defRPr/>
-            </a:pPr>
-            <a:endParaRPr/>
-          </a:p>
-        </p:txBody>
-      </p:sp>
-      <p:pic>
-        <p:nvPicPr>
-          <p:cNvPr id="15" name="Picture 15"/>
-          <p:cNvPicPr>
-            <a:picLocks noChangeAspect="1"/>
-          </p:cNvPicPr>
-          <p:nvPr/>
-        </p:nvPicPr>
-        <p:blipFill>
-          <a:blip r:embed="rId6">
-            <a:extLst>
-              <a:ext uri="{28A0092B-C50C-407E-A947-70E740481C1C}">
-                <a14:useLocalDpi xmlns:a14="http://schemas.microsoft.com/office/drawing/2010/main" val="0"/>
-              </a:ext>
-              <a:ext uri="{96DAC541-7B7A-43D3-8B79-37D633B846F1}">
-                <asvg:svgBlip xmlns:asvg="http://schemas.microsoft.com/office/drawing/2016/SVG/main" r:embed="rId7"/>
-              </a:ext>
-            </a:extLst>
-          </a:blip>
-          <a:stretch>
-            <a:fillRect/>
-          </a:stretch>
-        </p:blipFill>
-        <p:spPr>
-          <a:xfrm>
-            <a:off x="1066800" y="4241800"/>
-            <a:ext cx="812800" cy="812800"/>
-          </a:xfrm>
-          <a:prstGeom prst="rect">
-            <a:avLst/>
-          </a:prstGeom>
-        </p:spPr>
-      </p:pic>
-      <p:sp>
-        <p:nvSpPr>
-          <p:cNvPr id="16" name="AutoShape 16"/>
-          <p:cNvSpPr/>
-          <p:nvPr/>
-        </p:nvSpPr>
-        <p:spPr>
-          <a:xfrm>
-            <a:off x="2133600" y="4241800"/>
-            <a:ext cx="3556000" cy="355600"/>
-          </a:xfrm>
-          <a:prstGeom prst="rect">
-            <a:avLst/>
-          </a:prstGeom>
-          <a:noFill/>
-          <a:ln w="12700" cap="flat" cmpd="sng">
-            <a:noFill/>
-            <a:prstDash val="solid"/>
-            <a:round/>
-          </a:ln>
-        </p:spPr>
-        <p:txBody>
-          <a:bodyPr vert="horz" wrap="square" lIns="0" tIns="0" rIns="0" bIns="0" rtlCol="0" anchor="ctr" anchorCtr="0"/>
-          <a:lstStyle/>
-          <a:p>
-            <a:pPr indent="0" algn="l">
-              <a:lnSpc>
-                <a:spcPct val="125000"/>
-              </a:lnSpc>
-              <a:defRPr/>
-            </a:pPr>
-            <a:r>
-              <a:rPr lang="en-US" sz="2000" b="1" i="0" u="none" strike="noStrike">
-                <a:solidFill>
-                  <a:srgbClr val="00BFFF"/>
-                </a:solidFill>
-                <a:latin typeface="Noto Sans SC"/>
-                <a:ea typeface="Noto Sans SC"/>
-                <a:cs typeface="Noto Sans SC"/>
-                <a:sym typeface="Noto Sans SC"/>
-              </a:rPr>
-              <a:t>Python</a:t>
-            </a:r>
-            <a:endParaRPr lang="en-US" sz="1100"/>
-          </a:p>
-        </p:txBody>
-      </p:sp>
-      <p:sp>
-        <p:nvSpPr>
-          <p:cNvPr id="17" name="AutoShape 17"/>
-          <p:cNvSpPr/>
-          <p:nvPr/>
-        </p:nvSpPr>
-        <p:spPr>
-          <a:xfrm>
-            <a:off x="2133600" y="4699000"/>
-            <a:ext cx="3556000" cy="558800"/>
-          </a:xfrm>
-          <a:prstGeom prst="rect">
-            <a:avLst/>
-          </a:prstGeom>
-          <a:noFill/>
-          <a:ln w="12700" cap="flat" cmpd="sng">
-            <a:noFill/>
-            <a:prstDash val="solid"/>
-            <a:round/>
-          </a:ln>
-        </p:spPr>
-        <p:txBody>
-          <a:bodyPr vert="horz" wrap="square" lIns="0" tIns="0" rIns="0" bIns="0" rtlCol="0" anchor="t" anchorCtr="0"/>
-          <a:lstStyle/>
-          <a:p>
-            <a:pPr indent="0" algn="l">
-              <a:lnSpc>
-                <a:spcPct val="116666"/>
-              </a:lnSpc>
-              <a:defRPr/>
-            </a:pPr>
-            <a:r>
-              <a:rPr lang="en-US" sz="1400" b="0" i="0" u="none" strike="noStrike">
-                <a:solidFill>
-                  <a:srgbClr val="E5E7EB"/>
-                </a:solidFill>
-                <a:latin typeface="Noto Sans SC"/>
-                <a:ea typeface="Noto Sans SC"/>
-                <a:cs typeface="Noto Sans SC"/>
-                <a:sym typeface="Noto Sans SC"/>
-              </a:rPr>
-              <a:t>作为项目的主要开发语言，生态丰富。</a:t>
-            </a:r>
-            <a:endParaRPr lang="en-US" sz="1100"/>
-          </a:p>
-        </p:txBody>
-      </p:sp>
-      <p:sp>
-        <p:nvSpPr>
-          <p:cNvPr id="18" name="AutoShape 18"/>
-          <p:cNvSpPr/>
-          <p:nvPr/>
-        </p:nvSpPr>
-        <p:spPr>
-          <a:xfrm>
-            <a:off x="-12700000" y="-12700000"/>
-            <a:ext cx="12700" cy="12700"/>
-          </a:xfrm>
-          <a:prstGeom prst="roundRect">
-            <a:avLst>
-              <a:gd name="adj" fmla="val 800000"/>
-            </a:avLst>
-          </a:prstGeom>
-          <a:solidFill>
-            <a:srgbClr val="1E293B">
-              <a:alpha val="70000"/>
-            </a:srgbClr>
-          </a:solidFill>
-          <a:ln w="12700" cap="flat" cmpd="sng">
-            <a:solidFill>
-              <a:srgbClr val="00BFFF">
-                <a:alpha val="50000"/>
-              </a:srgbClr>
-            </a:solidFill>
-            <a:prstDash val="solid"/>
-            <a:round/>
-          </a:ln>
-        </p:spPr>
-        <p:txBody>
-          <a:bodyPr vert="horz" wrap="square" lIns="0" tIns="0" rIns="0" bIns="0" rtlCol="0" anchor="ctr" anchorCtr="0"/>
-          <a:lstStyle/>
-          <a:p>
-            <a:pPr algn="ctr">
-              <a:defRPr/>
-            </a:pPr>
-            <a:endParaRPr/>
-          </a:p>
-        </p:txBody>
-      </p:sp>
-      <p:pic>
-        <p:nvPicPr>
-          <p:cNvPr id="19" name="Picture 19"/>
-          <p:cNvPicPr>
-            <a:picLocks noChangeAspect="1"/>
-          </p:cNvPicPr>
-          <p:nvPr/>
-        </p:nvPicPr>
-        <p:blipFill>
-          <a:blip r:embed="rId8"/>
-          <a:srcRect/>
-          <a:stretch>
-            <a:fillRect/>
-          </a:stretch>
-        </p:blipFill>
-        <p:spPr>
-          <a:xfrm>
-            <a:off x="-12700000" y="-12700000"/>
-            <a:ext cx="12700" cy="12700"/>
-          </a:xfrm>
-          <a:prstGeom prst="rect">
-            <a:avLst/>
-          </a:prstGeom>
-          <a:noFill/>
-          <a:ln w="25400" cap="flat" cmpd="sng">
-            <a:noFill/>
-            <a:prstDash val="solid"/>
-            <a:round/>
-          </a:ln>
-        </p:spPr>
-      </p:pic>
-      <p:sp>
-        <p:nvSpPr>
-          <p:cNvPr id="20" name="AutoShape 20"/>
-          <p:cNvSpPr/>
-          <p:nvPr/>
-        </p:nvSpPr>
-        <p:spPr>
-          <a:xfrm>
-            <a:off x="-12700000" y="-12700000"/>
-            <a:ext cx="12700" cy="12700"/>
-          </a:xfrm>
-          <a:prstGeom prst="rect">
-            <a:avLst/>
-          </a:prstGeom>
-          <a:noFill/>
-          <a:ln w="12700" cap="flat" cmpd="sng">
-            <a:noFill/>
-            <a:prstDash val="solid"/>
-            <a:round/>
-          </a:ln>
-        </p:spPr>
-        <p:txBody>
-          <a:bodyPr vert="horz" wrap="square" lIns="0" tIns="0" rIns="0" bIns="0" rtlCol="0" anchor="ctr" anchorCtr="0"/>
-          <a:lstStyle/>
-          <a:p>
-            <a:pPr indent="0" algn="l">
-              <a:lnSpc>
-                <a:spcPct val="125000"/>
-              </a:lnSpc>
-              <a:defRPr/>
-            </a:pPr>
-            <a:r>
-              <a:rPr lang="en-US" sz="2000" b="1" i="0" u="none" strike="noStrike">
-                <a:solidFill>
-                  <a:srgbClr val="00BFFF"/>
-                </a:solidFill>
-                <a:latin typeface="Noto Sans SC"/>
-                <a:ea typeface="Noto Sans SC"/>
-                <a:cs typeface="Noto Sans SC"/>
-                <a:sym typeface="Noto Sans SC"/>
-              </a:rPr>
-              <a:t>Docker</a:t>
-            </a:r>
-            <a:endParaRPr lang="en-US" sz="1100"/>
-          </a:p>
-        </p:txBody>
-      </p:sp>
-      <p:sp>
-        <p:nvSpPr>
-          <p:cNvPr id="21" name="AutoShape 21"/>
-          <p:cNvSpPr/>
-          <p:nvPr/>
-        </p:nvSpPr>
-        <p:spPr>
-          <a:xfrm>
-            <a:off x="-12700000" y="-12700000"/>
-            <a:ext cx="12700" cy="12700"/>
-          </a:xfrm>
-          <a:prstGeom prst="rect">
-            <a:avLst/>
-          </a:prstGeom>
-          <a:noFill/>
-          <a:ln w="12700" cap="flat" cmpd="sng">
-            <a:noFill/>
-            <a:prstDash val="solid"/>
-            <a:round/>
-          </a:ln>
-        </p:spPr>
-        <p:txBody>
-          <a:bodyPr vert="horz" wrap="square" lIns="0" tIns="0" rIns="0" bIns="0" rtlCol="0" anchor="t" anchorCtr="0"/>
-          <a:lstStyle/>
-          <a:p>
-            <a:pPr indent="0" algn="l">
-              <a:lnSpc>
-                <a:spcPct val="116666"/>
-              </a:lnSpc>
-              <a:defRPr/>
-            </a:pPr>
-            <a:r>
-              <a:rPr lang="en-US" sz="1400" b="0" i="0" u="none" strike="noStrike">
-                <a:solidFill>
-                  <a:srgbClr val="E5E7EB"/>
-                </a:solidFill>
-                <a:latin typeface="Noto Sans SC"/>
-                <a:ea typeface="Noto Sans SC"/>
-                <a:cs typeface="Noto Sans SC"/>
-                <a:sym typeface="Noto Sans SC"/>
-              </a:rPr>
-              <a:t>容器化部署，保证环境一致性与可移植性。</a:t>
-            </a:r>
-            <a:endParaRPr lang="en-US" sz="1100"/>
-          </a:p>
-        </p:txBody>
-      </p:sp>
-    </p:spTree>
-  </p:cSld>
-  <p:clrMapOvr>
-    <a:masterClrMapping/>
-  </p:clrMapOvr>
-</p:sld>
-</file>
-
-<file path=ppt/slides/slide7.xml><?xml version="1.0" encoding="utf-8"?>
-<p:sld xmlns:a="http://schemas.openxmlformats.org/drawingml/2006/main" xmlns:r="http://schemas.openxmlformats.org/officeDocument/2006/relationships" xmlns:p="http://schemas.openxmlformats.org/presentationml/2006/main">
-  <p:cSld>
-    <p:bg>
-      <p:bgPr>
-        <a:solidFill>
-          <a:srgbClr val="0A0F1E">
-            <a:alpha val="100000"/>
-          </a:srgbClr>
-        </a:solidFill>
-        <a:effectLst/>
-      </p:bgPr>
-    </p:bg>
-    <p:spTree>
-      <p:nvGrpSpPr>
-        <p:cNvPr id="1" name=""/>
-        <p:cNvGrpSpPr/>
-        <p:nvPr/>
-      </p:nvGrpSpPr>
-      <p:grpSpPr>
-        <a:xfrm>
-          <a:off x="0" y="0"/>
-          <a:ext cx="0" cy="0"/>
-          <a:chOff x="0" y="0"/>
-          <a:chExt cx="0" cy="0"/>
-        </a:xfrm>
-      </p:grpSpPr>
-      <p:pic>
-        <p:nvPicPr>
-          <p:cNvPr id="2" name="Picture 2"/>
-          <p:cNvPicPr>
-            <a:picLocks noChangeAspect="1"/>
-          </p:cNvPicPr>
-          <p:nvPr/>
-        </p:nvPicPr>
-        <p:blipFill>
-          <a:blip r:embed="rId3">
-            <a:alphaModFix amt="30000"/>
-          </a:blip>
-          <a:srcRect/>
-          <a:stretch>
-            <a:fillRect/>
-          </a:stretch>
-        </p:blipFill>
-        <p:spPr>
-          <a:xfrm>
-            <a:off x="0" y="0"/>
-            <a:ext cx="12192000" cy="6858000"/>
-          </a:xfrm>
-          <a:prstGeom prst="rect">
-            <a:avLst/>
-          </a:prstGeom>
-          <a:noFill/>
-          <a:ln w="25400" cap="flat" cmpd="sng">
-            <a:noFill/>
-            <a:prstDash val="solid"/>
-            <a:round/>
-          </a:ln>
-        </p:spPr>
-      </p:pic>
-      <p:sp>
-        <p:nvSpPr>
-          <p:cNvPr id="3" name="AutoShape 3"/>
-          <p:cNvSpPr/>
-          <p:nvPr/>
-        </p:nvSpPr>
-        <p:spPr>
-          <a:xfrm>
-            <a:off x="762000" y="508000"/>
-            <a:ext cx="5080000" cy="508000"/>
-          </a:xfrm>
-          <a:prstGeom prst="rect">
-            <a:avLst/>
-          </a:prstGeom>
-          <a:noFill/>
-          <a:ln w="12700" cap="flat" cmpd="sng">
-            <a:noFill/>
-            <a:prstDash val="solid"/>
-            <a:round/>
-          </a:ln>
-        </p:spPr>
-        <p:txBody>
-          <a:bodyPr vert="horz" wrap="square" lIns="0" tIns="0" rIns="0" bIns="0" rtlCol="0" anchor="ctr" anchorCtr="0"/>
-          <a:lstStyle/>
-          <a:p>
-            <a:pPr indent="0" algn="l">
-              <a:lnSpc>
-                <a:spcPct val="125000"/>
-              </a:lnSpc>
-              <a:defRPr/>
-            </a:pPr>
-            <a:r>
-              <a:rPr lang="en-US" sz="3600" b="1" i="0" u="none" strike="noStrike">
-                <a:solidFill>
-                  <a:srgbClr val="FFFFFF"/>
-                </a:solidFill>
-                <a:latin typeface="Noto Sans SC"/>
-                <a:ea typeface="Noto Sans SC"/>
-                <a:cs typeface="Noto Sans SC"/>
-                <a:sym typeface="Noto Sans SC"/>
-              </a:rPr>
-              <a:t>前端技术栈</a:t>
-            </a:r>
-            <a:endParaRPr lang="en-US" sz="1100"/>
-          </a:p>
-        </p:txBody>
-      </p:sp>
-      <p:cxnSp>
-        <p:nvCxnSpPr>
-          <p:cNvPr id="4" name="Connector 4"/>
-          <p:cNvCxnSpPr/>
-          <p:nvPr/>
-        </p:nvCxnSpPr>
-        <p:spPr>
-          <a:xfrm rot="-4092">
-            <a:off x="762004" y="1212850"/>
-            <a:ext cx="10668000" cy="12700"/>
-          </a:xfrm>
-          <a:prstGeom prst="straightConnector1">
-            <a:avLst/>
-          </a:prstGeom>
-          <a:solidFill>
-            <a:srgbClr val="DEE0E3">
-              <a:alpha val="100000"/>
-            </a:srgbClr>
-          </a:solidFill>
-          <a:ln w="12700" cap="flat" cmpd="sng">
-            <a:solidFill>
-              <a:srgbClr val="00BFFF">
-                <a:alpha val="30000"/>
-              </a:srgbClr>
-            </a:solidFill>
-            <a:prstDash val="solid"/>
-            <a:round/>
-            <a:headEnd type="none" w="med" len="med"/>
-            <a:tailEnd type="none" w="med" len="med"/>
-          </a:ln>
-        </p:spPr>
-      </p:cxnSp>
-      <p:sp>
-        <p:nvSpPr>
-          <p:cNvPr id="5" name="AutoShape 5"/>
-          <p:cNvSpPr/>
-          <p:nvPr/>
-        </p:nvSpPr>
-        <p:spPr>
-          <a:xfrm>
-            <a:off x="762000" y="1651000"/>
-            <a:ext cx="3302000" cy="2794000"/>
-          </a:xfrm>
-          <a:prstGeom prst="roundRect">
-            <a:avLst>
-              <a:gd name="adj" fmla="val 3636"/>
-            </a:avLst>
-          </a:prstGeom>
-          <a:solidFill>
-            <a:srgbClr val="172554">
-              <a:alpha val="50000"/>
-            </a:srgbClr>
-          </a:solidFill>
-          <a:ln w="12700" cap="flat" cmpd="sng">
-            <a:solidFill>
-              <a:srgbClr val="00BFFF">
-                <a:alpha val="100000"/>
-              </a:srgbClr>
-            </a:solidFill>
-            <a:prstDash val="solid"/>
-            <a:round/>
-          </a:ln>
-        </p:spPr>
-        <p:txBody>
-          <a:bodyPr vert="horz" wrap="square" lIns="63500" tIns="63500" rIns="63500" bIns="63500" rtlCol="0" anchor="ctr"/>
-          <a:lstStyle/>
-          <a:p>
-            <a:pPr algn="ctr">
-              <a:defRPr/>
-            </a:pPr>
-            <a:endParaRPr/>
-          </a:p>
-        </p:txBody>
-      </p:sp>
-      <p:pic>
-        <p:nvPicPr>
-          <p:cNvPr id="6" name="Picture 6"/>
-          <p:cNvPicPr>
-            <a:picLocks noChangeAspect="1"/>
-          </p:cNvPicPr>
-          <p:nvPr/>
-        </p:nvPicPr>
-        <p:blipFill>
-          <a:blip r:embed="rId4">
-            <a:extLst>
-              <a:ext uri="{28A0092B-C50C-407E-A947-70E740481C1C}">
-                <a14:useLocalDpi xmlns:a14="http://schemas.microsoft.com/office/drawing/2010/main" val="0"/>
-              </a:ext>
-              <a:ext uri="{96DAC541-7B7A-43D3-8B79-37D633B846F1}">
-                <asvg:svgBlip xmlns:asvg="http://schemas.microsoft.com/office/drawing/2016/SVG/main" r:embed="rId5"/>
-              </a:ext>
-            </a:extLst>
-          </a:blip>
-          <a:stretch>
-            <a:fillRect/>
-          </a:stretch>
-        </p:blipFill>
-        <p:spPr>
-          <a:xfrm>
-            <a:off x="1016000" y="1905000"/>
-            <a:ext cx="508000" cy="508000"/>
-          </a:xfrm>
-          <a:prstGeom prst="rect">
-            <a:avLst/>
-          </a:prstGeom>
-        </p:spPr>
-      </p:pic>
-      <p:sp>
-        <p:nvSpPr>
-          <p:cNvPr id="7" name="AutoShape 7"/>
-          <p:cNvSpPr/>
-          <p:nvPr/>
-        </p:nvSpPr>
-        <p:spPr>
-          <a:xfrm>
-            <a:off x="1016000" y="2603500"/>
-            <a:ext cx="2794000" cy="304800"/>
-          </a:xfrm>
-          <a:prstGeom prst="rect">
-            <a:avLst/>
-          </a:prstGeom>
-          <a:noFill/>
-          <a:ln w="12700" cap="flat" cmpd="sng">
-            <a:noFill/>
-            <a:prstDash val="solid"/>
-            <a:round/>
-          </a:ln>
-        </p:spPr>
-        <p:txBody>
-          <a:bodyPr vert="horz" wrap="square" lIns="0" tIns="0" rIns="0" bIns="0" rtlCol="0" anchor="ctr" anchorCtr="0"/>
-          <a:lstStyle/>
-          <a:p>
-            <a:pPr indent="0" algn="l">
-              <a:lnSpc>
-                <a:spcPct val="125000"/>
-              </a:lnSpc>
-              <a:defRPr/>
-            </a:pPr>
-            <a:r>
-              <a:rPr lang="en-US" sz="1800" b="1" i="0" u="none" strike="noStrike">
-                <a:solidFill>
-                  <a:srgbClr val="FFFFFF"/>
-                </a:solidFill>
-                <a:latin typeface="Noto Sans SC"/>
-                <a:ea typeface="Noto Sans SC"/>
-                <a:cs typeface="Noto Sans SC"/>
-                <a:sym typeface="Noto Sans SC"/>
-              </a:rPr>
-              <a:t>HTML/CSS/JS</a:t>
-            </a:r>
-            <a:endParaRPr lang="en-US" sz="1100"/>
-          </a:p>
-        </p:txBody>
-      </p:sp>
-      <p:sp>
-        <p:nvSpPr>
-          <p:cNvPr id="8" name="AutoShape 8"/>
-          <p:cNvSpPr/>
-          <p:nvPr/>
-        </p:nvSpPr>
-        <p:spPr>
-          <a:xfrm>
-            <a:off x="1016000" y="3048000"/>
-            <a:ext cx="2794000" cy="558800"/>
-          </a:xfrm>
-          <a:prstGeom prst="rect">
-            <a:avLst/>
-          </a:prstGeom>
-          <a:noFill/>
-          <a:ln w="12700" cap="flat" cmpd="sng">
-            <a:noFill/>
-            <a:prstDash val="solid"/>
-            <a:round/>
-          </a:ln>
-        </p:spPr>
-        <p:txBody>
-          <a:bodyPr vert="horz" wrap="square" lIns="0" tIns="0" rIns="0" bIns="0" rtlCol="0" anchor="t" anchorCtr="0"/>
-          <a:lstStyle/>
-          <a:p>
-            <a:pPr indent="0" algn="l">
-              <a:lnSpc>
-                <a:spcPct val="116666"/>
-              </a:lnSpc>
-              <a:defRPr/>
-            </a:pPr>
-            <a:r>
-              <a:rPr lang="en-US" sz="1400" b="0" i="0" u="none" strike="noStrike" dirty="0" err="1">
-                <a:solidFill>
-                  <a:srgbClr val="D1D5DB"/>
-                </a:solidFill>
-                <a:latin typeface="Noto Sans SC"/>
-                <a:ea typeface="Noto Sans SC"/>
-                <a:cs typeface="Noto Sans SC"/>
-                <a:sym typeface="Noto Sans SC"/>
-              </a:rPr>
-              <a:t>构建原生、高性能的Web界面基石</a:t>
-            </a:r>
-            <a:r>
-              <a:rPr lang="en-US" sz="1400" b="0" i="0" u="none" strike="noStrike" dirty="0">
-                <a:solidFill>
-                  <a:srgbClr val="D1D5DB"/>
-                </a:solidFill>
-                <a:latin typeface="Noto Sans SC"/>
-                <a:ea typeface="Noto Sans SC"/>
-                <a:cs typeface="Noto Sans SC"/>
-                <a:sym typeface="Noto Sans SC"/>
-              </a:rPr>
-              <a:t>。</a:t>
-            </a:r>
-            <a:endParaRPr lang="en-US" sz="1100" dirty="0"/>
-          </a:p>
-        </p:txBody>
-      </p:sp>
-      <p:sp>
-        <p:nvSpPr>
-          <p:cNvPr id="9" name="AutoShape 9"/>
-          <p:cNvSpPr/>
-          <p:nvPr/>
-        </p:nvSpPr>
-        <p:spPr>
-          <a:xfrm>
-            <a:off x="-12700000" y="-12700000"/>
-            <a:ext cx="12700" cy="12700"/>
-          </a:xfrm>
-          <a:prstGeom prst="roundRect">
-            <a:avLst>
-              <a:gd name="adj" fmla="val 800000"/>
-            </a:avLst>
-          </a:prstGeom>
-          <a:solidFill>
-            <a:srgbClr val="172554">
-              <a:alpha val="50000"/>
-            </a:srgbClr>
-          </a:solidFill>
-          <a:ln w="12700" cap="flat" cmpd="sng">
-            <a:solidFill>
-              <a:srgbClr val="00BFFF">
-                <a:alpha val="100000"/>
-              </a:srgbClr>
-            </a:solidFill>
-            <a:prstDash val="solid"/>
-            <a:round/>
-          </a:ln>
-        </p:spPr>
-        <p:txBody>
-          <a:bodyPr vert="horz" wrap="square" lIns="0" tIns="0" rIns="0" bIns="0" rtlCol="0" anchor="ctr" anchorCtr="0"/>
-          <a:lstStyle/>
-          <a:p>
-            <a:pPr algn="ctr">
-              <a:defRPr/>
-            </a:pPr>
-            <a:endParaRPr/>
-          </a:p>
-        </p:txBody>
-      </p:sp>
-      <p:pic>
-        <p:nvPicPr>
-          <p:cNvPr id="10" name="Picture 10"/>
-          <p:cNvPicPr>
-            <a:picLocks noChangeAspect="1"/>
-          </p:cNvPicPr>
-          <p:nvPr/>
-        </p:nvPicPr>
-        <p:blipFill>
-          <a:blip r:embed="rId6">
-            <a:extLst>
-              <a:ext uri="{28A0092B-C50C-407E-A947-70E740481C1C}">
-                <a14:useLocalDpi xmlns:a14="http://schemas.microsoft.com/office/drawing/2010/main" val="0"/>
-              </a:ext>
-              <a:ext uri="{96DAC541-7B7A-43D3-8B79-37D633B846F1}">
-                <asvg:svgBlip xmlns:asvg="http://schemas.microsoft.com/office/drawing/2016/SVG/main" r:embed="rId7"/>
-              </a:ext>
-            </a:extLst>
-          </a:blip>
-          <a:stretch>
-            <a:fillRect/>
-          </a:stretch>
-        </p:blipFill>
-        <p:spPr>
-          <a:xfrm>
-            <a:off x="-12700000" y="-12700000"/>
-            <a:ext cx="12700" cy="12700"/>
-          </a:xfrm>
-          <a:prstGeom prst="rect">
-            <a:avLst/>
-          </a:prstGeom>
-        </p:spPr>
-      </p:pic>
-      <p:sp>
-        <p:nvSpPr>
-          <p:cNvPr id="11" name="AutoShape 11"/>
-          <p:cNvSpPr/>
-          <p:nvPr/>
-        </p:nvSpPr>
-        <p:spPr>
-          <a:xfrm>
-            <a:off x="-12700000" y="-12700000"/>
-            <a:ext cx="12700" cy="12700"/>
-          </a:xfrm>
-          <a:prstGeom prst="rect">
-            <a:avLst/>
-          </a:prstGeom>
-          <a:noFill/>
-          <a:ln w="12700" cap="flat" cmpd="sng">
-            <a:noFill/>
-            <a:prstDash val="solid"/>
-            <a:round/>
-          </a:ln>
-        </p:spPr>
-        <p:txBody>
-          <a:bodyPr vert="horz" wrap="square" lIns="0" tIns="0" rIns="0" bIns="0" rtlCol="0" anchor="ctr" anchorCtr="0"/>
-          <a:lstStyle/>
-          <a:p>
-            <a:pPr indent="0" algn="l">
-              <a:lnSpc>
-                <a:spcPct val="125000"/>
-              </a:lnSpc>
-              <a:defRPr/>
-            </a:pPr>
-            <a:r>
-              <a:rPr lang="en-US" sz="1800" b="1" i="0" u="none" strike="noStrike">
-                <a:solidFill>
-                  <a:srgbClr val="FFFFFF"/>
-                </a:solidFill>
-                <a:latin typeface="Noto Sans SC"/>
-                <a:ea typeface="Noto Sans SC"/>
-                <a:cs typeface="Noto Sans SC"/>
-                <a:sym typeface="Noto Sans SC"/>
-              </a:rPr>
-              <a:t>Tailwind CSS</a:t>
-            </a:r>
-            <a:endParaRPr lang="en-US" sz="1100"/>
-          </a:p>
-        </p:txBody>
-      </p:sp>
-      <p:sp>
-        <p:nvSpPr>
-          <p:cNvPr id="12" name="AutoShape 12"/>
-          <p:cNvSpPr/>
-          <p:nvPr/>
-        </p:nvSpPr>
-        <p:spPr>
-          <a:xfrm>
-            <a:off x="-12700000" y="-12700000"/>
-            <a:ext cx="12700" cy="12700"/>
-          </a:xfrm>
-          <a:prstGeom prst="rect">
-            <a:avLst/>
-          </a:prstGeom>
-          <a:noFill/>
-          <a:ln w="12700" cap="flat" cmpd="sng">
-            <a:noFill/>
-            <a:prstDash val="solid"/>
-            <a:round/>
-          </a:ln>
-        </p:spPr>
-        <p:txBody>
-          <a:bodyPr vert="horz" wrap="square" lIns="0" tIns="0" rIns="0" bIns="0" rtlCol="0" anchor="t" anchorCtr="0"/>
-          <a:lstStyle/>
-          <a:p>
-            <a:pPr indent="0" algn="l">
-              <a:lnSpc>
-                <a:spcPct val="116666"/>
-              </a:lnSpc>
-              <a:defRPr/>
-            </a:pPr>
-            <a:r>
-              <a:rPr lang="en-US" sz="1400" b="0" i="0" u="none" strike="noStrike">
-                <a:solidFill>
-                  <a:srgbClr val="D1D5DB"/>
-                </a:solidFill>
-                <a:latin typeface="Noto Sans SC"/>
-                <a:ea typeface="Noto Sans SC"/>
-                <a:cs typeface="Noto Sans SC"/>
-                <a:sym typeface="Noto Sans SC"/>
-              </a:rPr>
-              <a:t>快速构建响应式、美观的现代UI。</a:t>
-            </a:r>
-            <a:endParaRPr lang="en-US" sz="1100"/>
-          </a:p>
-        </p:txBody>
-      </p:sp>
-      <p:sp>
-        <p:nvSpPr>
-          <p:cNvPr id="13" name="AutoShape 13"/>
-          <p:cNvSpPr/>
-          <p:nvPr/>
-        </p:nvSpPr>
-        <p:spPr>
-          <a:xfrm>
-            <a:off x="8128000" y="1651000"/>
-            <a:ext cx="3302000" cy="2794000"/>
-          </a:xfrm>
-          <a:prstGeom prst="roundRect">
-            <a:avLst>
-              <a:gd name="adj" fmla="val 3636"/>
-            </a:avLst>
-          </a:prstGeom>
-          <a:solidFill>
-            <a:srgbClr val="172554">
-              <a:alpha val="50000"/>
-            </a:srgbClr>
-          </a:solidFill>
-          <a:ln w="12700" cap="flat" cmpd="sng">
-            <a:solidFill>
-              <a:srgbClr val="00BFFF">
-                <a:alpha val="100000"/>
-              </a:srgbClr>
-            </a:solidFill>
-            <a:prstDash val="solid"/>
-            <a:round/>
-          </a:ln>
-        </p:spPr>
-        <p:txBody>
-          <a:bodyPr vert="horz" wrap="square" lIns="63500" tIns="63500" rIns="63500" bIns="63500" rtlCol="0" anchor="ctr"/>
-          <a:lstStyle/>
-          <a:p>
-            <a:pPr algn="ctr">
-              <a:defRPr/>
-            </a:pPr>
-            <a:endParaRPr/>
-          </a:p>
-        </p:txBody>
-      </p:sp>
-      <p:pic>
-        <p:nvPicPr>
-          <p:cNvPr id="14" name="Picture 14"/>
-          <p:cNvPicPr>
-            <a:picLocks noChangeAspect="1"/>
-          </p:cNvPicPr>
-          <p:nvPr/>
-        </p:nvPicPr>
-        <p:blipFill>
-          <a:blip r:embed="rId8">
-            <a:extLst>
-              <a:ext uri="{28A0092B-C50C-407E-A947-70E740481C1C}">
-                <a14:useLocalDpi xmlns:a14="http://schemas.microsoft.com/office/drawing/2010/main" val="0"/>
-              </a:ext>
-              <a:ext uri="{96DAC541-7B7A-43D3-8B79-37D633B846F1}">
-                <asvg:svgBlip xmlns:asvg="http://schemas.microsoft.com/office/drawing/2016/SVG/main" r:embed="rId9"/>
-              </a:ext>
-            </a:extLst>
-          </a:blip>
-          <a:stretch>
-            <a:fillRect/>
-          </a:stretch>
-        </p:blipFill>
-        <p:spPr>
-          <a:xfrm>
-            <a:off x="8382000" y="1905000"/>
-            <a:ext cx="508000" cy="508000"/>
-          </a:xfrm>
-          <a:prstGeom prst="rect">
-            <a:avLst/>
-          </a:prstGeom>
-        </p:spPr>
-      </p:pic>
-      <p:sp>
-        <p:nvSpPr>
-          <p:cNvPr id="15" name="AutoShape 15"/>
-          <p:cNvSpPr/>
-          <p:nvPr/>
-        </p:nvSpPr>
-        <p:spPr>
-          <a:xfrm>
-            <a:off x="8382000" y="2603500"/>
-            <a:ext cx="2794000" cy="304800"/>
-          </a:xfrm>
-          <a:prstGeom prst="rect">
-            <a:avLst/>
-          </a:prstGeom>
-          <a:noFill/>
-          <a:ln w="12700" cap="flat" cmpd="sng">
-            <a:noFill/>
-            <a:prstDash val="solid"/>
-            <a:round/>
-          </a:ln>
-        </p:spPr>
-        <p:txBody>
-          <a:bodyPr vert="horz" wrap="square" lIns="0" tIns="0" rIns="0" bIns="0" rtlCol="0" anchor="ctr" anchorCtr="0"/>
-          <a:lstStyle/>
-          <a:p>
-            <a:pPr indent="0" algn="l">
-              <a:lnSpc>
-                <a:spcPct val="125000"/>
-              </a:lnSpc>
-              <a:defRPr/>
-            </a:pPr>
-            <a:r>
-              <a:rPr lang="en-US" sz="1800" b="1" i="0" u="none" strike="noStrike">
-                <a:solidFill>
-                  <a:srgbClr val="FFFFFF"/>
-                </a:solidFill>
-                <a:latin typeface="Noto Sans SC"/>
-                <a:ea typeface="Noto Sans SC"/>
-                <a:cs typeface="Noto Sans SC"/>
-                <a:sym typeface="Noto Sans SC"/>
-              </a:rPr>
-              <a:t>Font Awesome</a:t>
-            </a:r>
-            <a:endParaRPr lang="en-US" sz="1100"/>
-          </a:p>
-        </p:txBody>
-      </p:sp>
-      <p:sp>
-        <p:nvSpPr>
-          <p:cNvPr id="16" name="AutoShape 16"/>
-          <p:cNvSpPr/>
-          <p:nvPr/>
-        </p:nvSpPr>
-        <p:spPr>
-          <a:xfrm>
-            <a:off x="8382000" y="3048000"/>
-            <a:ext cx="2794000" cy="558800"/>
-          </a:xfrm>
-          <a:prstGeom prst="rect">
-            <a:avLst/>
-          </a:prstGeom>
-          <a:noFill/>
-          <a:ln w="12700" cap="flat" cmpd="sng">
-            <a:noFill/>
-            <a:prstDash val="solid"/>
-            <a:round/>
-          </a:ln>
-        </p:spPr>
-        <p:txBody>
-          <a:bodyPr vert="horz" wrap="square" lIns="0" tIns="0" rIns="0" bIns="0" rtlCol="0" anchor="t" anchorCtr="0"/>
-          <a:lstStyle/>
-          <a:p>
-            <a:pPr indent="0" algn="l">
-              <a:lnSpc>
-                <a:spcPct val="116666"/>
-              </a:lnSpc>
-              <a:defRPr/>
-            </a:pPr>
-            <a:r>
-              <a:rPr lang="en-US" sz="1400" b="0" i="0" u="none" strike="noStrike">
-                <a:solidFill>
-                  <a:srgbClr val="D1D5DB"/>
-                </a:solidFill>
-                <a:latin typeface="Noto Sans SC"/>
-                <a:ea typeface="Noto Sans SC"/>
-                <a:cs typeface="Noto Sans SC"/>
-                <a:sym typeface="Noto Sans SC"/>
-              </a:rPr>
-              <a:t>提供丰富、可定制的矢量图标库。</a:t>
-            </a:r>
-            <a:endParaRPr lang="en-US" sz="1100"/>
-          </a:p>
-        </p:txBody>
-      </p:sp>
-      <p:cxnSp>
-        <p:nvCxnSpPr>
-          <p:cNvPr id="17" name="Connector 17"/>
-          <p:cNvCxnSpPr/>
-          <p:nvPr/>
-        </p:nvCxnSpPr>
-        <p:spPr>
-          <a:xfrm rot="-4092">
-            <a:off x="762004" y="4819650"/>
-            <a:ext cx="10668000" cy="12700"/>
-          </a:xfrm>
-          <a:prstGeom prst="straightConnector1">
-            <a:avLst/>
-          </a:prstGeom>
-          <a:solidFill>
-            <a:srgbClr val="DEE0E3">
-              <a:alpha val="100000"/>
-            </a:srgbClr>
-          </a:solidFill>
-          <a:ln w="12700" cap="flat" cmpd="sng">
-            <a:solidFill>
-              <a:srgbClr val="00BFFF">
-                <a:alpha val="30000"/>
-              </a:srgbClr>
-            </a:solidFill>
-            <a:prstDash val="solid"/>
-            <a:round/>
-            <a:headEnd type="none" w="med" len="med"/>
-            <a:tailEnd type="none" w="med" len="med"/>
-          </a:ln>
-        </p:spPr>
-      </p:cxnSp>
-      <p:sp>
-        <p:nvSpPr>
-          <p:cNvPr id="18" name="AutoShape 18"/>
-          <p:cNvSpPr/>
-          <p:nvPr/>
-        </p:nvSpPr>
-        <p:spPr>
-          <a:xfrm>
-            <a:off x="762000" y="5207000"/>
-            <a:ext cx="10668000" cy="609600"/>
-          </a:xfrm>
-          <a:prstGeom prst="rect">
-            <a:avLst/>
-          </a:prstGeom>
-          <a:noFill/>
-          <a:ln w="12700" cap="flat" cmpd="sng">
-            <a:noFill/>
-            <a:prstDash val="solid"/>
-            <a:round/>
-          </a:ln>
-        </p:spPr>
-        <p:txBody>
-          <a:bodyPr vert="horz" wrap="square" lIns="0" tIns="0" rIns="0" bIns="0" rtlCol="0" anchor="ctr" anchorCtr="0"/>
-          <a:lstStyle/>
-          <a:p>
-            <a:pPr indent="0" algn="ctr">
-              <a:lnSpc>
-                <a:spcPct val="125000"/>
-              </a:lnSpc>
-              <a:defRPr/>
-            </a:pPr>
-            <a:r>
-              <a:rPr lang="en-US" sz="1600" b="0" i="0" u="none" strike="noStrike">
-                <a:solidFill>
-                  <a:srgbClr val="D1D5DB"/>
-                </a:solidFill>
-                <a:latin typeface="Noto Sans SC"/>
-                <a:ea typeface="Noto Sans SC"/>
-                <a:cs typeface="Noto Sans SC"/>
-                <a:sym typeface="Noto Sans SC"/>
-              </a:rPr>
-              <a:t>通过技术栈的合理搭配，我们致力于打造美观、高效且易于维护的用户界面。</a:t>
-            </a:r>
-            <a:endParaRPr lang="en-US" sz="1100"/>
-          </a:p>
-        </p:txBody>
-      </p:sp>
-      <p:sp>
-        <p:nvSpPr>
-          <p:cNvPr id="20" name="AutoShape 5">
-            <a:extLst>
-              <a:ext uri="{FF2B5EF4-FFF2-40B4-BE49-F238E27FC236}">
-                <a16:creationId xmlns:a16="http://schemas.microsoft.com/office/drawing/2014/main" id="{5E11C846-0528-FC51-13EF-3E0A975F0037}"/>
-              </a:ext>
-            </a:extLst>
-          </p:cNvPr>
-          <p:cNvSpPr/>
-          <p:nvPr/>
-        </p:nvSpPr>
-        <p:spPr>
-          <a:xfrm>
-            <a:off x="4445000" y="1657350"/>
-            <a:ext cx="3302000" cy="2794000"/>
-          </a:xfrm>
-          <a:prstGeom prst="roundRect">
-            <a:avLst>
-              <a:gd name="adj" fmla="val 3636"/>
-            </a:avLst>
-          </a:prstGeom>
-          <a:solidFill>
-            <a:srgbClr val="172554">
-              <a:alpha val="50000"/>
-            </a:srgbClr>
-          </a:solidFill>
-          <a:ln w="12700" cap="flat" cmpd="sng">
-            <a:solidFill>
-              <a:srgbClr val="00BFFF">
-                <a:alpha val="100000"/>
-              </a:srgbClr>
-            </a:solidFill>
-            <a:prstDash val="solid"/>
-            <a:round/>
-          </a:ln>
-        </p:spPr>
-        <p:txBody>
-          <a:bodyPr vert="horz" wrap="square" lIns="63500" tIns="63500" rIns="63500" bIns="63500" rtlCol="0" anchor="ctr"/>
-          <a:lstStyle/>
-          <a:p>
-            <a:pPr algn="ctr">
-              <a:defRPr/>
-            </a:pPr>
-            <a:endParaRPr/>
-          </a:p>
-        </p:txBody>
-      </p:sp>
-      <p:pic>
-        <p:nvPicPr>
-          <p:cNvPr id="21" name="Picture 6">
-            <a:extLst>
-              <a:ext uri="{FF2B5EF4-FFF2-40B4-BE49-F238E27FC236}">
-                <a16:creationId xmlns:a16="http://schemas.microsoft.com/office/drawing/2014/main" id="{68CFA3D3-0CAE-DF4E-5C11-0BC4065179E6}"/>
-              </a:ext>
-            </a:extLst>
-          </p:cNvPr>
-          <p:cNvPicPr>
-            <a:picLocks noChangeAspect="1"/>
-          </p:cNvPicPr>
-          <p:nvPr/>
-        </p:nvPicPr>
-        <p:blipFill>
-          <a:blip r:embed="rId4">
-            <a:extLst>
-              <a:ext uri="{28A0092B-C50C-407E-A947-70E740481C1C}">
-                <a14:useLocalDpi xmlns:a14="http://schemas.microsoft.com/office/drawing/2010/main" val="0"/>
-              </a:ext>
-              <a:ext uri="{96DAC541-7B7A-43D3-8B79-37D633B846F1}">
-                <asvg:svgBlip xmlns:asvg="http://schemas.microsoft.com/office/drawing/2016/SVG/main" r:embed="rId5"/>
-              </a:ext>
-            </a:extLst>
-          </a:blip>
-          <a:stretch>
-            <a:fillRect/>
-          </a:stretch>
-        </p:blipFill>
-        <p:spPr>
-          <a:xfrm>
-            <a:off x="4699000" y="1911350"/>
-            <a:ext cx="508000" cy="508000"/>
-          </a:xfrm>
-          <a:prstGeom prst="rect">
-            <a:avLst/>
-          </a:prstGeom>
-        </p:spPr>
-      </p:pic>
-      <p:sp>
-        <p:nvSpPr>
-          <p:cNvPr id="22" name="AutoShape 7">
-            <a:extLst>
-              <a:ext uri="{FF2B5EF4-FFF2-40B4-BE49-F238E27FC236}">
-                <a16:creationId xmlns:a16="http://schemas.microsoft.com/office/drawing/2014/main" id="{8AD5B658-6631-F6E8-FF98-4C49D9988874}"/>
-              </a:ext>
-            </a:extLst>
-          </p:cNvPr>
-          <p:cNvSpPr/>
-          <p:nvPr/>
-        </p:nvSpPr>
-        <p:spPr>
-          <a:xfrm>
-            <a:off x="4699000" y="2609850"/>
-            <a:ext cx="2794000" cy="304800"/>
-          </a:xfrm>
-          <a:prstGeom prst="rect">
-            <a:avLst/>
-          </a:prstGeom>
-          <a:noFill/>
-          <a:ln w="12700" cap="flat" cmpd="sng">
-            <a:noFill/>
-            <a:prstDash val="solid"/>
-            <a:round/>
-          </a:ln>
-        </p:spPr>
-        <p:txBody>
-          <a:bodyPr vert="horz" wrap="square" lIns="0" tIns="0" rIns="0" bIns="0" rtlCol="0" anchor="ctr" anchorCtr="0"/>
-          <a:lstStyle/>
-          <a:p>
-            <a:pPr indent="0" algn="l">
-              <a:lnSpc>
-                <a:spcPct val="125000"/>
-              </a:lnSpc>
-              <a:defRPr/>
-            </a:pPr>
-            <a:r>
-              <a:rPr lang="en-US" altLang="zh-CN" sz="1800" dirty="0" err="1">
-                <a:solidFill>
-                  <a:schemeClr val="bg1"/>
-                </a:solidFill>
-              </a:rPr>
-              <a:t>axios</a:t>
-            </a:r>
-            <a:endParaRPr lang="en-US" sz="1800" dirty="0">
-              <a:solidFill>
-                <a:schemeClr val="bg1"/>
-              </a:solidFill>
-            </a:endParaRPr>
-          </a:p>
-        </p:txBody>
-      </p:sp>
-      <p:sp>
-        <p:nvSpPr>
-          <p:cNvPr id="23" name="AutoShape 8">
-            <a:extLst>
-              <a:ext uri="{FF2B5EF4-FFF2-40B4-BE49-F238E27FC236}">
-                <a16:creationId xmlns:a16="http://schemas.microsoft.com/office/drawing/2014/main" id="{C362625E-18D1-FB53-5489-45DD3398C6E4}"/>
-              </a:ext>
-            </a:extLst>
-          </p:cNvPr>
-          <p:cNvSpPr/>
-          <p:nvPr/>
-        </p:nvSpPr>
-        <p:spPr>
-          <a:xfrm>
-            <a:off x="4699000" y="3054350"/>
-            <a:ext cx="2794000" cy="558800"/>
-          </a:xfrm>
-          <a:prstGeom prst="rect">
-            <a:avLst/>
-          </a:prstGeom>
-          <a:noFill/>
-          <a:ln w="12700" cap="flat" cmpd="sng">
-            <a:noFill/>
-            <a:prstDash val="solid"/>
-            <a:round/>
-          </a:ln>
-        </p:spPr>
-        <p:txBody>
-          <a:bodyPr vert="horz" wrap="square" lIns="0" tIns="0" rIns="0" bIns="0" rtlCol="0" anchor="t" anchorCtr="0"/>
-          <a:lstStyle/>
-          <a:p>
-            <a:pPr indent="0" algn="l">
-              <a:lnSpc>
-                <a:spcPct val="116666"/>
-              </a:lnSpc>
-              <a:defRPr/>
-            </a:pPr>
-            <a:r>
-              <a:rPr lang="zh-CN" altLang="en-US" dirty="0">
-                <a:solidFill>
-                  <a:schemeClr val="bg1"/>
-                </a:solidFill>
-                <a:latin typeface="Noto Sans SC" panose="020B0200000000000000" pitchFamily="34" charset="-122"/>
-                <a:ea typeface="Noto Sans SC" panose="020B0200000000000000" pitchFamily="34" charset="-122"/>
-              </a:rPr>
-              <a:t>第三方</a:t>
-            </a:r>
-            <a:r>
-              <a:rPr lang="en-US" altLang="zh-CN" dirty="0">
-                <a:solidFill>
-                  <a:schemeClr val="bg1"/>
-                </a:solidFill>
-                <a:latin typeface="Noto Sans SC" panose="020B0200000000000000" pitchFamily="34" charset="-122"/>
-                <a:ea typeface="Noto Sans SC" panose="020B0200000000000000" pitchFamily="34" charset="-122"/>
-              </a:rPr>
-              <a:t>API</a:t>
-            </a:r>
-            <a:r>
-              <a:rPr lang="zh-CN" altLang="en-US" dirty="0">
-                <a:solidFill>
-                  <a:schemeClr val="bg1"/>
-                </a:solidFill>
-                <a:latin typeface="Noto Sans SC" panose="020B0200000000000000" pitchFamily="34" charset="-122"/>
-                <a:ea typeface="Noto Sans SC" panose="020B0200000000000000" pitchFamily="34" charset="-122"/>
-              </a:rPr>
-              <a:t>调用库</a:t>
-            </a:r>
-            <a:endParaRPr lang="en-US" dirty="0">
-              <a:solidFill>
-                <a:schemeClr val="bg1"/>
-              </a:solidFill>
-              <a:latin typeface="Noto Sans SC" panose="020B0200000000000000" pitchFamily="34" charset="-122"/>
-              <a:ea typeface="Noto Sans SC" panose="020B0200000000000000" pitchFamily="34" charset="-122"/>
-            </a:endParaRPr>
-          </a:p>
-        </p:txBody>
-      </p:sp>
-    </p:spTree>
-  </p:cSld>
-  <p:clrMapOvr>
-    <a:masterClrMapping/>
-  </p:clrMapOvr>
-</p:sld>
-</file>
-
-<file path=ppt/slides/slide8.xml><?xml version="1.0" encoding="utf-8"?>
-<p:sld xmlns:a="http://schemas.openxmlformats.org/drawingml/2006/main" xmlns:r="http://schemas.openxmlformats.org/officeDocument/2006/relationships" xmlns:p="http://schemas.openxmlformats.org/presentationml/2006/main">
-  <p:cSld>
-    <p:bg>
-      <p:bgPr>
-        <a:solidFill>
-          <a:srgbClr val="111827">
-            <a:alpha val="100000"/>
-          </a:srgbClr>
-        </a:solidFill>
-        <a:effectLst/>
-      </p:bgPr>
-    </p:bg>
-    <p:spTree>
-      <p:nvGrpSpPr>
-        <p:cNvPr id="1" name=""/>
-        <p:cNvGrpSpPr/>
-        <p:nvPr/>
-      </p:nvGrpSpPr>
-      <p:grpSpPr>
-        <a:xfrm>
-          <a:off x="0" y="0"/>
-          <a:ext cx="0" cy="0"/>
-          <a:chOff x="0" y="0"/>
-          <a:chExt cx="0" cy="0"/>
-        </a:xfrm>
-      </p:grpSpPr>
-      <p:pic>
-        <p:nvPicPr>
-          <p:cNvPr id="2" name="Picture 2"/>
-          <p:cNvPicPr>
-            <a:picLocks noChangeAspect="1"/>
-          </p:cNvPicPr>
-          <p:nvPr/>
-        </p:nvPicPr>
-        <p:blipFill>
-          <a:blip r:embed="rId3"/>
-          <a:srcRect/>
-          <a:stretch>
-            <a:fillRect/>
-          </a:stretch>
-        </p:blipFill>
-        <p:spPr>
-          <a:xfrm>
-            <a:off x="0" y="0"/>
-            <a:ext cx="12192000" cy="6858000"/>
-          </a:xfrm>
-          <a:prstGeom prst="rect">
-            <a:avLst/>
-          </a:prstGeom>
-          <a:noFill/>
-          <a:ln w="25400" cap="flat" cmpd="sng">
-            <a:noFill/>
-            <a:prstDash val="solid"/>
-            <a:round/>
-          </a:ln>
-        </p:spPr>
-      </p:pic>
-      <p:sp>
-        <p:nvSpPr>
-          <p:cNvPr id="3" name="AutoShape 3"/>
-          <p:cNvSpPr/>
-          <p:nvPr/>
-        </p:nvSpPr>
-        <p:spPr>
-          <a:xfrm>
-            <a:off x="0" y="0"/>
-            <a:ext cx="12192000" cy="6858000"/>
-          </a:xfrm>
-          <a:prstGeom prst="roundRect">
-            <a:avLst>
-              <a:gd name="adj" fmla="val 0"/>
-            </a:avLst>
-          </a:prstGeom>
-          <a:solidFill>
-            <a:srgbClr val="111827">
-              <a:alpha val="70000"/>
-            </a:srgbClr>
-          </a:solidFill>
-          <a:ln w="25400" cap="flat" cmpd="sng">
-            <a:noFill/>
-            <a:prstDash val="solid"/>
-            <a:round/>
-          </a:ln>
-        </p:spPr>
-        <p:txBody>
-          <a:bodyPr vert="horz" wrap="square" lIns="63500" tIns="63500" rIns="63500" bIns="63500" rtlCol="0" anchor="ctr"/>
-          <a:lstStyle/>
-          <a:p>
-            <a:pPr algn="ctr">
-              <a:defRPr/>
-            </a:pPr>
-            <a:endParaRPr/>
-          </a:p>
-        </p:txBody>
-      </p:sp>
-      <p:sp>
-        <p:nvSpPr>
-          <p:cNvPr id="4" name="AutoShape 4"/>
-          <p:cNvSpPr/>
-          <p:nvPr/>
-        </p:nvSpPr>
-        <p:spPr>
-          <a:xfrm>
-            <a:off x="762000" y="508000"/>
             <a:ext cx="5080000" cy="508000"/>
           </a:xfrm>
           <a:prstGeom prst="rect">
@@ -23033,7 +19811,7 @@
 </p:sld>
 </file>
 
-<file path=ppt/slides/slide9.xml><?xml version="1.0" encoding="utf-8"?>
+<file path=ppt/slides/slide7.xml><?xml version="1.0" encoding="utf-8"?>
 <p:sld xmlns:a="http://schemas.openxmlformats.org/drawingml/2006/main" xmlns:r="http://schemas.openxmlformats.org/officeDocument/2006/relationships" xmlns:p="http://schemas.openxmlformats.org/presentationml/2006/main">
   <p:cSld>
     <p:bg>
@@ -23527,50 +20305,6 @@
           </a:ln>
         </p:spPr>
       </p:cxnSp>
-      <p:pic>
-        <p:nvPicPr>
-          <p:cNvPr id="14" name="Picture 14"/>
-          <p:cNvPicPr>
-            <a:picLocks noChangeAspect="1"/>
-          </p:cNvPicPr>
-          <p:nvPr/>
-        </p:nvPicPr>
-        <p:blipFill>
-          <a:blip r:embed="rId10"/>
-          <a:srcRect/>
-          <a:stretch>
-            <a:fillRect/>
-          </a:stretch>
-        </p:blipFill>
-        <p:spPr>
-          <a:xfrm>
-            <a:off x="6477000" y="1778000"/>
-            <a:ext cx="5080000" cy="2857500"/>
-          </a:xfrm>
-          <a:prstGeom prst="roundRect">
-            <a:avLst>
-              <a:gd name="adj" fmla="val 5333"/>
-            </a:avLst>
-          </a:prstGeom>
-          <a:noFill/>
-          <a:ln w="25400" cap="flat" cmpd="sng">
-            <a:solidFill>
-              <a:srgbClr val="00BFFF">
-                <a:alpha val="100000"/>
-              </a:srgbClr>
-            </a:solidFill>
-            <a:prstDash val="solid"/>
-            <a:round/>
-          </a:ln>
-          <a:effectLst>
-            <a:outerShdw blurRad="254000" dir="2700000" algn="tl" rotWithShape="0">
-              <a:srgbClr val="00BFFF">
-                <a:alpha val="40000"/>
-              </a:srgbClr>
-            </a:outerShdw>
-          </a:effectLst>
-        </p:spPr>
-      </p:pic>
       <p:sp>
         <p:nvSpPr>
           <p:cNvPr id="15" name="AutoShape 15"/>
@@ -23618,6 +20352,1459 @@
           </a:p>
         </p:txBody>
       </p:sp>
+      <p:pic>
+        <p:nvPicPr>
+          <p:cNvPr id="17" name="图片 16" descr="文本&#10;&#10;AI 生成的内容可能不正确。">
+            <a:extLst>
+              <a:ext uri="{FF2B5EF4-FFF2-40B4-BE49-F238E27FC236}">
+                <a16:creationId xmlns:a16="http://schemas.microsoft.com/office/drawing/2014/main" id="{BB819C70-0BD9-AC42-C618-D3CC092C7C6E}"/>
+              </a:ext>
+            </a:extLst>
+          </p:cNvPr>
+          <p:cNvPicPr>
+            <a:picLocks noChangeAspect="1"/>
+          </p:cNvPicPr>
+          <p:nvPr/>
+        </p:nvPicPr>
+        <p:blipFill>
+          <a:blip r:embed="rId10"/>
+          <a:stretch>
+            <a:fillRect/>
+          </a:stretch>
+        </p:blipFill>
+        <p:spPr>
+          <a:xfrm>
+            <a:off x="6483350" y="2049344"/>
+            <a:ext cx="4768850" cy="2294056"/>
+          </a:xfrm>
+          <a:prstGeom prst="roundRect">
+            <a:avLst>
+              <a:gd name="adj" fmla="val 16667"/>
+            </a:avLst>
+          </a:prstGeom>
+          <a:ln w="25400">
+            <a:solidFill>
+              <a:srgbClr val="00B0F0"/>
+            </a:solidFill>
+          </a:ln>
+          <a:effectLst>
+            <a:outerShdw blurRad="76200" dist="38100" dir="7800000" algn="tl" rotWithShape="0">
+              <a:srgbClr val="000000">
+                <a:alpha val="40000"/>
+              </a:srgbClr>
+            </a:outerShdw>
+          </a:effectLst>
+          <a:scene3d>
+            <a:camera prst="orthographicFront"/>
+            <a:lightRig rig="contrasting" dir="t">
+              <a:rot lat="0" lon="0" rev="4200000"/>
+            </a:lightRig>
+          </a:scene3d>
+          <a:sp3d prstMaterial="plastic">
+            <a:bevelT w="381000" h="114300" prst="relaxedInset"/>
+            <a:contourClr>
+              <a:srgbClr val="969696"/>
+            </a:contourClr>
+          </a:sp3d>
+        </p:spPr>
+      </p:pic>
+    </p:spTree>
+  </p:cSld>
+  <p:clrMapOvr>
+    <a:masterClrMapping/>
+  </p:clrMapOvr>
+</p:sld>
+</file>
+
+<file path=ppt/slides/slide8.xml><?xml version="1.0" encoding="utf-8"?>
+<p:sld xmlns:a="http://schemas.openxmlformats.org/drawingml/2006/main" xmlns:r="http://schemas.openxmlformats.org/officeDocument/2006/relationships" xmlns:p="http://schemas.openxmlformats.org/presentationml/2006/main">
+  <p:cSld>
+    <p:bg>
+      <p:bgPr>
+        <a:solidFill>
+          <a:srgbClr val="0A0A14">
+            <a:alpha val="100000"/>
+          </a:srgbClr>
+        </a:solidFill>
+        <a:effectLst/>
+      </p:bgPr>
+    </p:bg>
+    <p:spTree>
+      <p:nvGrpSpPr>
+        <p:cNvPr id="1" name=""/>
+        <p:cNvGrpSpPr/>
+        <p:nvPr/>
+      </p:nvGrpSpPr>
+      <p:grpSpPr>
+        <a:xfrm>
+          <a:off x="0" y="0"/>
+          <a:ext cx="0" cy="0"/>
+          <a:chOff x="0" y="0"/>
+          <a:chExt cx="0" cy="0"/>
+        </a:xfrm>
+      </p:grpSpPr>
+      <p:pic>
+        <p:nvPicPr>
+          <p:cNvPr id="2" name="Picture 2"/>
+          <p:cNvPicPr>
+            <a:picLocks noChangeAspect="1"/>
+          </p:cNvPicPr>
+          <p:nvPr/>
+        </p:nvPicPr>
+        <p:blipFill>
+          <a:blip r:embed="rId3"/>
+          <a:srcRect/>
+          <a:stretch>
+            <a:fillRect/>
+          </a:stretch>
+        </p:blipFill>
+        <p:spPr>
+          <a:xfrm>
+            <a:off x="0" y="0"/>
+            <a:ext cx="12192000" cy="6858000"/>
+          </a:xfrm>
+          <a:prstGeom prst="rect">
+            <a:avLst/>
+          </a:prstGeom>
+          <a:noFill/>
+          <a:ln w="25400" cap="flat" cmpd="sng">
+            <a:noFill/>
+            <a:prstDash val="solid"/>
+            <a:round/>
+          </a:ln>
+        </p:spPr>
+      </p:pic>
+      <p:sp>
+        <p:nvSpPr>
+          <p:cNvPr id="3" name="AutoShape 3"/>
+          <p:cNvSpPr/>
+          <p:nvPr/>
+        </p:nvSpPr>
+        <p:spPr>
+          <a:xfrm>
+            <a:off x="0" y="0"/>
+            <a:ext cx="12192000" cy="6858000"/>
+          </a:xfrm>
+          <a:prstGeom prst="roundRect">
+            <a:avLst>
+              <a:gd name="adj" fmla="val 0"/>
+            </a:avLst>
+          </a:prstGeom>
+          <a:solidFill>
+            <a:srgbClr val="0A0F1E">
+              <a:alpha val="70000"/>
+            </a:srgbClr>
+          </a:solidFill>
+          <a:ln w="25400" cap="flat" cmpd="sng">
+            <a:noFill/>
+            <a:prstDash val="solid"/>
+            <a:round/>
+          </a:ln>
+        </p:spPr>
+        <p:txBody>
+          <a:bodyPr vert="horz" wrap="square" lIns="63500" tIns="63500" rIns="63500" bIns="63500" rtlCol="0" anchor="ctr"/>
+          <a:lstStyle/>
+          <a:p>
+            <a:pPr algn="ctr">
+              <a:defRPr/>
+            </a:pPr>
+            <a:endParaRPr/>
+          </a:p>
+        </p:txBody>
+      </p:sp>
+      <p:sp>
+        <p:nvSpPr>
+          <p:cNvPr id="4" name="AutoShape 4"/>
+          <p:cNvSpPr/>
+          <p:nvPr/>
+        </p:nvSpPr>
+        <p:spPr>
+          <a:xfrm>
+            <a:off x="762000" y="508000"/>
+            <a:ext cx="7620000" cy="508000"/>
+          </a:xfrm>
+          <a:prstGeom prst="rect">
+            <a:avLst/>
+          </a:prstGeom>
+          <a:noFill/>
+          <a:ln w="12700" cap="flat" cmpd="sng">
+            <a:noFill/>
+            <a:prstDash val="solid"/>
+            <a:round/>
+          </a:ln>
+        </p:spPr>
+        <p:txBody>
+          <a:bodyPr vert="horz" wrap="square" lIns="0" tIns="0" rIns="0" bIns="0" rtlCol="0" anchor="ctr" anchorCtr="0"/>
+          <a:lstStyle/>
+          <a:p>
+            <a:pPr indent="0" algn="l">
+              <a:lnSpc>
+                <a:spcPct val="125000"/>
+              </a:lnSpc>
+              <a:defRPr/>
+            </a:pPr>
+            <a:r>
+              <a:rPr lang="en-US" sz="3600" b="1" i="0" u="none" strike="noStrike">
+                <a:solidFill>
+                  <a:srgbClr val="FFFFFF"/>
+                </a:solidFill>
+                <a:latin typeface="Noto Sans SC"/>
+                <a:ea typeface="Noto Sans SC"/>
+                <a:cs typeface="Noto Sans SC"/>
+                <a:sym typeface="Noto Sans SC"/>
+              </a:rPr>
+              <a:t>功能演示 - 天文预测</a:t>
+            </a:r>
+            <a:endParaRPr lang="en-US" sz="1100"/>
+          </a:p>
+        </p:txBody>
+      </p:sp>
+      <p:cxnSp>
+        <p:nvCxnSpPr>
+          <p:cNvPr id="5" name="Connector 5"/>
+          <p:cNvCxnSpPr/>
+          <p:nvPr/>
+        </p:nvCxnSpPr>
+        <p:spPr>
+          <a:xfrm rot="-8594">
+            <a:off x="762008" y="1200150"/>
+            <a:ext cx="5080000" cy="12700"/>
+          </a:xfrm>
+          <a:prstGeom prst="straightConnector1">
+            <a:avLst/>
+          </a:prstGeom>
+          <a:solidFill>
+            <a:srgbClr val="DEE0E3">
+              <a:alpha val="100000"/>
+            </a:srgbClr>
+          </a:solidFill>
+          <a:ln w="25400" cap="flat" cmpd="sng">
+            <a:solidFill>
+              <a:srgbClr val="00BFFF">
+                <a:alpha val="100000"/>
+              </a:srgbClr>
+            </a:solidFill>
+            <a:prstDash val="solid"/>
+            <a:round/>
+            <a:headEnd type="none" w="lg" len="lg"/>
+            <a:tailEnd type="none" w="lg" len="lg"/>
+          </a:ln>
+        </p:spPr>
+      </p:cxnSp>
+      <p:pic>
+        <p:nvPicPr>
+          <p:cNvPr id="6" name="Picture 6"/>
+          <p:cNvPicPr>
+            <a:picLocks noChangeAspect="1"/>
+          </p:cNvPicPr>
+          <p:nvPr/>
+        </p:nvPicPr>
+        <p:blipFill>
+          <a:blip r:embed="rId4">
+            <a:extLst>
+              <a:ext uri="{28A0092B-C50C-407E-A947-70E740481C1C}">
+                <a14:useLocalDpi xmlns:a14="http://schemas.microsoft.com/office/drawing/2010/main" val="0"/>
+              </a:ext>
+              <a:ext uri="{96DAC541-7B7A-43D3-8B79-37D633B846F1}">
+                <asvg:svgBlip xmlns:asvg="http://schemas.microsoft.com/office/drawing/2016/SVG/main" r:embed="rId5"/>
+              </a:ext>
+            </a:extLst>
+          </a:blip>
+          <a:stretch>
+            <a:fillRect/>
+          </a:stretch>
+        </p:blipFill>
+        <p:spPr>
+          <a:xfrm>
+            <a:off x="762000" y="1778000"/>
+            <a:ext cx="304800" cy="304800"/>
+          </a:xfrm>
+          <a:prstGeom prst="rect">
+            <a:avLst/>
+          </a:prstGeom>
+        </p:spPr>
+      </p:pic>
+      <p:sp>
+        <p:nvSpPr>
+          <p:cNvPr id="7" name="AutoShape 7"/>
+          <p:cNvSpPr/>
+          <p:nvPr/>
+        </p:nvSpPr>
+        <p:spPr>
+          <a:xfrm>
+            <a:off x="1270000" y="1778000"/>
+            <a:ext cx="4572000" cy="355600"/>
+          </a:xfrm>
+          <a:prstGeom prst="rect">
+            <a:avLst/>
+          </a:prstGeom>
+          <a:noFill/>
+          <a:ln w="12700" cap="flat" cmpd="sng">
+            <a:noFill/>
+            <a:prstDash val="solid"/>
+            <a:round/>
+          </a:ln>
+        </p:spPr>
+        <p:txBody>
+          <a:bodyPr vert="horz" wrap="square" lIns="0" tIns="0" rIns="0" bIns="0" rtlCol="0" anchor="ctr" anchorCtr="0"/>
+          <a:lstStyle/>
+          <a:p>
+            <a:pPr indent="0" algn="l">
+              <a:lnSpc>
+                <a:spcPct val="125000"/>
+              </a:lnSpc>
+              <a:defRPr/>
+            </a:pPr>
+            <a:r>
+              <a:rPr lang="en-US" sz="2000" b="1" i="0" u="none" strike="noStrike">
+                <a:solidFill>
+                  <a:srgbClr val="FFFFFF"/>
+                </a:solidFill>
+                <a:latin typeface="Noto Sans SC"/>
+                <a:ea typeface="Noto Sans SC"/>
+                <a:cs typeface="Noto Sans SC"/>
+                <a:sym typeface="Noto Sans SC"/>
+              </a:rPr>
+              <a:t>探索宇宙的奥秘</a:t>
+            </a:r>
+            <a:endParaRPr lang="en-US" sz="1100"/>
+          </a:p>
+        </p:txBody>
+      </p:sp>
+      <p:sp>
+        <p:nvSpPr>
+          <p:cNvPr id="8" name="AutoShape 8"/>
+          <p:cNvSpPr/>
+          <p:nvPr/>
+        </p:nvSpPr>
+        <p:spPr>
+          <a:xfrm>
+            <a:off x="1270000" y="2286000"/>
+            <a:ext cx="4572000" cy="838200"/>
+          </a:xfrm>
+          <a:prstGeom prst="rect">
+            <a:avLst/>
+          </a:prstGeom>
+          <a:noFill/>
+          <a:ln w="12700" cap="flat" cmpd="sng">
+            <a:noFill/>
+            <a:prstDash val="solid"/>
+            <a:round/>
+          </a:ln>
+        </p:spPr>
+        <p:txBody>
+          <a:bodyPr vert="horz" wrap="square" lIns="0" tIns="0" rIns="0" bIns="0" rtlCol="0" anchor="t" anchorCtr="0"/>
+          <a:lstStyle/>
+          <a:p>
+            <a:pPr indent="0" algn="l">
+              <a:lnSpc>
+                <a:spcPct val="125000"/>
+              </a:lnSpc>
+              <a:defRPr/>
+            </a:pPr>
+            <a:r>
+              <a:rPr lang="en-US" sz="1400" b="0" i="0" u="none" strike="noStrike" dirty="0" err="1">
+                <a:solidFill>
+                  <a:srgbClr val="E5E7EB"/>
+                </a:solidFill>
+                <a:latin typeface="Noto Sans SC"/>
+                <a:ea typeface="Noto Sans SC"/>
+                <a:cs typeface="Noto Sans SC"/>
+                <a:sym typeface="Noto Sans SC"/>
+              </a:rPr>
+              <a:t>用户可以查询天文相关的预测信息，如月相变化、等，满足您对星空的好奇心</a:t>
+            </a:r>
+            <a:r>
+              <a:rPr lang="en-US" sz="1400" b="0" i="0" u="none" strike="noStrike" dirty="0">
+                <a:solidFill>
+                  <a:srgbClr val="E5E7EB"/>
+                </a:solidFill>
+                <a:latin typeface="Noto Sans SC"/>
+                <a:ea typeface="Noto Sans SC"/>
+                <a:cs typeface="Noto Sans SC"/>
+                <a:sym typeface="Noto Sans SC"/>
+              </a:rPr>
+              <a:t>。</a:t>
+            </a:r>
+            <a:endParaRPr lang="en-US" sz="1100" dirty="0"/>
+          </a:p>
+        </p:txBody>
+      </p:sp>
+      <p:pic>
+        <p:nvPicPr>
+          <p:cNvPr id="9" name="Picture 9"/>
+          <p:cNvPicPr>
+            <a:picLocks noChangeAspect="1"/>
+          </p:cNvPicPr>
+          <p:nvPr/>
+        </p:nvPicPr>
+        <p:blipFill>
+          <a:blip r:embed="rId6">
+            <a:extLst>
+              <a:ext uri="{28A0092B-C50C-407E-A947-70E740481C1C}">
+                <a14:useLocalDpi xmlns:a14="http://schemas.microsoft.com/office/drawing/2010/main" val="0"/>
+              </a:ext>
+              <a:ext uri="{96DAC541-7B7A-43D3-8B79-37D633B846F1}">
+                <asvg:svgBlip xmlns:asvg="http://schemas.microsoft.com/office/drawing/2016/SVG/main" r:embed="rId7"/>
+              </a:ext>
+            </a:extLst>
+          </a:blip>
+          <a:stretch>
+            <a:fillRect/>
+          </a:stretch>
+        </p:blipFill>
+        <p:spPr>
+          <a:xfrm>
+            <a:off x="1270000" y="3429000"/>
+            <a:ext cx="254000" cy="254000"/>
+          </a:xfrm>
+          <a:prstGeom prst="rect">
+            <a:avLst/>
+          </a:prstGeom>
+        </p:spPr>
+      </p:pic>
+      <p:sp>
+        <p:nvSpPr>
+          <p:cNvPr id="10" name="AutoShape 10"/>
+          <p:cNvSpPr/>
+          <p:nvPr/>
+        </p:nvSpPr>
+        <p:spPr>
+          <a:xfrm>
+            <a:off x="1714500" y="3429000"/>
+            <a:ext cx="3810000" cy="304800"/>
+          </a:xfrm>
+          <a:prstGeom prst="rect">
+            <a:avLst/>
+          </a:prstGeom>
+          <a:noFill/>
+          <a:ln w="12700" cap="flat" cmpd="sng">
+            <a:noFill/>
+            <a:prstDash val="solid"/>
+            <a:round/>
+          </a:ln>
+        </p:spPr>
+        <p:txBody>
+          <a:bodyPr vert="horz" wrap="square" lIns="0" tIns="0" rIns="0" bIns="0" rtlCol="0" anchor="ctr" anchorCtr="0"/>
+          <a:lstStyle/>
+          <a:p>
+            <a:pPr indent="0" algn="l">
+              <a:lnSpc>
+                <a:spcPct val="125000"/>
+              </a:lnSpc>
+              <a:defRPr/>
+            </a:pPr>
+            <a:r>
+              <a:rPr lang="en-US" sz="1600" b="1" i="0" u="none" strike="noStrike">
+                <a:solidFill>
+                  <a:srgbClr val="FFFFFF"/>
+                </a:solidFill>
+                <a:latin typeface="Noto Sans SC"/>
+                <a:ea typeface="Noto Sans SC"/>
+                <a:cs typeface="Noto Sans SC"/>
+                <a:sym typeface="Noto Sans SC"/>
+              </a:rPr>
+              <a:t>精准月相查询</a:t>
+            </a:r>
+            <a:endParaRPr lang="en-US" sz="1100"/>
+          </a:p>
+        </p:txBody>
+      </p:sp>
+      <p:sp>
+        <p:nvSpPr>
+          <p:cNvPr id="11" name="AutoShape 11"/>
+          <p:cNvSpPr/>
+          <p:nvPr/>
+        </p:nvSpPr>
+        <p:spPr>
+          <a:xfrm>
+            <a:off x="1714500" y="3810000"/>
+            <a:ext cx="3810000" cy="279400"/>
+          </a:xfrm>
+          <a:prstGeom prst="rect">
+            <a:avLst/>
+          </a:prstGeom>
+          <a:noFill/>
+          <a:ln w="12700" cap="flat" cmpd="sng">
+            <a:noFill/>
+            <a:prstDash val="solid"/>
+            <a:round/>
+          </a:ln>
+        </p:spPr>
+        <p:txBody>
+          <a:bodyPr vert="horz" wrap="square" lIns="0" tIns="0" rIns="0" bIns="0" rtlCol="0" anchor="t" anchorCtr="0"/>
+          <a:lstStyle/>
+          <a:p>
+            <a:pPr indent="0" algn="l">
+              <a:lnSpc>
+                <a:spcPct val="125000"/>
+              </a:lnSpc>
+              <a:defRPr/>
+            </a:pPr>
+            <a:r>
+              <a:rPr lang="en-US" sz="1400" b="0" i="0" u="none" strike="noStrike">
+                <a:solidFill>
+                  <a:srgbClr val="D1D5DB"/>
+                </a:solidFill>
+                <a:latin typeface="Noto Sans SC"/>
+                <a:ea typeface="Noto Sans SC"/>
+                <a:cs typeface="Noto Sans SC"/>
+                <a:sym typeface="Noto Sans SC"/>
+              </a:rPr>
+              <a:t>获取未来30天的月相变化及关键节点。</a:t>
+            </a:r>
+            <a:endParaRPr lang="en-US" sz="1100"/>
+          </a:p>
+        </p:txBody>
+      </p:sp>
+      <p:pic>
+        <p:nvPicPr>
+          <p:cNvPr id="12" name="Picture 12"/>
+          <p:cNvPicPr>
+            <a:picLocks noChangeAspect="1"/>
+          </p:cNvPicPr>
+          <p:nvPr/>
+        </p:nvPicPr>
+        <p:blipFill>
+          <a:blip r:embed="rId8">
+            <a:extLst>
+              <a:ext uri="{28A0092B-C50C-407E-A947-70E740481C1C}">
+                <a14:useLocalDpi xmlns:a14="http://schemas.microsoft.com/office/drawing/2010/main" val="0"/>
+              </a:ext>
+              <a:ext uri="{96DAC541-7B7A-43D3-8B79-37D633B846F1}">
+                <asvg:svgBlip xmlns:asvg="http://schemas.microsoft.com/office/drawing/2016/SVG/main" r:embed="rId9"/>
+              </a:ext>
+            </a:extLst>
+          </a:blip>
+          <a:stretch>
+            <a:fillRect/>
+          </a:stretch>
+        </p:blipFill>
+        <p:spPr>
+          <a:xfrm>
+            <a:off x="1270000" y="4572000"/>
+            <a:ext cx="254000" cy="254000"/>
+          </a:xfrm>
+          <a:prstGeom prst="rect">
+            <a:avLst/>
+          </a:prstGeom>
+        </p:spPr>
+      </p:pic>
+      <p:sp>
+        <p:nvSpPr>
+          <p:cNvPr id="13" name="AutoShape 13"/>
+          <p:cNvSpPr/>
+          <p:nvPr/>
+        </p:nvSpPr>
+        <p:spPr>
+          <a:xfrm>
+            <a:off x="1714500" y="4572000"/>
+            <a:ext cx="3810000" cy="304800"/>
+          </a:xfrm>
+          <a:prstGeom prst="rect">
+            <a:avLst/>
+          </a:prstGeom>
+          <a:noFill/>
+          <a:ln w="12700" cap="flat" cmpd="sng">
+            <a:noFill/>
+            <a:prstDash val="solid"/>
+            <a:round/>
+          </a:ln>
+        </p:spPr>
+        <p:txBody>
+          <a:bodyPr vert="horz" wrap="square" lIns="0" tIns="0" rIns="0" bIns="0" rtlCol="0" anchor="ctr" anchorCtr="0"/>
+          <a:lstStyle/>
+          <a:p>
+            <a:pPr indent="0" algn="l">
+              <a:lnSpc>
+                <a:spcPct val="125000"/>
+              </a:lnSpc>
+              <a:defRPr/>
+            </a:pPr>
+            <a:r>
+              <a:rPr lang="en-US" sz="1600" b="1" i="0" u="none" strike="noStrike">
+                <a:solidFill>
+                  <a:srgbClr val="FFFFFF"/>
+                </a:solidFill>
+                <a:latin typeface="Noto Sans SC"/>
+                <a:ea typeface="Noto Sans SC"/>
+                <a:cs typeface="Noto Sans SC"/>
+                <a:sym typeface="Noto Sans SC"/>
+              </a:rPr>
+              <a:t>重大天象预报</a:t>
+            </a:r>
+            <a:endParaRPr lang="en-US" sz="1100"/>
+          </a:p>
+        </p:txBody>
+      </p:sp>
+      <p:sp>
+        <p:nvSpPr>
+          <p:cNvPr id="14" name="AutoShape 14"/>
+          <p:cNvSpPr/>
+          <p:nvPr/>
+        </p:nvSpPr>
+        <p:spPr>
+          <a:xfrm>
+            <a:off x="1714500" y="4953000"/>
+            <a:ext cx="3810000" cy="279400"/>
+          </a:xfrm>
+          <a:prstGeom prst="rect">
+            <a:avLst/>
+          </a:prstGeom>
+          <a:noFill/>
+          <a:ln w="12700" cap="flat" cmpd="sng">
+            <a:noFill/>
+            <a:prstDash val="solid"/>
+            <a:round/>
+          </a:ln>
+        </p:spPr>
+        <p:txBody>
+          <a:bodyPr vert="horz" wrap="square" lIns="0" tIns="0" rIns="0" bIns="0" rtlCol="0" anchor="t" anchorCtr="0"/>
+          <a:lstStyle/>
+          <a:p>
+            <a:pPr indent="0" algn="l">
+              <a:lnSpc>
+                <a:spcPct val="125000"/>
+              </a:lnSpc>
+              <a:defRPr/>
+            </a:pPr>
+            <a:r>
+              <a:rPr lang="en-US" sz="1400" b="0" i="0" u="none" strike="noStrike">
+                <a:solidFill>
+                  <a:srgbClr val="D1D5DB"/>
+                </a:solidFill>
+                <a:latin typeface="Noto Sans SC"/>
+                <a:ea typeface="Noto Sans SC"/>
+                <a:cs typeface="Noto Sans SC"/>
+                <a:sym typeface="Noto Sans SC"/>
+              </a:rPr>
+              <a:t>不错过任何一场精彩的流星雨和行星合相。</a:t>
+            </a:r>
+            <a:endParaRPr lang="en-US" sz="1100"/>
+          </a:p>
+        </p:txBody>
+      </p:sp>
+      <p:cxnSp>
+        <p:nvCxnSpPr>
+          <p:cNvPr id="16" name="Connector 16"/>
+          <p:cNvCxnSpPr/>
+          <p:nvPr/>
+        </p:nvCxnSpPr>
+        <p:spPr>
+          <a:xfrm rot="-4092">
+            <a:off x="762004" y="5835650"/>
+            <a:ext cx="10668000" cy="12700"/>
+          </a:xfrm>
+          <a:prstGeom prst="straightConnector1">
+            <a:avLst/>
+          </a:prstGeom>
+          <a:solidFill>
+            <a:srgbClr val="DEE0E3">
+              <a:alpha val="100000"/>
+            </a:srgbClr>
+          </a:solidFill>
+          <a:ln w="12700" cap="flat" cmpd="sng">
+            <a:solidFill>
+              <a:srgbClr val="00BFFF">
+                <a:alpha val="30000"/>
+              </a:srgbClr>
+            </a:solidFill>
+            <a:prstDash val="dash"/>
+            <a:round/>
+            <a:headEnd type="none" w="med" len="med"/>
+            <a:tailEnd type="none" w="med" len="med"/>
+          </a:ln>
+        </p:spPr>
+      </p:cxnSp>
+      <p:pic>
+        <p:nvPicPr>
+          <p:cNvPr id="18" name="图片 17" descr="屏幕上有个手机&#10;&#10;AI 生成的内容可能不正确。">
+            <a:extLst>
+              <a:ext uri="{FF2B5EF4-FFF2-40B4-BE49-F238E27FC236}">
+                <a16:creationId xmlns:a16="http://schemas.microsoft.com/office/drawing/2014/main" id="{7EC25915-B343-DD57-6129-5A2CDC1E9177}"/>
+              </a:ext>
+            </a:extLst>
+          </p:cNvPr>
+          <p:cNvPicPr>
+            <a:picLocks noChangeAspect="1"/>
+          </p:cNvPicPr>
+          <p:nvPr/>
+        </p:nvPicPr>
+        <p:blipFill>
+          <a:blip r:embed="rId10"/>
+          <a:stretch>
+            <a:fillRect/>
+          </a:stretch>
+        </p:blipFill>
+        <p:spPr>
+          <a:xfrm>
+            <a:off x="6096000" y="2265152"/>
+            <a:ext cx="5553344" cy="2177132"/>
+          </a:xfrm>
+          <a:prstGeom prst="roundRect">
+            <a:avLst>
+              <a:gd name="adj" fmla="val 16667"/>
+            </a:avLst>
+          </a:prstGeom>
+          <a:ln w="25400">
+            <a:solidFill>
+              <a:srgbClr val="00BFFF"/>
+            </a:solidFill>
+          </a:ln>
+          <a:effectLst>
+            <a:outerShdw blurRad="76200" dist="38100" dir="7800000" algn="tl" rotWithShape="0">
+              <a:srgbClr val="000000">
+                <a:alpha val="40000"/>
+              </a:srgbClr>
+            </a:outerShdw>
+          </a:effectLst>
+          <a:scene3d>
+            <a:camera prst="orthographicFront"/>
+            <a:lightRig rig="contrasting" dir="t">
+              <a:rot lat="0" lon="0" rev="4200000"/>
+            </a:lightRig>
+          </a:scene3d>
+          <a:sp3d prstMaterial="plastic">
+            <a:bevelT w="381000" h="114300" prst="relaxedInset"/>
+            <a:contourClr>
+              <a:srgbClr val="969696"/>
+            </a:contourClr>
+          </a:sp3d>
+        </p:spPr>
+      </p:pic>
+    </p:spTree>
+  </p:cSld>
+  <p:clrMapOvr>
+    <a:masterClrMapping/>
+  </p:clrMapOvr>
+</p:sld>
+</file>
+
+<file path=ppt/slides/slide9.xml><?xml version="1.0" encoding="utf-8"?>
+<p:sld xmlns:a="http://schemas.openxmlformats.org/drawingml/2006/main" xmlns:r="http://schemas.openxmlformats.org/officeDocument/2006/relationships" xmlns:p="http://schemas.openxmlformats.org/presentationml/2006/main">
+  <p:cSld>
+    <p:bg>
+      <p:bgPr>
+        <a:solidFill>
+          <a:srgbClr val="0F172A">
+            <a:alpha val="100000"/>
+          </a:srgbClr>
+        </a:solidFill>
+        <a:effectLst/>
+      </p:bgPr>
+    </p:bg>
+    <p:spTree>
+      <p:nvGrpSpPr>
+        <p:cNvPr id="1" name=""/>
+        <p:cNvGrpSpPr/>
+        <p:nvPr/>
+      </p:nvGrpSpPr>
+      <p:grpSpPr>
+        <a:xfrm>
+          <a:off x="0" y="0"/>
+          <a:ext cx="0" cy="0"/>
+          <a:chOff x="0" y="0"/>
+          <a:chExt cx="0" cy="0"/>
+        </a:xfrm>
+      </p:grpSpPr>
+      <p:pic>
+        <p:nvPicPr>
+          <p:cNvPr id="2" name="Picture 2"/>
+          <p:cNvPicPr>
+            <a:picLocks noChangeAspect="1"/>
+          </p:cNvPicPr>
+          <p:nvPr/>
+        </p:nvPicPr>
+        <p:blipFill>
+          <a:blip r:embed="rId3"/>
+          <a:srcRect/>
+          <a:stretch>
+            <a:fillRect/>
+          </a:stretch>
+        </p:blipFill>
+        <p:spPr>
+          <a:xfrm>
+            <a:off x="0" y="0"/>
+            <a:ext cx="12192000" cy="6858000"/>
+          </a:xfrm>
+          <a:prstGeom prst="rect">
+            <a:avLst/>
+          </a:prstGeom>
+          <a:noFill/>
+          <a:ln w="25400" cap="flat" cmpd="sng">
+            <a:noFill/>
+            <a:prstDash val="solid"/>
+            <a:round/>
+          </a:ln>
+        </p:spPr>
+      </p:pic>
+      <p:sp>
+        <p:nvSpPr>
+          <p:cNvPr id="3" name="AutoShape 3"/>
+          <p:cNvSpPr/>
+          <p:nvPr/>
+        </p:nvSpPr>
+        <p:spPr>
+          <a:xfrm>
+            <a:off x="0" y="0"/>
+            <a:ext cx="12192000" cy="6858000"/>
+          </a:xfrm>
+          <a:prstGeom prst="roundRect">
+            <a:avLst>
+              <a:gd name="adj" fmla="val 0"/>
+            </a:avLst>
+          </a:prstGeom>
+          <a:solidFill>
+            <a:srgbClr val="0F172A">
+              <a:alpha val="70000"/>
+            </a:srgbClr>
+          </a:solidFill>
+          <a:ln w="25400" cap="flat" cmpd="sng">
+            <a:noFill/>
+            <a:prstDash val="solid"/>
+            <a:round/>
+          </a:ln>
+        </p:spPr>
+        <p:txBody>
+          <a:bodyPr vert="horz" wrap="square" lIns="63500" tIns="63500" rIns="63500" bIns="63500" rtlCol="0" anchor="ctr"/>
+          <a:lstStyle/>
+          <a:p>
+            <a:pPr algn="ctr">
+              <a:defRPr/>
+            </a:pPr>
+            <a:endParaRPr/>
+          </a:p>
+        </p:txBody>
+      </p:sp>
+      <p:sp>
+        <p:nvSpPr>
+          <p:cNvPr id="4" name="AutoShape 4"/>
+          <p:cNvSpPr/>
+          <p:nvPr/>
+        </p:nvSpPr>
+        <p:spPr>
+          <a:xfrm>
+            <a:off x="762000" y="406400"/>
+            <a:ext cx="5080000" cy="508000"/>
+          </a:xfrm>
+          <a:prstGeom prst="rect">
+            <a:avLst/>
+          </a:prstGeom>
+          <a:noFill/>
+          <a:ln w="12700" cap="flat" cmpd="sng">
+            <a:noFill/>
+            <a:prstDash val="solid"/>
+            <a:round/>
+          </a:ln>
+        </p:spPr>
+        <p:txBody>
+          <a:bodyPr vert="horz" wrap="square" lIns="0" tIns="0" rIns="0" bIns="0" rtlCol="0" anchor="ctr" anchorCtr="0"/>
+          <a:lstStyle/>
+          <a:p>
+            <a:pPr indent="0" algn="l">
+              <a:lnSpc>
+                <a:spcPct val="125000"/>
+              </a:lnSpc>
+              <a:defRPr/>
+            </a:pPr>
+            <a:r>
+              <a:rPr lang="en-US" sz="3200" b="1" i="0" u="none" strike="noStrike">
+                <a:solidFill>
+                  <a:srgbClr val="FFFFFF"/>
+                </a:solidFill>
+                <a:latin typeface="Noto Sans SC"/>
+                <a:ea typeface="Noto Sans SC"/>
+                <a:cs typeface="Noto Sans SC"/>
+                <a:sym typeface="Noto Sans SC"/>
+              </a:rPr>
+              <a:t>总结</a:t>
+            </a:r>
+            <a:endParaRPr lang="en-US" sz="1100"/>
+          </a:p>
+        </p:txBody>
+      </p:sp>
+      <p:cxnSp>
+        <p:nvCxnSpPr>
+          <p:cNvPr id="5" name="Connector 5"/>
+          <p:cNvCxnSpPr/>
+          <p:nvPr/>
+        </p:nvCxnSpPr>
+        <p:spPr>
+          <a:xfrm rot="-8594">
+            <a:off x="762008" y="1212850"/>
+            <a:ext cx="5080000" cy="12700"/>
+          </a:xfrm>
+          <a:prstGeom prst="straightConnector1">
+            <a:avLst/>
+          </a:prstGeom>
+          <a:solidFill>
+            <a:srgbClr val="DEE0E3">
+              <a:alpha val="100000"/>
+            </a:srgbClr>
+          </a:solidFill>
+          <a:ln w="25400" cap="flat" cmpd="sng">
+            <a:solidFill>
+              <a:srgbClr val="00BFFF">
+                <a:alpha val="100000"/>
+              </a:srgbClr>
+            </a:solidFill>
+            <a:prstDash val="solid"/>
+            <a:round/>
+            <a:headEnd type="none" w="lg" len="lg"/>
+            <a:tailEnd type="none" w="lg" len="lg"/>
+          </a:ln>
+        </p:spPr>
+      </p:cxnSp>
+      <p:pic>
+        <p:nvPicPr>
+          <p:cNvPr id="6" name="Picture 6"/>
+          <p:cNvPicPr>
+            <a:picLocks noChangeAspect="1"/>
+          </p:cNvPicPr>
+          <p:nvPr/>
+        </p:nvPicPr>
+        <p:blipFill>
+          <a:blip r:embed="rId4">
+            <a:extLst>
+              <a:ext uri="{28A0092B-C50C-407E-A947-70E740481C1C}">
+                <a14:useLocalDpi xmlns:a14="http://schemas.microsoft.com/office/drawing/2010/main" val="0"/>
+              </a:ext>
+              <a:ext uri="{96DAC541-7B7A-43D3-8B79-37D633B846F1}">
+                <asvg:svgBlip xmlns:asvg="http://schemas.microsoft.com/office/drawing/2016/SVG/main" r:embed="rId5"/>
+              </a:ext>
+            </a:extLst>
+          </a:blip>
+          <a:stretch>
+            <a:fillRect/>
+          </a:stretch>
+        </p:blipFill>
+        <p:spPr>
+          <a:xfrm>
+            <a:off x="762000" y="1651000"/>
+            <a:ext cx="304800" cy="304800"/>
+          </a:xfrm>
+          <a:prstGeom prst="rect">
+            <a:avLst/>
+          </a:prstGeom>
+        </p:spPr>
+      </p:pic>
+      <p:sp>
+        <p:nvSpPr>
+          <p:cNvPr id="7" name="AutoShape 7"/>
+          <p:cNvSpPr/>
+          <p:nvPr/>
+        </p:nvSpPr>
+        <p:spPr>
+          <a:xfrm>
+            <a:off x="1270000" y="1651000"/>
+            <a:ext cx="4572000" cy="304800"/>
+          </a:xfrm>
+          <a:prstGeom prst="rect">
+            <a:avLst/>
+          </a:prstGeom>
+          <a:noFill/>
+          <a:ln w="12700" cap="flat" cmpd="sng">
+            <a:noFill/>
+            <a:prstDash val="solid"/>
+            <a:round/>
+          </a:ln>
+        </p:spPr>
+        <p:txBody>
+          <a:bodyPr vert="horz" wrap="square" lIns="0" tIns="0" rIns="0" bIns="0" rtlCol="0" anchor="ctr" anchorCtr="0"/>
+          <a:lstStyle/>
+          <a:p>
+            <a:pPr indent="0" algn="l">
+              <a:lnSpc>
+                <a:spcPct val="125000"/>
+              </a:lnSpc>
+              <a:defRPr/>
+            </a:pPr>
+            <a:r>
+              <a:rPr lang="en-US" sz="1800" b="1" i="0" u="none" strike="noStrike">
+                <a:solidFill>
+                  <a:srgbClr val="FFFFFF"/>
+                </a:solidFill>
+                <a:latin typeface="Noto Sans SC"/>
+                <a:ea typeface="Noto Sans SC"/>
+                <a:cs typeface="Noto Sans SC"/>
+                <a:sym typeface="Noto Sans SC"/>
+              </a:rPr>
+              <a:t>完成情况</a:t>
+            </a:r>
+            <a:endParaRPr lang="en-US" sz="1100"/>
+          </a:p>
+        </p:txBody>
+      </p:sp>
+      <p:sp>
+        <p:nvSpPr>
+          <p:cNvPr id="8" name="AutoShape 8"/>
+          <p:cNvSpPr/>
+          <p:nvPr/>
+        </p:nvSpPr>
+        <p:spPr>
+          <a:xfrm>
+            <a:off x="1270000" y="2032000"/>
+            <a:ext cx="4572000" cy="558800"/>
+          </a:xfrm>
+          <a:prstGeom prst="rect">
+            <a:avLst/>
+          </a:prstGeom>
+          <a:noFill/>
+          <a:ln w="12700" cap="flat" cmpd="sng">
+            <a:noFill/>
+            <a:prstDash val="solid"/>
+            <a:round/>
+          </a:ln>
+        </p:spPr>
+        <p:txBody>
+          <a:bodyPr vert="horz" wrap="square" lIns="0" tIns="0" rIns="0" bIns="0" rtlCol="0" anchor="t" anchorCtr="0"/>
+          <a:lstStyle/>
+          <a:p>
+            <a:pPr indent="0" algn="l">
+              <a:lnSpc>
+                <a:spcPct val="116666"/>
+              </a:lnSpc>
+              <a:defRPr/>
+            </a:pPr>
+            <a:r>
+              <a:rPr lang="en-US" sz="1400" b="0" i="0" u="none" strike="noStrike">
+                <a:solidFill>
+                  <a:srgbClr val="E5E7EB"/>
+                </a:solidFill>
+                <a:latin typeface="Noto Sans SC"/>
+                <a:ea typeface="Noto Sans SC"/>
+                <a:cs typeface="Noto Sans SC"/>
+                <a:sym typeface="Noto Sans SC"/>
+              </a:rPr>
+              <a:t>成功实现了天气查询、天文预测和个性化建议等核心功能。</a:t>
+            </a:r>
+            <a:endParaRPr lang="en-US" sz="1100"/>
+          </a:p>
+        </p:txBody>
+      </p:sp>
+      <p:pic>
+        <p:nvPicPr>
+          <p:cNvPr id="9" name="Picture 9"/>
+          <p:cNvPicPr>
+            <a:picLocks noChangeAspect="1"/>
+          </p:cNvPicPr>
+          <p:nvPr/>
+        </p:nvPicPr>
+        <p:blipFill>
+          <a:blip r:embed="rId6">
+            <a:extLst>
+              <a:ext uri="{28A0092B-C50C-407E-A947-70E740481C1C}">
+                <a14:useLocalDpi xmlns:a14="http://schemas.microsoft.com/office/drawing/2010/main" val="0"/>
+              </a:ext>
+              <a:ext uri="{96DAC541-7B7A-43D3-8B79-37D633B846F1}">
+                <asvg:svgBlip xmlns:asvg="http://schemas.microsoft.com/office/drawing/2016/SVG/main" r:embed="rId7"/>
+              </a:ext>
+            </a:extLst>
+          </a:blip>
+          <a:stretch>
+            <a:fillRect/>
+          </a:stretch>
+        </p:blipFill>
+        <p:spPr>
+          <a:xfrm>
+            <a:off x="762000" y="2921000"/>
+            <a:ext cx="304800" cy="304800"/>
+          </a:xfrm>
+          <a:prstGeom prst="rect">
+            <a:avLst/>
+          </a:prstGeom>
+        </p:spPr>
+      </p:pic>
+      <p:sp>
+        <p:nvSpPr>
+          <p:cNvPr id="10" name="AutoShape 10"/>
+          <p:cNvSpPr/>
+          <p:nvPr/>
+        </p:nvSpPr>
+        <p:spPr>
+          <a:xfrm>
+            <a:off x="1270000" y="2921000"/>
+            <a:ext cx="4572000" cy="304800"/>
+          </a:xfrm>
+          <a:prstGeom prst="rect">
+            <a:avLst/>
+          </a:prstGeom>
+          <a:noFill/>
+          <a:ln w="12700" cap="flat" cmpd="sng">
+            <a:noFill/>
+            <a:prstDash val="solid"/>
+            <a:round/>
+          </a:ln>
+        </p:spPr>
+        <p:txBody>
+          <a:bodyPr vert="horz" wrap="square" lIns="0" tIns="0" rIns="0" bIns="0" rtlCol="0" anchor="ctr" anchorCtr="0"/>
+          <a:lstStyle/>
+          <a:p>
+            <a:pPr indent="0" algn="l">
+              <a:lnSpc>
+                <a:spcPct val="125000"/>
+              </a:lnSpc>
+              <a:defRPr/>
+            </a:pPr>
+            <a:r>
+              <a:rPr lang="en-US" sz="1800" b="1" i="0" u="none" strike="noStrike">
+                <a:solidFill>
+                  <a:srgbClr val="FFFFFF"/>
+                </a:solidFill>
+                <a:latin typeface="Noto Sans SC"/>
+                <a:ea typeface="Noto Sans SC"/>
+                <a:cs typeface="Noto Sans SC"/>
+                <a:sym typeface="Noto Sans SC"/>
+              </a:rPr>
+              <a:t>技术亮点</a:t>
+            </a:r>
+            <a:endParaRPr lang="en-US" sz="1100"/>
+          </a:p>
+        </p:txBody>
+      </p:sp>
+      <p:pic>
+        <p:nvPicPr>
+          <p:cNvPr id="11" name="Picture 11"/>
+          <p:cNvPicPr>
+            <a:picLocks noChangeAspect="1"/>
+          </p:cNvPicPr>
+          <p:nvPr/>
+        </p:nvPicPr>
+        <p:blipFill>
+          <a:blip r:embed="rId8">
+            <a:extLst>
+              <a:ext uri="{28A0092B-C50C-407E-A947-70E740481C1C}">
+                <a14:useLocalDpi xmlns:a14="http://schemas.microsoft.com/office/drawing/2010/main" val="0"/>
+              </a:ext>
+              <a:ext uri="{96DAC541-7B7A-43D3-8B79-37D633B846F1}">
+                <asvg:svgBlip xmlns:asvg="http://schemas.microsoft.com/office/drawing/2016/SVG/main" r:embed="rId9"/>
+              </a:ext>
+            </a:extLst>
+          </a:blip>
+          <a:stretch>
+            <a:fillRect/>
+          </a:stretch>
+        </p:blipFill>
+        <p:spPr>
+          <a:xfrm>
+            <a:off x="1270000" y="3378200"/>
+            <a:ext cx="203200" cy="203200"/>
+          </a:xfrm>
+          <a:prstGeom prst="rect">
+            <a:avLst/>
+          </a:prstGeom>
+        </p:spPr>
+      </p:pic>
+      <p:sp>
+        <p:nvSpPr>
+          <p:cNvPr id="12" name="AutoShape 12"/>
+          <p:cNvSpPr/>
+          <p:nvPr/>
+        </p:nvSpPr>
+        <p:spPr>
+          <a:xfrm>
+            <a:off x="1574800" y="3352800"/>
+            <a:ext cx="4318000" cy="279400"/>
+          </a:xfrm>
+          <a:prstGeom prst="rect">
+            <a:avLst/>
+          </a:prstGeom>
+          <a:noFill/>
+          <a:ln w="12700" cap="flat" cmpd="sng">
+            <a:noFill/>
+            <a:prstDash val="solid"/>
+            <a:round/>
+          </a:ln>
+        </p:spPr>
+        <p:txBody>
+          <a:bodyPr vert="horz" wrap="square" lIns="0" tIns="0" rIns="0" bIns="0" rtlCol="0" anchor="ctr" anchorCtr="0"/>
+          <a:lstStyle/>
+          <a:p>
+            <a:pPr indent="0" algn="l">
+              <a:lnSpc>
+                <a:spcPct val="125000"/>
+              </a:lnSpc>
+              <a:defRPr/>
+            </a:pPr>
+            <a:r>
+              <a:rPr lang="en-US" sz="1400" b="0" i="0" u="none" strike="noStrike">
+                <a:solidFill>
+                  <a:srgbClr val="E5E7EB"/>
+                </a:solidFill>
+                <a:latin typeface="Noto Sans SC"/>
+                <a:ea typeface="Noto Sans SC"/>
+                <a:cs typeface="Noto Sans SC"/>
+                <a:sym typeface="Noto Sans SC"/>
+              </a:rPr>
+              <a:t>基于FastAPI构建高效、稳定的后端服务。</a:t>
+            </a:r>
+            <a:endParaRPr lang="en-US" sz="1100"/>
+          </a:p>
+        </p:txBody>
+      </p:sp>
+      <p:pic>
+        <p:nvPicPr>
+          <p:cNvPr id="13" name="Picture 13"/>
+          <p:cNvPicPr>
+            <a:picLocks noChangeAspect="1"/>
+          </p:cNvPicPr>
+          <p:nvPr/>
+        </p:nvPicPr>
+        <p:blipFill>
+          <a:blip r:embed="rId8">
+            <a:extLst>
+              <a:ext uri="{28A0092B-C50C-407E-A947-70E740481C1C}">
+                <a14:useLocalDpi xmlns:a14="http://schemas.microsoft.com/office/drawing/2010/main" val="0"/>
+              </a:ext>
+              <a:ext uri="{96DAC541-7B7A-43D3-8B79-37D633B846F1}">
+                <asvg:svgBlip xmlns:asvg="http://schemas.microsoft.com/office/drawing/2016/SVG/main" r:embed="rId9"/>
+              </a:ext>
+            </a:extLst>
+          </a:blip>
+          <a:stretch>
+            <a:fillRect/>
+          </a:stretch>
+        </p:blipFill>
+        <p:spPr>
+          <a:xfrm>
+            <a:off x="1270000" y="3886200"/>
+            <a:ext cx="203200" cy="203200"/>
+          </a:xfrm>
+          <a:prstGeom prst="rect">
+            <a:avLst/>
+          </a:prstGeom>
+        </p:spPr>
+      </p:pic>
+      <p:sp>
+        <p:nvSpPr>
+          <p:cNvPr id="14" name="AutoShape 14"/>
+          <p:cNvSpPr/>
+          <p:nvPr/>
+        </p:nvSpPr>
+        <p:spPr>
+          <a:xfrm>
+            <a:off x="1574800" y="3860800"/>
+            <a:ext cx="4318000" cy="279400"/>
+          </a:xfrm>
+          <a:prstGeom prst="rect">
+            <a:avLst/>
+          </a:prstGeom>
+          <a:noFill/>
+          <a:ln w="12700" cap="flat" cmpd="sng">
+            <a:noFill/>
+            <a:prstDash val="solid"/>
+            <a:round/>
+          </a:ln>
+        </p:spPr>
+        <p:txBody>
+          <a:bodyPr vert="horz" wrap="square" lIns="0" tIns="0" rIns="0" bIns="0" rtlCol="0" anchor="ctr" anchorCtr="0"/>
+          <a:lstStyle/>
+          <a:p>
+            <a:pPr indent="0" algn="l">
+              <a:lnSpc>
+                <a:spcPct val="125000"/>
+              </a:lnSpc>
+              <a:defRPr/>
+            </a:pPr>
+            <a:r>
+              <a:rPr lang="en-US" sz="1400" b="0" i="0" u="none" strike="noStrike">
+                <a:solidFill>
+                  <a:srgbClr val="E5E7EB"/>
+                </a:solidFill>
+                <a:latin typeface="Noto Sans SC"/>
+                <a:ea typeface="Noto Sans SC"/>
+                <a:cs typeface="Noto Sans SC"/>
+                <a:sym typeface="Noto Sans SC"/>
+              </a:rPr>
+              <a:t>集成阿里通义千问AI模型，实现自然语言理解。</a:t>
+            </a:r>
+            <a:endParaRPr lang="en-US" sz="1100"/>
+          </a:p>
+        </p:txBody>
+      </p:sp>
+      <p:pic>
+        <p:nvPicPr>
+          <p:cNvPr id="17" name="Picture 17"/>
+          <p:cNvPicPr>
+            <a:picLocks noChangeAspect="1"/>
+          </p:cNvPicPr>
+          <p:nvPr/>
+        </p:nvPicPr>
+        <p:blipFill>
+          <a:blip r:embed="rId10">
+            <a:extLst>
+              <a:ext uri="{28A0092B-C50C-407E-A947-70E740481C1C}">
+                <a14:useLocalDpi xmlns:a14="http://schemas.microsoft.com/office/drawing/2010/main" val="0"/>
+              </a:ext>
+              <a:ext uri="{96DAC541-7B7A-43D3-8B79-37D633B846F1}">
+                <asvg:svgBlip xmlns:asvg="http://schemas.microsoft.com/office/drawing/2016/SVG/main" r:embed="rId11"/>
+              </a:ext>
+            </a:extLst>
+          </a:blip>
+          <a:stretch>
+            <a:fillRect/>
+          </a:stretch>
+        </p:blipFill>
+        <p:spPr>
+          <a:xfrm>
+            <a:off x="762000" y="4953000"/>
+            <a:ext cx="304800" cy="304800"/>
+          </a:xfrm>
+          <a:prstGeom prst="rect">
+            <a:avLst/>
+          </a:prstGeom>
+        </p:spPr>
+      </p:pic>
+      <p:sp>
+        <p:nvSpPr>
+          <p:cNvPr id="18" name="AutoShape 18"/>
+          <p:cNvSpPr/>
+          <p:nvPr/>
+        </p:nvSpPr>
+        <p:spPr>
+          <a:xfrm>
+            <a:off x="1270000" y="4953000"/>
+            <a:ext cx="4572000" cy="304800"/>
+          </a:xfrm>
+          <a:prstGeom prst="rect">
+            <a:avLst/>
+          </a:prstGeom>
+          <a:noFill/>
+          <a:ln w="12700" cap="flat" cmpd="sng">
+            <a:noFill/>
+            <a:prstDash val="solid"/>
+            <a:round/>
+          </a:ln>
+        </p:spPr>
+        <p:txBody>
+          <a:bodyPr vert="horz" wrap="square" lIns="0" tIns="0" rIns="0" bIns="0" rtlCol="0" anchor="ctr" anchorCtr="0"/>
+          <a:lstStyle/>
+          <a:p>
+            <a:pPr indent="0" algn="l">
+              <a:lnSpc>
+                <a:spcPct val="125000"/>
+              </a:lnSpc>
+              <a:defRPr/>
+            </a:pPr>
+            <a:r>
+              <a:rPr lang="en-US" sz="1800" b="1" i="0" u="none" strike="noStrike">
+                <a:solidFill>
+                  <a:srgbClr val="FFFFFF"/>
+                </a:solidFill>
+                <a:latin typeface="Noto Sans SC"/>
+                <a:ea typeface="Noto Sans SC"/>
+                <a:cs typeface="Noto Sans SC"/>
+                <a:sym typeface="Noto Sans SC"/>
+              </a:rPr>
+              <a:t>用户价值</a:t>
+            </a:r>
+            <a:endParaRPr lang="en-US" sz="1100"/>
+          </a:p>
+        </p:txBody>
+      </p:sp>
+      <p:sp>
+        <p:nvSpPr>
+          <p:cNvPr id="19" name="AutoShape 19"/>
+          <p:cNvSpPr/>
+          <p:nvPr/>
+        </p:nvSpPr>
+        <p:spPr>
+          <a:xfrm>
+            <a:off x="1270000" y="5334000"/>
+            <a:ext cx="4572000" cy="558800"/>
+          </a:xfrm>
+          <a:prstGeom prst="rect">
+            <a:avLst/>
+          </a:prstGeom>
+          <a:noFill/>
+          <a:ln w="12700" cap="flat" cmpd="sng">
+            <a:noFill/>
+            <a:prstDash val="solid"/>
+            <a:round/>
+          </a:ln>
+        </p:spPr>
+        <p:txBody>
+          <a:bodyPr vert="horz" wrap="square" lIns="0" tIns="0" rIns="0" bIns="0" rtlCol="0" anchor="t" anchorCtr="0"/>
+          <a:lstStyle/>
+          <a:p>
+            <a:pPr indent="0" algn="l">
+              <a:lnSpc>
+                <a:spcPct val="116666"/>
+              </a:lnSpc>
+              <a:defRPr/>
+            </a:pPr>
+            <a:r>
+              <a:rPr lang="en-US" sz="1400" b="0" i="0" u="none" strike="noStrike">
+                <a:solidFill>
+                  <a:srgbClr val="E5E7EB"/>
+                </a:solidFill>
+                <a:latin typeface="Noto Sans SC"/>
+                <a:ea typeface="Noto Sans SC"/>
+                <a:cs typeface="Noto Sans SC"/>
+                <a:sym typeface="Noto Sans SC"/>
+              </a:rPr>
+              <a:t>为用户提供了便捷、精准的天气与天文信息服务。</a:t>
+            </a:r>
+            <a:endParaRPr lang="en-US" sz="1100"/>
+          </a:p>
+        </p:txBody>
+      </p:sp>
+      <p:pic>
+        <p:nvPicPr>
+          <p:cNvPr id="16" name="图片 15" descr="夜空下的雪山">
+            <a:extLst>
+              <a:ext uri="{FF2B5EF4-FFF2-40B4-BE49-F238E27FC236}">
+                <a16:creationId xmlns:a16="http://schemas.microsoft.com/office/drawing/2014/main" id="{8C742424-98CD-1F8A-7ACF-4348446C0F40}"/>
+              </a:ext>
+            </a:extLst>
+          </p:cNvPr>
+          <p:cNvPicPr>
+            <a:picLocks noChangeAspect="1"/>
+          </p:cNvPicPr>
+          <p:nvPr/>
+        </p:nvPicPr>
+        <p:blipFill>
+          <a:blip r:embed="rId12"/>
+          <a:stretch>
+            <a:fillRect/>
+          </a:stretch>
+        </p:blipFill>
+        <p:spPr>
+          <a:xfrm>
+            <a:off x="6202517" y="1805632"/>
+            <a:ext cx="5476591" cy="3653135"/>
+          </a:xfrm>
+          <a:prstGeom prst="roundRect">
+            <a:avLst>
+              <a:gd name="adj" fmla="val 16667"/>
+            </a:avLst>
+          </a:prstGeom>
+          <a:ln w="34925">
+            <a:solidFill>
+              <a:srgbClr val="00BFFF"/>
+            </a:solidFill>
+          </a:ln>
+          <a:effectLst>
+            <a:outerShdw blurRad="76200" dist="38100" dir="7800000" algn="tl" rotWithShape="0">
+              <a:srgbClr val="000000">
+                <a:alpha val="40000"/>
+              </a:srgbClr>
+            </a:outerShdw>
+          </a:effectLst>
+          <a:scene3d>
+            <a:camera prst="orthographicFront"/>
+            <a:lightRig rig="contrasting" dir="t">
+              <a:rot lat="0" lon="0" rev="4200000"/>
+            </a:lightRig>
+          </a:scene3d>
+          <a:sp3d prstMaterial="plastic">
+            <a:bevelT w="381000" h="114300" prst="relaxedInset"/>
+            <a:contourClr>
+              <a:srgbClr val="969696"/>
+            </a:contourClr>
+          </a:sp3d>
+        </p:spPr>
+      </p:pic>
     </p:spTree>
   </p:cSld>
   <p:clrMapOvr>
